--- a/docs/Laboratório - REST - v2.pptx
+++ b/docs/Laboratório - REST - v2.pptx
@@ -5,7 +5,7 @@
     <p:sldMasterId id="2147483648" r:id="rId1"/>
   </p:sldMasterIdLst>
   <p:notesMasterIdLst>
-    <p:notesMasterId r:id="rId69"/>
+    <p:notesMasterId r:id="rId70"/>
   </p:notesMasterIdLst>
   <p:sldIdLst>
     <p:sldId id="261" r:id="rId2"/>
@@ -44,37 +44,38 @@
     <p:sldId id="311" r:id="rId35"/>
     <p:sldId id="296" r:id="rId36"/>
     <p:sldId id="335" r:id="rId37"/>
-    <p:sldId id="318" r:id="rId38"/>
-    <p:sldId id="312" r:id="rId39"/>
-    <p:sldId id="313" r:id="rId40"/>
-    <p:sldId id="314" r:id="rId41"/>
-    <p:sldId id="294" r:id="rId42"/>
-    <p:sldId id="317" r:id="rId43"/>
-    <p:sldId id="319" r:id="rId44"/>
-    <p:sldId id="336" r:id="rId45"/>
-    <p:sldId id="298" r:id="rId46"/>
-    <p:sldId id="321" r:id="rId47"/>
-    <p:sldId id="322" r:id="rId48"/>
-    <p:sldId id="323" r:id="rId49"/>
-    <p:sldId id="300" r:id="rId50"/>
-    <p:sldId id="324" r:id="rId51"/>
-    <p:sldId id="326" r:id="rId52"/>
-    <p:sldId id="325" r:id="rId53"/>
-    <p:sldId id="337" r:id="rId54"/>
-    <p:sldId id="320" r:id="rId55"/>
-    <p:sldId id="327" r:id="rId56"/>
-    <p:sldId id="328" r:id="rId57"/>
-    <p:sldId id="316" r:id="rId58"/>
-    <p:sldId id="301" r:id="rId59"/>
-    <p:sldId id="330" r:id="rId60"/>
-    <p:sldId id="331" r:id="rId61"/>
-    <p:sldId id="332" r:id="rId62"/>
-    <p:sldId id="333" r:id="rId63"/>
-    <p:sldId id="338" r:id="rId64"/>
-    <p:sldId id="299" r:id="rId65"/>
-    <p:sldId id="262" r:id="rId66"/>
-    <p:sldId id="306" r:id="rId67"/>
-    <p:sldId id="329" r:id="rId68"/>
+    <p:sldId id="339" r:id="rId38"/>
+    <p:sldId id="318" r:id="rId39"/>
+    <p:sldId id="312" r:id="rId40"/>
+    <p:sldId id="313" r:id="rId41"/>
+    <p:sldId id="314" r:id="rId42"/>
+    <p:sldId id="294" r:id="rId43"/>
+    <p:sldId id="317" r:id="rId44"/>
+    <p:sldId id="319" r:id="rId45"/>
+    <p:sldId id="336" r:id="rId46"/>
+    <p:sldId id="298" r:id="rId47"/>
+    <p:sldId id="321" r:id="rId48"/>
+    <p:sldId id="322" r:id="rId49"/>
+    <p:sldId id="323" r:id="rId50"/>
+    <p:sldId id="300" r:id="rId51"/>
+    <p:sldId id="324" r:id="rId52"/>
+    <p:sldId id="326" r:id="rId53"/>
+    <p:sldId id="325" r:id="rId54"/>
+    <p:sldId id="337" r:id="rId55"/>
+    <p:sldId id="320" r:id="rId56"/>
+    <p:sldId id="327" r:id="rId57"/>
+    <p:sldId id="328" r:id="rId58"/>
+    <p:sldId id="316" r:id="rId59"/>
+    <p:sldId id="301" r:id="rId60"/>
+    <p:sldId id="330" r:id="rId61"/>
+    <p:sldId id="331" r:id="rId62"/>
+    <p:sldId id="332" r:id="rId63"/>
+    <p:sldId id="333" r:id="rId64"/>
+    <p:sldId id="338" r:id="rId65"/>
+    <p:sldId id="299" r:id="rId66"/>
+    <p:sldId id="262" r:id="rId67"/>
+    <p:sldId id="306" r:id="rId68"/>
+    <p:sldId id="329" r:id="rId69"/>
   </p:sldIdLst>
   <p:sldSz cx="12192000" cy="6858000"/>
   <p:notesSz cx="6858000" cy="9144000"/>
@@ -266,7 +267,7 @@
           <a:p>
             <a:fld id="{F3052D68-3286-4B67-BE67-1DA6A7D8FCAB}" type="datetimeFigureOut">
               <a:rPr lang="pt-BR" smtClean="0"/>
-              <a:t>10/03/2022</a:t>
+              <a:t>11/03/2022</a:t>
             </a:fld>
             <a:endParaRPr lang="pt-BR"/>
           </a:p>
@@ -424,7 +425,7 @@
           <a:p>
             <a:fld id="{F84297B2-42CC-422A-BD0E-F26526CE07AB}" type="slidenum">
               <a:rPr lang="pt-BR" smtClean="0"/>
-              <a:t>‹nº›</a:t>
+              <a:t>‹#›</a:t>
             </a:fld>
             <a:endParaRPr lang="pt-BR"/>
           </a:p>
@@ -662,7 +663,7 @@
           <a:p>
             <a:fld id="{6E2AC561-9086-4A77-B72B-4E0B017958A9}" type="datetimeFigureOut">
               <a:rPr lang="pt-BR" smtClean="0"/>
-              <a:t>10/03/2022</a:t>
+              <a:t>11/03/2022</a:t>
             </a:fld>
             <a:endParaRPr lang="pt-BR"/>
           </a:p>
@@ -712,7 +713,7 @@
           <a:p>
             <a:fld id="{7A28B3CA-C863-4D9C-BA95-0340CA493557}" type="slidenum">
               <a:rPr lang="pt-BR" smtClean="0"/>
-              <a:t>‹nº›</a:t>
+              <a:t>‹#›</a:t>
             </a:fld>
             <a:endParaRPr lang="pt-BR"/>
           </a:p>
@@ -838,7 +839,7 @@
           <a:p>
             <a:fld id="{6E2AC561-9086-4A77-B72B-4E0B017958A9}" type="datetimeFigureOut">
               <a:rPr lang="pt-BR" smtClean="0"/>
-              <a:t>10/03/2022</a:t>
+              <a:t>11/03/2022</a:t>
             </a:fld>
             <a:endParaRPr lang="pt-BR"/>
           </a:p>
@@ -888,7 +889,7 @@
           <a:p>
             <a:fld id="{7A28B3CA-C863-4D9C-BA95-0340CA493557}" type="slidenum">
               <a:rPr lang="pt-BR" smtClean="0"/>
-              <a:t>‹nº›</a:t>
+              <a:t>‹#›</a:t>
             </a:fld>
             <a:endParaRPr lang="pt-BR"/>
           </a:p>
@@ -1024,7 +1025,7 @@
           <a:p>
             <a:fld id="{6E2AC561-9086-4A77-B72B-4E0B017958A9}" type="datetimeFigureOut">
               <a:rPr lang="pt-BR" smtClean="0"/>
-              <a:t>10/03/2022</a:t>
+              <a:t>11/03/2022</a:t>
             </a:fld>
             <a:endParaRPr lang="pt-BR"/>
           </a:p>
@@ -1074,7 +1075,7 @@
           <a:p>
             <a:fld id="{7A28B3CA-C863-4D9C-BA95-0340CA493557}" type="slidenum">
               <a:rPr lang="pt-BR" smtClean="0"/>
-              <a:t>‹nº›</a:t>
+              <a:t>‹#›</a:t>
             </a:fld>
             <a:endParaRPr lang="pt-BR"/>
           </a:p>
@@ -1200,7 +1201,7 @@
           <a:p>
             <a:fld id="{6E2AC561-9086-4A77-B72B-4E0B017958A9}" type="datetimeFigureOut">
               <a:rPr lang="pt-BR" smtClean="0"/>
-              <a:t>10/03/2022</a:t>
+              <a:t>11/03/2022</a:t>
             </a:fld>
             <a:endParaRPr lang="pt-BR"/>
           </a:p>
@@ -1250,7 +1251,7 @@
           <a:p>
             <a:fld id="{7A28B3CA-C863-4D9C-BA95-0340CA493557}" type="slidenum">
               <a:rPr lang="pt-BR" smtClean="0"/>
-              <a:t>‹nº›</a:t>
+              <a:t>‹#›</a:t>
             </a:fld>
             <a:endParaRPr lang="pt-BR"/>
           </a:p>
@@ -1453,7 +1454,7 @@
           <a:p>
             <a:fld id="{6E2AC561-9086-4A77-B72B-4E0B017958A9}" type="datetimeFigureOut">
               <a:rPr lang="pt-BR" smtClean="0"/>
-              <a:t>10/03/2022</a:t>
+              <a:t>11/03/2022</a:t>
             </a:fld>
             <a:endParaRPr lang="pt-BR"/>
           </a:p>
@@ -1503,7 +1504,7 @@
           <a:p>
             <a:fld id="{7A28B3CA-C863-4D9C-BA95-0340CA493557}" type="slidenum">
               <a:rPr lang="pt-BR" smtClean="0"/>
-              <a:t>‹nº›</a:t>
+              <a:t>‹#›</a:t>
             </a:fld>
             <a:endParaRPr lang="pt-BR"/>
           </a:p>
@@ -1690,7 +1691,7 @@
           <a:p>
             <a:fld id="{6E2AC561-9086-4A77-B72B-4E0B017958A9}" type="datetimeFigureOut">
               <a:rPr lang="pt-BR" smtClean="0"/>
-              <a:t>10/03/2022</a:t>
+              <a:t>11/03/2022</a:t>
             </a:fld>
             <a:endParaRPr lang="pt-BR"/>
           </a:p>
@@ -1740,7 +1741,7 @@
           <a:p>
             <a:fld id="{7A28B3CA-C863-4D9C-BA95-0340CA493557}" type="slidenum">
               <a:rPr lang="pt-BR" smtClean="0"/>
-              <a:t>‹nº›</a:t>
+              <a:t>‹#›</a:t>
             </a:fld>
             <a:endParaRPr lang="pt-BR"/>
           </a:p>
@@ -2062,7 +2063,7 @@
           <a:p>
             <a:fld id="{6E2AC561-9086-4A77-B72B-4E0B017958A9}" type="datetimeFigureOut">
               <a:rPr lang="pt-BR" smtClean="0"/>
-              <a:t>10/03/2022</a:t>
+              <a:t>11/03/2022</a:t>
             </a:fld>
             <a:endParaRPr lang="pt-BR"/>
           </a:p>
@@ -2112,7 +2113,7 @@
           <a:p>
             <a:fld id="{7A28B3CA-C863-4D9C-BA95-0340CA493557}" type="slidenum">
               <a:rPr lang="pt-BR" smtClean="0"/>
-              <a:t>‹nº›</a:t>
+              <a:t>‹#›</a:t>
             </a:fld>
             <a:endParaRPr lang="pt-BR"/>
           </a:p>
@@ -2187,7 +2188,7 @@
           <a:p>
             <a:fld id="{6E2AC561-9086-4A77-B72B-4E0B017958A9}" type="datetimeFigureOut">
               <a:rPr lang="pt-BR" smtClean="0"/>
-              <a:t>10/03/2022</a:t>
+              <a:t>11/03/2022</a:t>
             </a:fld>
             <a:endParaRPr lang="pt-BR"/>
           </a:p>
@@ -2237,7 +2238,7 @@
           <a:p>
             <a:fld id="{7A28B3CA-C863-4D9C-BA95-0340CA493557}" type="slidenum">
               <a:rPr lang="pt-BR" smtClean="0"/>
-              <a:t>‹nº›</a:t>
+              <a:t>‹#›</a:t>
             </a:fld>
             <a:endParaRPr lang="pt-BR"/>
           </a:p>
@@ -2290,7 +2291,7 @@
           <a:p>
             <a:fld id="{6E2AC561-9086-4A77-B72B-4E0B017958A9}" type="datetimeFigureOut">
               <a:rPr lang="pt-BR" smtClean="0"/>
-              <a:t>10/03/2022</a:t>
+              <a:t>11/03/2022</a:t>
             </a:fld>
             <a:endParaRPr lang="pt-BR"/>
           </a:p>
@@ -2340,7 +2341,7 @@
           <a:p>
             <a:fld id="{7A28B3CA-C863-4D9C-BA95-0340CA493557}" type="slidenum">
               <a:rPr lang="pt-BR" smtClean="0"/>
-              <a:t>‹nº›</a:t>
+              <a:t>‹#›</a:t>
             </a:fld>
             <a:endParaRPr lang="pt-BR"/>
           </a:p>
@@ -2573,7 +2574,7 @@
           <a:p>
             <a:fld id="{6E2AC561-9086-4A77-B72B-4E0B017958A9}" type="datetimeFigureOut">
               <a:rPr lang="pt-BR" smtClean="0"/>
-              <a:t>10/03/2022</a:t>
+              <a:t>11/03/2022</a:t>
             </a:fld>
             <a:endParaRPr lang="pt-BR"/>
           </a:p>
@@ -2623,7 +2624,7 @@
           <a:p>
             <a:fld id="{7A28B3CA-C863-4D9C-BA95-0340CA493557}" type="slidenum">
               <a:rPr lang="pt-BR" smtClean="0"/>
-              <a:t>‹nº›</a:t>
+              <a:t>‹#›</a:t>
             </a:fld>
             <a:endParaRPr lang="pt-BR"/>
           </a:p>
@@ -2833,7 +2834,7 @@
           <a:p>
             <a:fld id="{6E2AC561-9086-4A77-B72B-4E0B017958A9}" type="datetimeFigureOut">
               <a:rPr lang="pt-BR" smtClean="0"/>
-              <a:t>10/03/2022</a:t>
+              <a:t>11/03/2022</a:t>
             </a:fld>
             <a:endParaRPr lang="pt-BR"/>
           </a:p>
@@ -2883,7 +2884,7 @@
           <a:p>
             <a:fld id="{7A28B3CA-C863-4D9C-BA95-0340CA493557}" type="slidenum">
               <a:rPr lang="pt-BR" smtClean="0"/>
-              <a:t>‹nº›</a:t>
+              <a:t>‹#›</a:t>
             </a:fld>
             <a:endParaRPr lang="pt-BR"/>
           </a:p>
@@ -3052,7 +3053,7 @@
           <a:p>
             <a:fld id="{6E2AC561-9086-4A77-B72B-4E0B017958A9}" type="datetimeFigureOut">
               <a:rPr lang="pt-BR" smtClean="0"/>
-              <a:t>10/03/2022</a:t>
+              <a:t>11/03/2022</a:t>
             </a:fld>
             <a:endParaRPr lang="pt-BR"/>
           </a:p>
@@ -3942,7 +3943,7 @@
                 <a:latin typeface="Arial" panose="020B0604020202020204" pitchFamily="34" charset="0"/>
               </a:rPr>
               <a:pPr algn="r"/>
-              <a:t>‹nº›</a:t>
+              <a:t>‹#›</a:t>
             </a:fld>
             <a:endParaRPr lang="pt-BR" altLang="pt-BR" sz="1400" dirty="0">
               <a:latin typeface="Arial" panose="020B0604020202020204" pitchFamily="34" charset="0"/>
@@ -5945,23 +5946,8 @@
                 </a:solidFill>
                 <a:latin typeface="Candara" panose="020E0502030303020204" pitchFamily="34" charset="0"/>
               </a:rPr>
-              <a:t>&gt;Configuração inicial no Eclipse (1 </a:t>
-            </a:r>
-            <a:r>
-              <a:rPr lang="pt-BR" sz="2400">
-                <a:solidFill>
-                  <a:srgbClr val="003399"/>
-                </a:solidFill>
-                <a:latin typeface="Candara" panose="020E0502030303020204" pitchFamily="34" charset="0"/>
-              </a:rPr>
-              <a:t>de 3):</a:t>
-            </a:r>
-            <a:endParaRPr lang="pt-BR" sz="2400" dirty="0">
-              <a:solidFill>
-                <a:srgbClr val="003399"/>
-              </a:solidFill>
-              <a:latin typeface="Candara" panose="020E0502030303020204" pitchFamily="34" charset="0"/>
-            </a:endParaRPr>
+              <a:t>&gt;Configuração inicial no Eclipse (1 de 3):</a:t>
+            </a:r>
           </a:p>
           <a:p>
             <a:pPr marL="342900" lvl="0" indent="-342900" algn="just">
@@ -6130,135 +6116,6 @@
               </a:rPr>
               <a:t>: </a:t>
             </a:r>
-          </a:p>
-          <a:p>
-            <a:pPr marL="342900" lvl="0" indent="-342900" algn="just">
-              <a:lnSpc>
-                <a:spcPct val="107000"/>
-              </a:lnSpc>
-              <a:buFont typeface="Symbol" panose="05050102010706020507" pitchFamily="18" charset="2"/>
-              <a:buChar char=""/>
-            </a:pPr>
-            <a:r>
-              <a:rPr lang="pt-BR" sz="1800" dirty="0">
-                <a:solidFill>
-                  <a:srgbClr val="2F5496"/>
-                </a:solidFill>
-                <a:effectLst/>
-                <a:latin typeface="Candara" panose="020E0502030303020204" pitchFamily="34" charset="0"/>
-                <a:ea typeface="Calibri" panose="020F0502020204030204" pitchFamily="34" charset="0"/>
-                <a:cs typeface="Arial" panose="020B0604020202020204" pitchFamily="34" charset="0"/>
-              </a:rPr>
-              <a:t>Em </a:t>
-            </a:r>
-            <a:r>
-              <a:rPr lang="pt-BR" sz="1800" u="sng" dirty="0">
-                <a:solidFill>
-                  <a:srgbClr val="2F5496"/>
-                </a:solidFill>
-                <a:effectLst/>
-                <a:latin typeface="Candara" panose="020E0502030303020204" pitchFamily="34" charset="0"/>
-                <a:ea typeface="Calibri" panose="020F0502020204030204" pitchFamily="34" charset="0"/>
-                <a:cs typeface="Arial" panose="020B0604020202020204" pitchFamily="34" charset="0"/>
-              </a:rPr>
-              <a:t>Text file encoding</a:t>
-            </a:r>
-            <a:r>
-              <a:rPr lang="pt-BR" sz="1800" dirty="0">
-                <a:solidFill>
-                  <a:srgbClr val="2F5496"/>
-                </a:solidFill>
-                <a:effectLst/>
-                <a:latin typeface="Candara" panose="020E0502030303020204" pitchFamily="34" charset="0"/>
-                <a:ea typeface="Calibri" panose="020F0502020204030204" pitchFamily="34" charset="0"/>
-                <a:cs typeface="Arial" panose="020B0604020202020204" pitchFamily="34" charset="0"/>
-              </a:rPr>
-              <a:t>: selecionar </a:t>
-            </a:r>
-            <a:r>
-              <a:rPr lang="pt-BR" sz="1800" b="1" dirty="0">
-                <a:solidFill>
-                  <a:srgbClr val="2F5496"/>
-                </a:solidFill>
-                <a:effectLst/>
-                <a:latin typeface="Candara" panose="020E0502030303020204" pitchFamily="34" charset="0"/>
-                <a:ea typeface="Calibri" panose="020F0502020204030204" pitchFamily="34" charset="0"/>
-                <a:cs typeface="Arial" panose="020B0604020202020204" pitchFamily="34" charset="0"/>
-              </a:rPr>
-              <a:t>Other</a:t>
-            </a:r>
-            <a:r>
-              <a:rPr lang="pt-BR" sz="1800" dirty="0">
-                <a:solidFill>
-                  <a:srgbClr val="2F5496"/>
-                </a:solidFill>
-                <a:effectLst/>
-                <a:latin typeface="Candara" panose="020E0502030303020204" pitchFamily="34" charset="0"/>
-                <a:ea typeface="Calibri" panose="020F0502020204030204" pitchFamily="34" charset="0"/>
-                <a:cs typeface="Arial" panose="020B0604020202020204" pitchFamily="34" charset="0"/>
-              </a:rPr>
-              <a:t>: </a:t>
-            </a:r>
-            <a:r>
-              <a:rPr lang="pt-BR" sz="1800" b="1" dirty="0">
-                <a:solidFill>
-                  <a:srgbClr val="2F5496"/>
-                </a:solidFill>
-                <a:effectLst/>
-                <a:latin typeface="Candara" panose="020E0502030303020204" pitchFamily="34" charset="0"/>
-                <a:ea typeface="Calibri" panose="020F0502020204030204" pitchFamily="34" charset="0"/>
-                <a:cs typeface="Arial" panose="020B0604020202020204" pitchFamily="34" charset="0"/>
-              </a:rPr>
-              <a:t>UTF-8</a:t>
-            </a:r>
-            <a:endParaRPr lang="pt-PT" sz="1800" dirty="0">
-              <a:effectLst/>
-              <a:latin typeface="Candara" panose="020E0502030303020204" pitchFamily="34" charset="0"/>
-              <a:ea typeface="Calibri" panose="020F0502020204030204" pitchFamily="34" charset="0"/>
-              <a:cs typeface="Arial" panose="020B0604020202020204" pitchFamily="34" charset="0"/>
-            </a:endParaRPr>
-          </a:p>
-          <a:p>
-            <a:pPr marL="342900" lvl="0" indent="-342900" algn="just">
-              <a:lnSpc>
-                <a:spcPct val="107000"/>
-              </a:lnSpc>
-              <a:spcAft>
-                <a:spcPts val="800"/>
-              </a:spcAft>
-              <a:buFont typeface="Symbol" panose="05050102010706020507" pitchFamily="18" charset="2"/>
-              <a:buChar char=""/>
-            </a:pPr>
-            <a:r>
-              <a:rPr lang="pt-BR" sz="1800" dirty="0">
-                <a:solidFill>
-                  <a:srgbClr val="2F5496"/>
-                </a:solidFill>
-                <a:effectLst/>
-                <a:latin typeface="Candara" panose="020E0502030303020204" pitchFamily="34" charset="0"/>
-                <a:ea typeface="Calibri" panose="020F0502020204030204" pitchFamily="34" charset="0"/>
-                <a:cs typeface="Arial" panose="020B0604020202020204" pitchFamily="34" charset="0"/>
-              </a:rPr>
-              <a:t>Clique</a:t>
-            </a:r>
-            <a:r>
-              <a:rPr lang="pt-BR" sz="1800" b="1" dirty="0">
-                <a:solidFill>
-                  <a:srgbClr val="2F5496"/>
-                </a:solidFill>
-                <a:effectLst/>
-                <a:latin typeface="Candara" panose="020E0502030303020204" pitchFamily="34" charset="0"/>
-                <a:ea typeface="Calibri" panose="020F0502020204030204" pitchFamily="34" charset="0"/>
-                <a:cs typeface="Arial" panose="020B0604020202020204" pitchFamily="34" charset="0"/>
-              </a:rPr>
-              <a:t> Apply</a:t>
-            </a:r>
-            <a:endParaRPr lang="pt-PT" sz="1800" dirty="0">
-              <a:effectLst/>
-              <a:latin typeface="Candara" panose="020E0502030303020204" pitchFamily="34" charset="0"/>
-              <a:ea typeface="Calibri" panose="020F0502020204030204" pitchFamily="34" charset="0"/>
-              <a:cs typeface="Arial" panose="020B0604020202020204" pitchFamily="34" charset="0"/>
-            </a:endParaRPr>
           </a:p>
           <a:p>
             <a:pPr marL="0" indent="0">
@@ -6284,12 +6141,196 @@
           </a:p>
         </p:txBody>
       </p:sp>
+      <p:sp>
+        <p:nvSpPr>
+          <p:cNvPr id="2" name="Rectangle 1">
+            <a:extLst>
+              <a:ext uri="{FF2B5EF4-FFF2-40B4-BE49-F238E27FC236}">
+                <a16:creationId xmlns:a16="http://schemas.microsoft.com/office/drawing/2014/main" id="{F011B227-F6D6-4670-96D0-41E762D88914}"/>
+              </a:ext>
+            </a:extLst>
+          </p:cNvPr>
+          <p:cNvSpPr/>
+          <p:nvPr/>
+        </p:nvSpPr>
+        <p:spPr>
+          <a:xfrm>
+            <a:off x="6445549" y="5184560"/>
+            <a:ext cx="5281118" cy="1241480"/>
+          </a:xfrm>
+          <a:prstGeom prst="rect">
+            <a:avLst/>
+          </a:prstGeom>
+          <a:solidFill>
+            <a:srgbClr val="FFFF00"/>
+          </a:solidFill>
+        </p:spPr>
+        <p:style>
+          <a:lnRef idx="2">
+            <a:schemeClr val="accent1">
+              <a:shade val="50000"/>
+            </a:schemeClr>
+          </a:lnRef>
+          <a:fillRef idx="1">
+            <a:schemeClr val="accent1"/>
+          </a:fillRef>
+          <a:effectRef idx="0">
+            <a:schemeClr val="accent1"/>
+          </a:effectRef>
+          <a:fontRef idx="minor">
+            <a:schemeClr val="lt1"/>
+          </a:fontRef>
+        </p:style>
+        <p:txBody>
+          <a:bodyPr rtlCol="0" anchor="t"/>
+          <a:lstStyle/>
+          <a:p>
+            <a:pPr marL="342900" lvl="0" indent="-342900" algn="just">
+              <a:lnSpc>
+                <a:spcPct val="107000"/>
+              </a:lnSpc>
+              <a:buFont typeface="Symbol" panose="05050102010706020507" pitchFamily="18" charset="2"/>
+              <a:buChar char=""/>
+            </a:pPr>
+            <a:r>
+              <a:rPr lang="pt-BR" dirty="0">
+                <a:solidFill>
+                  <a:srgbClr val="2F5496"/>
+                </a:solidFill>
+                <a:latin typeface="Candara" panose="020E0502030303020204" pitchFamily="34" charset="0"/>
+                <a:ea typeface="Calibri" panose="020F0502020204030204" pitchFamily="34" charset="0"/>
+                <a:cs typeface="Arial" panose="020B0604020202020204" pitchFamily="34" charset="0"/>
+              </a:rPr>
+              <a:t>Em </a:t>
+            </a:r>
+            <a:r>
+              <a:rPr lang="pt-BR" u="sng" dirty="0">
+                <a:solidFill>
+                  <a:srgbClr val="2F5496"/>
+                </a:solidFill>
+                <a:latin typeface="Candara" panose="020E0502030303020204" pitchFamily="34" charset="0"/>
+                <a:ea typeface="Calibri" panose="020F0502020204030204" pitchFamily="34" charset="0"/>
+                <a:cs typeface="Arial" panose="020B0604020202020204" pitchFamily="34" charset="0"/>
+              </a:rPr>
+              <a:t>Text file encoding</a:t>
+            </a:r>
+            <a:r>
+              <a:rPr lang="pt-BR" dirty="0">
+                <a:solidFill>
+                  <a:srgbClr val="2F5496"/>
+                </a:solidFill>
+                <a:latin typeface="Candara" panose="020E0502030303020204" pitchFamily="34" charset="0"/>
+                <a:ea typeface="Calibri" panose="020F0502020204030204" pitchFamily="34" charset="0"/>
+                <a:cs typeface="Arial" panose="020B0604020202020204" pitchFamily="34" charset="0"/>
+              </a:rPr>
+              <a:t>: selecionar </a:t>
+            </a:r>
+            <a:r>
+              <a:rPr lang="pt-BR" b="1" dirty="0">
+                <a:solidFill>
+                  <a:srgbClr val="2F5496"/>
+                </a:solidFill>
+                <a:latin typeface="Candara" panose="020E0502030303020204" pitchFamily="34" charset="0"/>
+                <a:ea typeface="Calibri" panose="020F0502020204030204" pitchFamily="34" charset="0"/>
+                <a:cs typeface="Arial" panose="020B0604020202020204" pitchFamily="34" charset="0"/>
+              </a:rPr>
+              <a:t>Other</a:t>
+            </a:r>
+            <a:r>
+              <a:rPr lang="pt-BR" dirty="0">
+                <a:solidFill>
+                  <a:srgbClr val="2F5496"/>
+                </a:solidFill>
+                <a:latin typeface="Candara" panose="020E0502030303020204" pitchFamily="34" charset="0"/>
+                <a:ea typeface="Calibri" panose="020F0502020204030204" pitchFamily="34" charset="0"/>
+                <a:cs typeface="Arial" panose="020B0604020202020204" pitchFamily="34" charset="0"/>
+              </a:rPr>
+              <a:t>: </a:t>
+            </a:r>
+            <a:r>
+              <a:rPr lang="pt-BR" b="1" dirty="0">
+                <a:solidFill>
+                  <a:srgbClr val="2F5496"/>
+                </a:solidFill>
+                <a:latin typeface="Candara" panose="020E0502030303020204" pitchFamily="34" charset="0"/>
+                <a:ea typeface="Calibri" panose="020F0502020204030204" pitchFamily="34" charset="0"/>
+                <a:cs typeface="Arial" panose="020B0604020202020204" pitchFamily="34" charset="0"/>
+              </a:rPr>
+              <a:t>UTF-8</a:t>
+            </a:r>
+            <a:endParaRPr lang="pt-PT" dirty="0">
+              <a:latin typeface="Candara" panose="020E0502030303020204" pitchFamily="34" charset="0"/>
+              <a:ea typeface="Calibri" panose="020F0502020204030204" pitchFamily="34" charset="0"/>
+              <a:cs typeface="Arial" panose="020B0604020202020204" pitchFamily="34" charset="0"/>
+            </a:endParaRPr>
+          </a:p>
+          <a:p>
+            <a:pPr marL="342900" lvl="0" indent="-342900" algn="just">
+              <a:lnSpc>
+                <a:spcPct val="107000"/>
+              </a:lnSpc>
+              <a:spcAft>
+                <a:spcPts val="800"/>
+              </a:spcAft>
+              <a:buFont typeface="Symbol" panose="05050102010706020507" pitchFamily="18" charset="2"/>
+              <a:buChar char=""/>
+            </a:pPr>
+            <a:endParaRPr lang="pt-BR" dirty="0">
+              <a:solidFill>
+                <a:srgbClr val="2F5496"/>
+              </a:solidFill>
+              <a:latin typeface="Candara" panose="020E0502030303020204" pitchFamily="34" charset="0"/>
+              <a:ea typeface="Calibri" panose="020F0502020204030204" pitchFamily="34" charset="0"/>
+              <a:cs typeface="Arial" panose="020B0604020202020204" pitchFamily="34" charset="0"/>
+            </a:endParaRPr>
+          </a:p>
+          <a:p>
+            <a:pPr marL="342900" lvl="0" indent="-342900" algn="just">
+              <a:lnSpc>
+                <a:spcPct val="107000"/>
+              </a:lnSpc>
+              <a:spcAft>
+                <a:spcPts val="800"/>
+              </a:spcAft>
+              <a:buFont typeface="Symbol" panose="05050102010706020507" pitchFamily="18" charset="2"/>
+              <a:buChar char=""/>
+            </a:pPr>
+            <a:r>
+              <a:rPr lang="pt-BR" dirty="0">
+                <a:solidFill>
+                  <a:srgbClr val="2F5496"/>
+                </a:solidFill>
+                <a:latin typeface="Candara" panose="020E0502030303020204" pitchFamily="34" charset="0"/>
+                <a:ea typeface="Calibri" panose="020F0502020204030204" pitchFamily="34" charset="0"/>
+                <a:cs typeface="Arial" panose="020B0604020202020204" pitchFamily="34" charset="0"/>
+              </a:rPr>
+              <a:t>Clicar</a:t>
+            </a:r>
+            <a:r>
+              <a:rPr lang="pt-BR" b="1" dirty="0">
+                <a:solidFill>
+                  <a:srgbClr val="2F5496"/>
+                </a:solidFill>
+                <a:latin typeface="Candara" panose="020E0502030303020204" pitchFamily="34" charset="0"/>
+                <a:ea typeface="Calibri" panose="020F0502020204030204" pitchFamily="34" charset="0"/>
+                <a:cs typeface="Arial" panose="020B0604020202020204" pitchFamily="34" charset="0"/>
+              </a:rPr>
+              <a:t> Apply</a:t>
+            </a:r>
+            <a:endParaRPr lang="pt-PT" dirty="0">
+              <a:latin typeface="Candara" panose="020E0502030303020204" pitchFamily="34" charset="0"/>
+              <a:ea typeface="Calibri" panose="020F0502020204030204" pitchFamily="34" charset="0"/>
+              <a:cs typeface="Arial" panose="020B0604020202020204" pitchFamily="34" charset="0"/>
+            </a:endParaRPr>
+          </a:p>
+        </p:txBody>
+      </p:sp>
       <p:pic>
         <p:nvPicPr>
-          <p:cNvPr id="6" name="Imagem 5">
+          <p:cNvPr id="4" name="Picture 3">
             <a:extLst>
               <a:ext uri="{FF2B5EF4-FFF2-40B4-BE49-F238E27FC236}">
-                <a16:creationId xmlns:a16="http://schemas.microsoft.com/office/drawing/2014/main" id="{23EBE083-8C92-43A5-80FB-31179E35E68A}"/>
+                <a16:creationId xmlns:a16="http://schemas.microsoft.com/office/drawing/2014/main" id="{63BEF7DE-7230-4140-A298-81DCF28446CE}"/>
               </a:ext>
             </a:extLst>
           </p:cNvPr>
@@ -6306,8 +6347,8 @@
         </p:blipFill>
         <p:spPr>
           <a:xfrm>
-            <a:off x="5873000" y="1973884"/>
-            <a:ext cx="5350675" cy="4884116"/>
+            <a:off x="749245" y="1985934"/>
+            <a:ext cx="5554438" cy="4754880"/>
           </a:xfrm>
           <a:prstGeom prst="rect">
             <a:avLst/>
@@ -6638,7 +6679,7 @@
               <a:buNone/>
             </a:pPr>
             <a:r>
-              <a:rPr lang="pt-BR" sz="2400">
+              <a:rPr lang="pt-BR" sz="2400" dirty="0">
                 <a:solidFill>
                   <a:srgbClr val="003399"/>
                 </a:solidFill>
@@ -6656,7 +6697,7 @@
               <a:buChar char=""/>
             </a:pPr>
             <a:r>
-              <a:rPr lang="pt-BR" sz="1800">
+              <a:rPr lang="pt-BR" sz="1800" dirty="0">
                 <a:solidFill>
                   <a:srgbClr val="2F5496"/>
                 </a:solidFill>
@@ -6667,7 +6708,7 @@
               </a:rPr>
               <a:t>Agora, precisamos configurar o Eclipse para usar o JDK ao invés do JRE.</a:t>
             </a:r>
-            <a:endParaRPr lang="pt-PT" sz="1800">
+            <a:endParaRPr lang="pt-PT" sz="1800" dirty="0">
               <a:effectLst/>
               <a:latin typeface="Calibri" panose="020F0502020204030204" pitchFamily="34" charset="0"/>
               <a:ea typeface="Calibri" panose="020F0502020204030204" pitchFamily="34" charset="0"/>
@@ -6683,7 +6724,7 @@
               <a:buChar char=""/>
             </a:pPr>
             <a:r>
-              <a:rPr lang="pt-BR" sz="1800">
+              <a:rPr lang="pt-BR" sz="1800" dirty="0">
                 <a:solidFill>
                   <a:srgbClr val="2F5496"/>
                 </a:solidFill>
@@ -6695,7 +6736,7 @@
               <a:t>Nas opções da esquerda, expanda </a:t>
             </a:r>
             <a:r>
-              <a:rPr lang="pt-BR" sz="1800" b="1">
+              <a:rPr lang="pt-BR" sz="1800" b="1" dirty="0">
                 <a:solidFill>
                   <a:srgbClr val="2F5496"/>
                 </a:solidFill>
@@ -6707,7 +6748,7 @@
               <a:t>Java</a:t>
             </a:r>
             <a:r>
-              <a:rPr lang="pt-BR" sz="1800">
+              <a:rPr lang="pt-BR" sz="1800" dirty="0">
                 <a:solidFill>
                   <a:srgbClr val="2F5496"/>
                 </a:solidFill>
@@ -6719,7 +6760,7 @@
               <a:t> e clique em </a:t>
             </a:r>
             <a:r>
-              <a:rPr lang="pt-BR" sz="1800" b="1">
+              <a:rPr lang="pt-BR" sz="1800" b="1" dirty="0">
                 <a:solidFill>
                   <a:srgbClr val="2F5496"/>
                 </a:solidFill>
@@ -6728,10 +6769,10 @@
                 <a:ea typeface="Calibri" panose="020F0502020204030204" pitchFamily="34" charset="0"/>
                 <a:cs typeface="Arial" panose="020B0604020202020204" pitchFamily="34" charset="0"/>
               </a:rPr>
-              <a:t>Installed JRE´s</a:t>
-            </a:r>
-            <a:r>
-              <a:rPr lang="pt-BR" sz="1800">
+              <a:t>Installed JRE´s:</a:t>
+            </a:r>
+            <a:r>
+              <a:rPr lang="pt-BR" sz="1800" dirty="0">
                 <a:solidFill>
                   <a:srgbClr val="2F5496"/>
                 </a:solidFill>
@@ -6742,7 +6783,7 @@
               </a:rPr>
               <a:t> </a:t>
             </a:r>
-            <a:endParaRPr lang="pt-PT" sz="1800">
+            <a:endParaRPr lang="pt-PT" sz="1800" dirty="0">
               <a:effectLst/>
               <a:latin typeface="Calibri" panose="020F0502020204030204" pitchFamily="34" charset="0"/>
               <a:ea typeface="Calibri" panose="020F0502020204030204" pitchFamily="34" charset="0"/>
@@ -6750,141 +6791,10 @@
             </a:endParaRPr>
           </a:p>
           <a:p>
-            <a:pPr marL="342900" lvl="0" indent="-342900" algn="just">
-              <a:lnSpc>
-                <a:spcPct val="107000"/>
-              </a:lnSpc>
-              <a:buFont typeface="Symbol" panose="05050102010706020507" pitchFamily="18" charset="2"/>
-              <a:buChar char=""/>
-            </a:pPr>
-            <a:r>
-              <a:rPr lang="pt-BR" sz="1800">
-                <a:solidFill>
-                  <a:srgbClr val="2F5496"/>
-                </a:solidFill>
-                <a:effectLst/>
-                <a:latin typeface="Calibri" panose="020F0502020204030204" pitchFamily="34" charset="0"/>
-                <a:ea typeface="Calibri" panose="020F0502020204030204" pitchFamily="34" charset="0"/>
-                <a:cs typeface="Arial" panose="020B0604020202020204" pitchFamily="34" charset="0"/>
-              </a:rPr>
-              <a:t>Selecione o JDK instalado</a:t>
-            </a:r>
-          </a:p>
-          <a:p>
-            <a:pPr marL="342900" lvl="0" indent="-342900" algn="just">
-              <a:lnSpc>
-                <a:spcPct val="107000"/>
-              </a:lnSpc>
-              <a:buFont typeface="Symbol" panose="05050102010706020507" pitchFamily="18" charset="2"/>
-              <a:buChar char=""/>
-            </a:pPr>
-            <a:r>
-              <a:rPr lang="pt-BR" sz="1800">
-                <a:solidFill>
-                  <a:srgbClr val="2F5496"/>
-                </a:solidFill>
-                <a:latin typeface="Calibri" panose="020F0502020204030204" pitchFamily="34" charset="0"/>
-                <a:ea typeface="Calibri" panose="020F0502020204030204" pitchFamily="34" charset="0"/>
-                <a:cs typeface="Arial" panose="020B0604020202020204" pitchFamily="34" charset="0"/>
-              </a:rPr>
-              <a:t>Em JRE Name, digite </a:t>
-            </a:r>
-            <a:r>
-              <a:rPr lang="pt-BR" sz="1800" b="1">
-                <a:solidFill>
-                  <a:srgbClr val="2F5496"/>
-                </a:solidFill>
-                <a:latin typeface="Calibri" panose="020F0502020204030204" pitchFamily="34" charset="0"/>
-                <a:ea typeface="Calibri" panose="020F0502020204030204" pitchFamily="34" charset="0"/>
-                <a:cs typeface="Arial" panose="020B0604020202020204" pitchFamily="34" charset="0"/>
-              </a:rPr>
-              <a:t>jdk</a:t>
-            </a:r>
-            <a:endParaRPr lang="pt-BR" sz="1800" b="1">
-              <a:solidFill>
-                <a:srgbClr val="2F5496"/>
-              </a:solidFill>
-              <a:effectLst/>
-              <a:latin typeface="Calibri" panose="020F0502020204030204" pitchFamily="34" charset="0"/>
-              <a:ea typeface="Calibri" panose="020F0502020204030204" pitchFamily="34" charset="0"/>
-              <a:cs typeface="Arial" panose="020B0604020202020204" pitchFamily="34" charset="0"/>
-            </a:endParaRPr>
-          </a:p>
-          <a:p>
-            <a:pPr marL="342900" lvl="0" indent="-342900" algn="just">
-              <a:lnSpc>
-                <a:spcPct val="107000"/>
-              </a:lnSpc>
-              <a:buFont typeface="Symbol" panose="05050102010706020507" pitchFamily="18" charset="2"/>
-              <a:buChar char=""/>
-            </a:pPr>
-            <a:r>
-              <a:rPr lang="pt-BR" sz="1800">
-                <a:solidFill>
-                  <a:srgbClr val="2F5496"/>
-                </a:solidFill>
-                <a:latin typeface="Calibri" panose="020F0502020204030204" pitchFamily="34" charset="0"/>
-                <a:ea typeface="Calibri" panose="020F0502020204030204" pitchFamily="34" charset="0"/>
-                <a:cs typeface="Arial" panose="020B0604020202020204" pitchFamily="34" charset="0"/>
-              </a:rPr>
-              <a:t>Clicar </a:t>
-            </a:r>
-            <a:r>
-              <a:rPr lang="pt-BR" sz="1800" b="1">
-                <a:solidFill>
-                  <a:srgbClr val="2F5496"/>
-                </a:solidFill>
-                <a:latin typeface="Calibri" panose="020F0502020204030204" pitchFamily="34" charset="0"/>
-                <a:ea typeface="Calibri" panose="020F0502020204030204" pitchFamily="34" charset="0"/>
-                <a:cs typeface="Arial" panose="020B0604020202020204" pitchFamily="34" charset="0"/>
-              </a:rPr>
-              <a:t>Finish</a:t>
-            </a:r>
-          </a:p>
-          <a:p>
-            <a:pPr marL="342900" lvl="0" indent="-342900" algn="just">
-              <a:lnSpc>
-                <a:spcPct val="107000"/>
-              </a:lnSpc>
-              <a:buFont typeface="Symbol" panose="05050102010706020507" pitchFamily="18" charset="2"/>
-              <a:buChar char=""/>
-            </a:pPr>
-            <a:r>
-              <a:rPr lang="pt-BR" sz="1800">
-                <a:solidFill>
-                  <a:srgbClr val="2F5496"/>
-                </a:solidFill>
-                <a:effectLst/>
-                <a:latin typeface="Calibri" panose="020F0502020204030204" pitchFamily="34" charset="0"/>
-                <a:ea typeface="Calibri" panose="020F0502020204030204" pitchFamily="34" charset="0"/>
-                <a:cs typeface="Arial" panose="020B0604020202020204" pitchFamily="34" charset="0"/>
-              </a:rPr>
-              <a:t>Clicar </a:t>
-            </a:r>
-            <a:r>
-              <a:rPr lang="pt-BR" sz="1800" b="1">
-                <a:solidFill>
-                  <a:srgbClr val="2F5496"/>
-                </a:solidFill>
-                <a:effectLst/>
-                <a:latin typeface="Calibri" panose="020F0502020204030204" pitchFamily="34" charset="0"/>
-                <a:ea typeface="Calibri" panose="020F0502020204030204" pitchFamily="34" charset="0"/>
-                <a:cs typeface="Arial" panose="020B0604020202020204" pitchFamily="34" charset="0"/>
-              </a:rPr>
-              <a:t>Apply</a:t>
-            </a:r>
-            <a:endParaRPr lang="pt-PT" sz="1800" b="1">
-              <a:effectLst/>
-              <a:latin typeface="Calibri" panose="020F0502020204030204" pitchFamily="34" charset="0"/>
-              <a:ea typeface="Calibri" panose="020F0502020204030204" pitchFamily="34" charset="0"/>
-              <a:cs typeface="Arial" panose="020B0604020202020204" pitchFamily="34" charset="0"/>
-            </a:endParaRPr>
-          </a:p>
-          <a:p>
             <a:pPr marL="0" indent="0">
               <a:buNone/>
             </a:pPr>
-            <a:endParaRPr lang="pt-BR" sz="2400">
+            <a:endParaRPr lang="pt-BR" sz="2400" dirty="0">
               <a:solidFill>
                 <a:srgbClr val="003399"/>
               </a:solidFill>
@@ -6915,7 +6825,7 @@
         </p:blipFill>
         <p:spPr>
           <a:xfrm>
-            <a:off x="4133105" y="2390151"/>
+            <a:off x="750483" y="2026166"/>
             <a:ext cx="7078063" cy="4467849"/>
           </a:xfrm>
           <a:prstGeom prst="rect">
@@ -6923,6 +6833,211 @@
           </a:prstGeom>
         </p:spPr>
       </p:pic>
+      <p:sp>
+        <p:nvSpPr>
+          <p:cNvPr id="6" name="Rectangle 5">
+            <a:extLst>
+              <a:ext uri="{FF2B5EF4-FFF2-40B4-BE49-F238E27FC236}">
+                <a16:creationId xmlns:a16="http://schemas.microsoft.com/office/drawing/2014/main" id="{FD453674-0EDA-482F-9988-59337ADEB65D}"/>
+              </a:ext>
+            </a:extLst>
+          </p:cNvPr>
+          <p:cNvSpPr/>
+          <p:nvPr/>
+        </p:nvSpPr>
+        <p:spPr>
+          <a:xfrm>
+            <a:off x="7971652" y="3340061"/>
+            <a:ext cx="3951060" cy="2093073"/>
+          </a:xfrm>
+          <a:prstGeom prst="rect">
+            <a:avLst/>
+          </a:prstGeom>
+          <a:solidFill>
+            <a:srgbClr val="FFFF00"/>
+          </a:solidFill>
+        </p:spPr>
+        <p:style>
+          <a:lnRef idx="2">
+            <a:schemeClr val="accent1">
+              <a:shade val="50000"/>
+            </a:schemeClr>
+          </a:lnRef>
+          <a:fillRef idx="1">
+            <a:schemeClr val="accent1"/>
+          </a:fillRef>
+          <a:effectRef idx="0">
+            <a:schemeClr val="accent1"/>
+          </a:effectRef>
+          <a:fontRef idx="minor">
+            <a:schemeClr val="lt1"/>
+          </a:fontRef>
+        </p:style>
+        <p:txBody>
+          <a:bodyPr rtlCol="0" anchor="t"/>
+          <a:lstStyle/>
+          <a:p>
+            <a:pPr marL="342900" lvl="0" indent="-342900">
+              <a:lnSpc>
+                <a:spcPct val="107000"/>
+              </a:lnSpc>
+              <a:buFont typeface="Symbol" panose="05050102010706020507" pitchFamily="18" charset="2"/>
+              <a:buChar char=""/>
+            </a:pPr>
+            <a:r>
+              <a:rPr lang="pt-BR" dirty="0">
+                <a:solidFill>
+                  <a:srgbClr val="2F5496"/>
+                </a:solidFill>
+                <a:latin typeface="Calibri" panose="020F0502020204030204" pitchFamily="34" charset="0"/>
+                <a:ea typeface="Calibri" panose="020F0502020204030204" pitchFamily="34" charset="0"/>
+                <a:cs typeface="Arial" panose="020B0604020202020204" pitchFamily="34" charset="0"/>
+              </a:rPr>
+              <a:t>Clicar </a:t>
+            </a:r>
+            <a:r>
+              <a:rPr lang="pt-BR" b="1" dirty="0">
+                <a:solidFill>
+                  <a:srgbClr val="2F5496"/>
+                </a:solidFill>
+                <a:latin typeface="Calibri" panose="020F0502020204030204" pitchFamily="34" charset="0"/>
+                <a:ea typeface="Calibri" panose="020F0502020204030204" pitchFamily="34" charset="0"/>
+                <a:cs typeface="Arial" panose="020B0604020202020204" pitchFamily="34" charset="0"/>
+              </a:rPr>
+              <a:t>Directory</a:t>
+            </a:r>
+            <a:r>
+              <a:rPr lang="pt-BR" dirty="0">
+                <a:solidFill>
+                  <a:srgbClr val="2F5496"/>
+                </a:solidFill>
+                <a:latin typeface="Calibri" panose="020F0502020204030204" pitchFamily="34" charset="0"/>
+                <a:ea typeface="Calibri" panose="020F0502020204030204" pitchFamily="34" charset="0"/>
+                <a:cs typeface="Arial" panose="020B0604020202020204" pitchFamily="34" charset="0"/>
+              </a:rPr>
+              <a:t> para selecionar a pasta onde o JDK foi instalado</a:t>
+            </a:r>
+          </a:p>
+          <a:p>
+            <a:pPr marL="342900" lvl="0" indent="-342900">
+              <a:lnSpc>
+                <a:spcPct val="107000"/>
+              </a:lnSpc>
+              <a:buFont typeface="Symbol" panose="05050102010706020507" pitchFamily="18" charset="2"/>
+              <a:buChar char=""/>
+            </a:pPr>
+            <a:endParaRPr lang="pt-BR" dirty="0">
+              <a:solidFill>
+                <a:srgbClr val="2F5496"/>
+              </a:solidFill>
+              <a:latin typeface="Calibri" panose="020F0502020204030204" pitchFamily="34" charset="0"/>
+              <a:ea typeface="Calibri" panose="020F0502020204030204" pitchFamily="34" charset="0"/>
+              <a:cs typeface="Arial" panose="020B0604020202020204" pitchFamily="34" charset="0"/>
+            </a:endParaRPr>
+          </a:p>
+          <a:p>
+            <a:pPr marL="342900" lvl="0" indent="-342900">
+              <a:lnSpc>
+                <a:spcPct val="107000"/>
+              </a:lnSpc>
+              <a:buFont typeface="Symbol" panose="05050102010706020507" pitchFamily="18" charset="2"/>
+              <a:buChar char=""/>
+            </a:pPr>
+            <a:r>
+              <a:rPr lang="pt-BR" dirty="0">
+                <a:solidFill>
+                  <a:srgbClr val="2F5496"/>
+                </a:solidFill>
+                <a:latin typeface="Calibri" panose="020F0502020204030204" pitchFamily="34" charset="0"/>
+                <a:ea typeface="Calibri" panose="020F0502020204030204" pitchFamily="34" charset="0"/>
+                <a:cs typeface="Arial" panose="020B0604020202020204" pitchFamily="34" charset="0"/>
+              </a:rPr>
+              <a:t>No campo </a:t>
+            </a:r>
+            <a:r>
+              <a:rPr lang="pt-BR" u="sng" dirty="0">
+                <a:solidFill>
+                  <a:srgbClr val="2F5496"/>
+                </a:solidFill>
+                <a:latin typeface="Calibri" panose="020F0502020204030204" pitchFamily="34" charset="0"/>
+                <a:ea typeface="Calibri" panose="020F0502020204030204" pitchFamily="34" charset="0"/>
+                <a:cs typeface="Arial" panose="020B0604020202020204" pitchFamily="34" charset="0"/>
+              </a:rPr>
+              <a:t>JRE Name</a:t>
+            </a:r>
+            <a:r>
+              <a:rPr lang="pt-BR" dirty="0">
+                <a:solidFill>
+                  <a:srgbClr val="2F5496"/>
+                </a:solidFill>
+                <a:latin typeface="Calibri" panose="020F0502020204030204" pitchFamily="34" charset="0"/>
+                <a:ea typeface="Calibri" panose="020F0502020204030204" pitchFamily="34" charset="0"/>
+                <a:cs typeface="Arial" panose="020B0604020202020204" pitchFamily="34" charset="0"/>
+              </a:rPr>
+              <a:t>, digitar </a:t>
+            </a:r>
+            <a:r>
+              <a:rPr lang="pt-BR" b="1" dirty="0">
+                <a:solidFill>
+                  <a:srgbClr val="2F5496"/>
+                </a:solidFill>
+                <a:latin typeface="Calibri" panose="020F0502020204030204" pitchFamily="34" charset="0"/>
+                <a:ea typeface="Calibri" panose="020F0502020204030204" pitchFamily="34" charset="0"/>
+                <a:cs typeface="Arial" panose="020B0604020202020204" pitchFamily="34" charset="0"/>
+              </a:rPr>
+              <a:t>jdk</a:t>
+            </a:r>
+          </a:p>
+          <a:p>
+            <a:pPr marL="342900" lvl="0" indent="-342900">
+              <a:lnSpc>
+                <a:spcPct val="107000"/>
+              </a:lnSpc>
+              <a:buFont typeface="Symbol" panose="05050102010706020507" pitchFamily="18" charset="2"/>
+              <a:buChar char=""/>
+            </a:pPr>
+            <a:endParaRPr lang="pt-BR" dirty="0">
+              <a:solidFill>
+                <a:srgbClr val="2F5496"/>
+              </a:solidFill>
+              <a:latin typeface="Calibri" panose="020F0502020204030204" pitchFamily="34" charset="0"/>
+              <a:ea typeface="Calibri" panose="020F0502020204030204" pitchFamily="34" charset="0"/>
+              <a:cs typeface="Arial" panose="020B0604020202020204" pitchFamily="34" charset="0"/>
+            </a:endParaRPr>
+          </a:p>
+          <a:p>
+            <a:pPr marL="342900" lvl="0" indent="-342900">
+              <a:lnSpc>
+                <a:spcPct val="107000"/>
+              </a:lnSpc>
+              <a:buFont typeface="Symbol" panose="05050102010706020507" pitchFamily="18" charset="2"/>
+              <a:buChar char=""/>
+            </a:pPr>
+            <a:r>
+              <a:rPr lang="pt-BR" dirty="0">
+                <a:solidFill>
+                  <a:srgbClr val="2F5496"/>
+                </a:solidFill>
+                <a:latin typeface="Calibri" panose="020F0502020204030204" pitchFamily="34" charset="0"/>
+                <a:ea typeface="Calibri" panose="020F0502020204030204" pitchFamily="34" charset="0"/>
+                <a:cs typeface="Arial" panose="020B0604020202020204" pitchFamily="34" charset="0"/>
+              </a:rPr>
+              <a:t>Clicar </a:t>
+            </a:r>
+            <a:r>
+              <a:rPr lang="pt-BR" b="1" dirty="0">
+                <a:solidFill>
+                  <a:srgbClr val="2F5496"/>
+                </a:solidFill>
+                <a:latin typeface="Calibri" panose="020F0502020204030204" pitchFamily="34" charset="0"/>
+                <a:ea typeface="Calibri" panose="020F0502020204030204" pitchFamily="34" charset="0"/>
+                <a:cs typeface="Arial" panose="020B0604020202020204" pitchFamily="34" charset="0"/>
+              </a:rPr>
+              <a:t>Finish</a:t>
+            </a:r>
+          </a:p>
+        </p:txBody>
+      </p:sp>
     </p:spTree>
     <p:extLst>
       <p:ext uri="{BB962C8B-B14F-4D97-AF65-F5344CB8AC3E}">
@@ -7247,7 +7362,7 @@
               <a:buNone/>
             </a:pPr>
             <a:r>
-              <a:rPr lang="pt-BR" sz="2400">
+              <a:rPr lang="pt-BR" sz="2400" dirty="0">
                 <a:solidFill>
                   <a:srgbClr val="003399"/>
                 </a:solidFill>
@@ -7265,7 +7380,7 @@
               <a:buChar char=""/>
             </a:pPr>
             <a:r>
-              <a:rPr lang="pt-BR" sz="1800">
+              <a:rPr lang="pt-BR" sz="1800" dirty="0">
                 <a:solidFill>
                   <a:srgbClr val="2F5496"/>
                 </a:solidFill>
@@ -7276,7 +7391,7 @@
               </a:rPr>
               <a:t>Na coluna lateral da esquerda, expanda “Installed JREs” e selecione “Execution Environment”</a:t>
             </a:r>
-            <a:endParaRPr lang="pt-PT" sz="1800">
+            <a:endParaRPr lang="pt-PT" sz="1800" dirty="0">
               <a:effectLst/>
               <a:latin typeface="Calibri" panose="020F0502020204030204" pitchFamily="34" charset="0"/>
               <a:ea typeface="Calibri" panose="020F0502020204030204" pitchFamily="34" charset="0"/>
@@ -7284,134 +7399,10 @@
             </a:endParaRPr>
           </a:p>
           <a:p>
-            <a:pPr marL="342900" lvl="0" indent="-342900" algn="just">
-              <a:lnSpc>
-                <a:spcPct val="107000"/>
-              </a:lnSpc>
-              <a:spcAft>
-                <a:spcPts val="800"/>
-              </a:spcAft>
-              <a:buFont typeface="Symbol" panose="05050102010706020507" pitchFamily="18" charset="2"/>
-              <a:buChar char=""/>
-            </a:pPr>
-            <a:r>
-              <a:rPr lang="pt-BR" sz="1800">
-                <a:solidFill>
-                  <a:srgbClr val="2F5496"/>
-                </a:solidFill>
-                <a:effectLst/>
-                <a:latin typeface="Calibri" panose="020F0502020204030204" pitchFamily="34" charset="0"/>
-                <a:ea typeface="Calibri" panose="020F0502020204030204" pitchFamily="34" charset="0"/>
-                <a:cs typeface="Arial" panose="020B0604020202020204" pitchFamily="34" charset="0"/>
-              </a:rPr>
-              <a:t>Na área “</a:t>
-            </a:r>
-            <a:r>
-              <a:rPr lang="pt-BR" sz="1800" u="sng">
-                <a:solidFill>
-                  <a:srgbClr val="2F5496"/>
-                </a:solidFill>
-                <a:effectLst/>
-                <a:latin typeface="Calibri" panose="020F0502020204030204" pitchFamily="34" charset="0"/>
-                <a:ea typeface="Calibri" panose="020F0502020204030204" pitchFamily="34" charset="0"/>
-                <a:cs typeface="Arial" panose="020B0604020202020204" pitchFamily="34" charset="0"/>
-              </a:rPr>
-              <a:t>Execution Environments</a:t>
-            </a:r>
-            <a:r>
-              <a:rPr lang="pt-BR" sz="1800">
-                <a:solidFill>
-                  <a:srgbClr val="2F5496"/>
-                </a:solidFill>
-                <a:effectLst/>
-                <a:latin typeface="Calibri" panose="020F0502020204030204" pitchFamily="34" charset="0"/>
-                <a:ea typeface="Calibri" panose="020F0502020204030204" pitchFamily="34" charset="0"/>
-                <a:cs typeface="Arial" panose="020B0604020202020204" pitchFamily="34" charset="0"/>
-              </a:rPr>
-              <a:t>”, selecione </a:t>
-            </a:r>
-            <a:r>
-              <a:rPr lang="pt-BR" sz="1800" b="1">
-                <a:solidFill>
-                  <a:srgbClr val="2F5496"/>
-                </a:solidFill>
-                <a:effectLst/>
-                <a:latin typeface="Calibri" panose="020F0502020204030204" pitchFamily="34" charset="0"/>
-                <a:ea typeface="Calibri" panose="020F0502020204030204" pitchFamily="34" charset="0"/>
-                <a:cs typeface="Arial" panose="020B0604020202020204" pitchFamily="34" charset="0"/>
-              </a:rPr>
-              <a:t>JavaSE-11</a:t>
-            </a:r>
-            <a:r>
-              <a:rPr lang="pt-BR" sz="1800">
-                <a:solidFill>
-                  <a:srgbClr val="2F5496"/>
-                </a:solidFill>
-                <a:effectLst/>
-                <a:latin typeface="Calibri" panose="020F0502020204030204" pitchFamily="34" charset="0"/>
-                <a:ea typeface="Calibri" panose="020F0502020204030204" pitchFamily="34" charset="0"/>
-                <a:cs typeface="Arial" panose="020B0604020202020204" pitchFamily="34" charset="0"/>
-              </a:rPr>
-              <a:t>. Na área “Compatible JREs, marque </a:t>
-            </a:r>
-            <a:r>
-              <a:rPr lang="pt-BR" sz="1800" b="1">
-                <a:solidFill>
-                  <a:srgbClr val="2F5496"/>
-                </a:solidFill>
-                <a:effectLst/>
-                <a:latin typeface="Calibri" panose="020F0502020204030204" pitchFamily="34" charset="0"/>
-                <a:ea typeface="Calibri" panose="020F0502020204030204" pitchFamily="34" charset="0"/>
-                <a:cs typeface="Arial" panose="020B0604020202020204" pitchFamily="34" charset="0"/>
-              </a:rPr>
-              <a:t>jdk (perfect match)</a:t>
-            </a:r>
-          </a:p>
-          <a:p>
-            <a:pPr marL="342900" lvl="0" indent="-342900" algn="just">
-              <a:lnSpc>
-                <a:spcPct val="107000"/>
-              </a:lnSpc>
-              <a:spcAft>
-                <a:spcPts val="800"/>
-              </a:spcAft>
-              <a:buFont typeface="Symbol" panose="05050102010706020507" pitchFamily="18" charset="2"/>
-              <a:buChar char=""/>
-            </a:pPr>
-            <a:r>
-              <a:rPr lang="pt-BR" sz="1800">
-                <a:solidFill>
-                  <a:srgbClr val="2F5496"/>
-                </a:solidFill>
-                <a:latin typeface="Calibri" panose="020F0502020204030204" pitchFamily="34" charset="0"/>
-                <a:ea typeface="Calibri" panose="020F0502020204030204" pitchFamily="34" charset="0"/>
-                <a:cs typeface="Arial" panose="020B0604020202020204" pitchFamily="34" charset="0"/>
-              </a:rPr>
-              <a:t>Clicar </a:t>
-            </a:r>
-            <a:r>
-              <a:rPr lang="pt-BR" sz="1800" b="1">
-                <a:solidFill>
-                  <a:srgbClr val="2F5496"/>
-                </a:solidFill>
-                <a:latin typeface="Calibri" panose="020F0502020204030204" pitchFamily="34" charset="0"/>
-                <a:ea typeface="Calibri" panose="020F0502020204030204" pitchFamily="34" charset="0"/>
-                <a:cs typeface="Arial" panose="020B0604020202020204" pitchFamily="34" charset="0"/>
-              </a:rPr>
-              <a:t>Apply and Close</a:t>
-            </a:r>
-            <a:endParaRPr lang="pt-PT" sz="1800">
-              <a:effectLst/>
-              <a:latin typeface="Calibri" panose="020F0502020204030204" pitchFamily="34" charset="0"/>
-              <a:ea typeface="Calibri" panose="020F0502020204030204" pitchFamily="34" charset="0"/>
-              <a:cs typeface="Arial" panose="020B0604020202020204" pitchFamily="34" charset="0"/>
-            </a:endParaRPr>
-          </a:p>
-          <a:p>
             <a:pPr marL="0" indent="0">
               <a:buNone/>
             </a:pPr>
-            <a:endParaRPr lang="pt-BR" sz="2400">
+            <a:endParaRPr lang="pt-BR" sz="2400" dirty="0">
               <a:solidFill>
                 <a:srgbClr val="003399"/>
               </a:solidFill>
@@ -7422,7 +7413,7 @@
             <a:pPr marL="0" indent="0">
               <a:buNone/>
             </a:pPr>
-            <a:endParaRPr lang="pt-BR" sz="2400">
+            <a:endParaRPr lang="pt-BR" sz="2400" dirty="0">
               <a:solidFill>
                 <a:srgbClr val="003399"/>
               </a:solidFill>
@@ -7453,7 +7444,7 @@
         </p:blipFill>
         <p:spPr>
           <a:xfrm>
-            <a:off x="4533590" y="2081463"/>
+            <a:off x="742827" y="1664210"/>
             <a:ext cx="5197007" cy="4776537"/>
           </a:xfrm>
           <a:prstGeom prst="rect">
@@ -7461,6 +7452,213 @@
           </a:prstGeom>
         </p:spPr>
       </p:pic>
+      <p:sp>
+        <p:nvSpPr>
+          <p:cNvPr id="6" name="Rectangle 5">
+            <a:extLst>
+              <a:ext uri="{FF2B5EF4-FFF2-40B4-BE49-F238E27FC236}">
+                <a16:creationId xmlns:a16="http://schemas.microsoft.com/office/drawing/2014/main" id="{94FA5BEC-DBA6-4627-8F50-CFA900743749}"/>
+              </a:ext>
+            </a:extLst>
+          </p:cNvPr>
+          <p:cNvSpPr/>
+          <p:nvPr/>
+        </p:nvSpPr>
+        <p:spPr>
+          <a:xfrm>
+            <a:off x="6075283" y="2540042"/>
+            <a:ext cx="5838550" cy="2093073"/>
+          </a:xfrm>
+          <a:prstGeom prst="rect">
+            <a:avLst/>
+          </a:prstGeom>
+          <a:solidFill>
+            <a:srgbClr val="FFFF00"/>
+          </a:solidFill>
+        </p:spPr>
+        <p:style>
+          <a:lnRef idx="2">
+            <a:schemeClr val="accent1">
+              <a:shade val="50000"/>
+            </a:schemeClr>
+          </a:lnRef>
+          <a:fillRef idx="1">
+            <a:schemeClr val="accent1"/>
+          </a:fillRef>
+          <a:effectRef idx="0">
+            <a:schemeClr val="accent1"/>
+          </a:effectRef>
+          <a:fontRef idx="minor">
+            <a:schemeClr val="lt1"/>
+          </a:fontRef>
+        </p:style>
+        <p:txBody>
+          <a:bodyPr rtlCol="0" anchor="t"/>
+          <a:lstStyle/>
+          <a:p>
+            <a:pPr marL="342900" lvl="0" indent="-342900" algn="just">
+              <a:lnSpc>
+                <a:spcPct val="107000"/>
+              </a:lnSpc>
+              <a:spcAft>
+                <a:spcPts val="800"/>
+              </a:spcAft>
+              <a:buFont typeface="Symbol" panose="05050102010706020507" pitchFamily="18" charset="2"/>
+              <a:buChar char=""/>
+            </a:pPr>
+            <a:r>
+              <a:rPr lang="pt-BR" dirty="0">
+                <a:solidFill>
+                  <a:srgbClr val="2F5496"/>
+                </a:solidFill>
+                <a:latin typeface="Calibri" panose="020F0502020204030204" pitchFamily="34" charset="0"/>
+                <a:ea typeface="Calibri" panose="020F0502020204030204" pitchFamily="34" charset="0"/>
+                <a:cs typeface="Arial" panose="020B0604020202020204" pitchFamily="34" charset="0"/>
+              </a:rPr>
+              <a:t>Na área “</a:t>
+            </a:r>
+            <a:r>
+              <a:rPr lang="pt-BR" u="sng" dirty="0">
+                <a:solidFill>
+                  <a:srgbClr val="2F5496"/>
+                </a:solidFill>
+                <a:latin typeface="Calibri" panose="020F0502020204030204" pitchFamily="34" charset="0"/>
+                <a:ea typeface="Calibri" panose="020F0502020204030204" pitchFamily="34" charset="0"/>
+                <a:cs typeface="Arial" panose="020B0604020202020204" pitchFamily="34" charset="0"/>
+              </a:rPr>
+              <a:t>Execution Environments</a:t>
+            </a:r>
+            <a:r>
+              <a:rPr lang="pt-BR" dirty="0">
+                <a:solidFill>
+                  <a:srgbClr val="2F5496"/>
+                </a:solidFill>
+                <a:latin typeface="Calibri" panose="020F0502020204030204" pitchFamily="34" charset="0"/>
+                <a:ea typeface="Calibri" panose="020F0502020204030204" pitchFamily="34" charset="0"/>
+                <a:cs typeface="Arial" panose="020B0604020202020204" pitchFamily="34" charset="0"/>
+              </a:rPr>
+              <a:t>”, selecionar </a:t>
+            </a:r>
+            <a:r>
+              <a:rPr lang="pt-BR" b="1" dirty="0">
+                <a:solidFill>
+                  <a:srgbClr val="2F5496"/>
+                </a:solidFill>
+                <a:latin typeface="Calibri" panose="020F0502020204030204" pitchFamily="34" charset="0"/>
+                <a:ea typeface="Calibri" panose="020F0502020204030204" pitchFamily="34" charset="0"/>
+                <a:cs typeface="Arial" panose="020B0604020202020204" pitchFamily="34" charset="0"/>
+              </a:rPr>
+              <a:t>JavaSE-11</a:t>
+            </a:r>
+            <a:r>
+              <a:rPr lang="pt-BR" dirty="0">
+                <a:solidFill>
+                  <a:srgbClr val="2F5496"/>
+                </a:solidFill>
+                <a:latin typeface="Calibri" panose="020F0502020204030204" pitchFamily="34" charset="0"/>
+                <a:ea typeface="Calibri" panose="020F0502020204030204" pitchFamily="34" charset="0"/>
+                <a:cs typeface="Arial" panose="020B0604020202020204" pitchFamily="34" charset="0"/>
+              </a:rPr>
+              <a:t>.</a:t>
+            </a:r>
+          </a:p>
+          <a:p>
+            <a:pPr marL="342900" lvl="0" indent="-342900" algn="just">
+              <a:lnSpc>
+                <a:spcPct val="107000"/>
+              </a:lnSpc>
+              <a:spcAft>
+                <a:spcPts val="800"/>
+              </a:spcAft>
+              <a:buFont typeface="Symbol" panose="05050102010706020507" pitchFamily="18" charset="2"/>
+              <a:buChar char=""/>
+            </a:pPr>
+            <a:r>
+              <a:rPr lang="pt-BR" dirty="0">
+                <a:solidFill>
+                  <a:srgbClr val="2F5496"/>
+                </a:solidFill>
+                <a:latin typeface="Calibri" panose="020F0502020204030204" pitchFamily="34" charset="0"/>
+                <a:ea typeface="Calibri" panose="020F0502020204030204" pitchFamily="34" charset="0"/>
+                <a:cs typeface="Arial" panose="020B0604020202020204" pitchFamily="34" charset="0"/>
+              </a:rPr>
+              <a:t>Na área “</a:t>
+            </a:r>
+            <a:r>
+              <a:rPr lang="pt-BR" u="sng" dirty="0">
+                <a:solidFill>
+                  <a:srgbClr val="2F5496"/>
+                </a:solidFill>
+                <a:latin typeface="Calibri" panose="020F0502020204030204" pitchFamily="34" charset="0"/>
+                <a:ea typeface="Calibri" panose="020F0502020204030204" pitchFamily="34" charset="0"/>
+                <a:cs typeface="Arial" panose="020B0604020202020204" pitchFamily="34" charset="0"/>
+              </a:rPr>
+              <a:t>Compatible JREs</a:t>
+            </a:r>
+            <a:r>
+              <a:rPr lang="pt-BR" dirty="0">
+                <a:solidFill>
+                  <a:srgbClr val="2F5496"/>
+                </a:solidFill>
+                <a:latin typeface="Calibri" panose="020F0502020204030204" pitchFamily="34" charset="0"/>
+                <a:ea typeface="Calibri" panose="020F0502020204030204" pitchFamily="34" charset="0"/>
+                <a:cs typeface="Arial" panose="020B0604020202020204" pitchFamily="34" charset="0"/>
+              </a:rPr>
+              <a:t>, marcar </a:t>
+            </a:r>
+            <a:r>
+              <a:rPr lang="pt-BR" b="1" dirty="0">
+                <a:solidFill>
+                  <a:srgbClr val="2F5496"/>
+                </a:solidFill>
+                <a:latin typeface="Calibri" panose="020F0502020204030204" pitchFamily="34" charset="0"/>
+                <a:ea typeface="Calibri" panose="020F0502020204030204" pitchFamily="34" charset="0"/>
+                <a:cs typeface="Arial" panose="020B0604020202020204" pitchFamily="34" charset="0"/>
+              </a:rPr>
+              <a:t>jdk (perfect match)</a:t>
+            </a:r>
+          </a:p>
+          <a:p>
+            <a:pPr marL="342900" lvl="0" indent="-342900" algn="just">
+              <a:lnSpc>
+                <a:spcPct val="107000"/>
+              </a:lnSpc>
+              <a:spcAft>
+                <a:spcPts val="800"/>
+              </a:spcAft>
+              <a:buFont typeface="Symbol" panose="05050102010706020507" pitchFamily="18" charset="2"/>
+              <a:buChar char=""/>
+            </a:pPr>
+            <a:r>
+              <a:rPr lang="pt-BR" dirty="0">
+                <a:solidFill>
+                  <a:srgbClr val="2F5496"/>
+                </a:solidFill>
+                <a:latin typeface="Calibri" panose="020F0502020204030204" pitchFamily="34" charset="0"/>
+                <a:ea typeface="Calibri" panose="020F0502020204030204" pitchFamily="34" charset="0"/>
+                <a:cs typeface="Arial" panose="020B0604020202020204" pitchFamily="34" charset="0"/>
+              </a:rPr>
+              <a:t>Clicar </a:t>
+            </a:r>
+            <a:r>
+              <a:rPr lang="pt-BR" b="1" dirty="0">
+                <a:solidFill>
+                  <a:srgbClr val="2F5496"/>
+                </a:solidFill>
+                <a:latin typeface="Calibri" panose="020F0502020204030204" pitchFamily="34" charset="0"/>
+                <a:ea typeface="Calibri" panose="020F0502020204030204" pitchFamily="34" charset="0"/>
+                <a:cs typeface="Arial" panose="020B0604020202020204" pitchFamily="34" charset="0"/>
+              </a:rPr>
+              <a:t>Apply and Close</a:t>
+            </a:r>
+            <a:endParaRPr lang="pt-PT" dirty="0">
+              <a:latin typeface="Calibri" panose="020F0502020204030204" pitchFamily="34" charset="0"/>
+              <a:ea typeface="Calibri" panose="020F0502020204030204" pitchFamily="34" charset="0"/>
+              <a:cs typeface="Arial" panose="020B0604020202020204" pitchFamily="34" charset="0"/>
+            </a:endParaRPr>
+          </a:p>
+        </p:txBody>
+      </p:sp>
     </p:spTree>
     <p:extLst>
       <p:ext uri="{BB962C8B-B14F-4D97-AF65-F5344CB8AC3E}">
@@ -7520,12 +7718,12 @@
         </p:blipFill>
         <p:spPr bwMode="auto">
           <a:xfrm>
-            <a:off x="3036000" y="1825287"/>
-            <a:ext cx="6120000" cy="3207426"/>
+            <a:off x="2621280" y="1825288"/>
+            <a:ext cx="6949440" cy="3642127"/>
           </a:xfrm>
           <a:prstGeom prst="round2DiagRect">
             <a:avLst>
-              <a:gd name="adj1" fmla="val 16667"/>
+              <a:gd name="adj1" fmla="val 33334"/>
               <a:gd name="adj2" fmla="val 0"/>
             </a:avLst>
           </a:prstGeom>
@@ -13027,6 +13225,13 @@
           <a:prstGeom prst="rect">
             <a:avLst/>
           </a:prstGeom>
+          <a:ln>
+            <a:solidFill>
+              <a:schemeClr val="bg1">
+                <a:lumMod val="95000"/>
+              </a:schemeClr>
+            </a:solidFill>
+          </a:ln>
         </p:spPr>
       </p:pic>
     </p:spTree>
@@ -13078,7 +13283,7 @@
           </a:xfrm>
           <a:prstGeom prst="round2DiagRect">
             <a:avLst>
-              <a:gd name="adj1" fmla="val 35715"/>
+              <a:gd name="adj1" fmla="val 40903"/>
               <a:gd name="adj2" fmla="val 0"/>
             </a:avLst>
           </a:prstGeom>
@@ -20092,10 +20297,10 @@
       </p:sp>
       <p:pic>
         <p:nvPicPr>
-          <p:cNvPr id="7" name="Imagem 6">
+          <p:cNvPr id="2" name="Picture 1">
             <a:extLst>
               <a:ext uri="{FF2B5EF4-FFF2-40B4-BE49-F238E27FC236}">
-                <a16:creationId xmlns:a16="http://schemas.microsoft.com/office/drawing/2014/main" id="{B4920A0F-7173-47DE-8D6E-0495D382A419}"/>
+                <a16:creationId xmlns:a16="http://schemas.microsoft.com/office/drawing/2014/main" id="{19F89B0B-DEE5-4041-AF8C-AFC438AF8862}"/>
               </a:ext>
             </a:extLst>
           </p:cNvPr>
@@ -20112,8 +20317,8 @@
         </p:blipFill>
         <p:spPr>
           <a:xfrm>
-            <a:off x="1309961" y="738000"/>
-            <a:ext cx="9572079" cy="6120000"/>
+            <a:off x="937489" y="885470"/>
+            <a:ext cx="11126914" cy="5486400"/>
           </a:xfrm>
           <a:prstGeom prst="rect">
             <a:avLst/>
@@ -20216,36 +20421,69 @@
           </a:lstStyle>
           <a:p>
             <a:r>
+              <a:rPr lang="pt-BR" sz="2400" b="1" dirty="0">
+                <a:solidFill>
+                  <a:srgbClr val="003399"/>
+                </a:solidFill>
+                <a:latin typeface="Candara" panose="020E0502030303020204" pitchFamily="34" charset="0"/>
+              </a:rPr>
+              <a:t>Implementando </a:t>
+            </a:r>
+            <a:r>
               <a:rPr lang="pt-BR" sz="2400" b="1">
                 <a:solidFill>
                   <a:srgbClr val="003399"/>
                 </a:solidFill>
                 <a:latin typeface="Candara" panose="020E0502030303020204" pitchFamily="34" charset="0"/>
               </a:rPr>
-              <a:t>Injeção de Dependências com </a:t>
-            </a:r>
-            <a:r>
-              <a:rPr lang="pt-BR" sz="2400" b="1">
+              <a:t>o Back-end </a:t>
+            </a:r>
+            <a:r>
+              <a:rPr lang="pt-BR" sz="2400" b="1" dirty="0">
                 <a:solidFill>
                   <a:srgbClr val="003399"/>
                 </a:solidFill>
-                <a:latin typeface="Consolas" panose="020B0609020204030204" pitchFamily="49" charset="0"/>
-              </a:rPr>
-              <a:t>@AutoWired</a:t>
-            </a:r>
-            <a:endParaRPr lang="pt-BR" sz="2400" b="1" dirty="0">
-              <a:solidFill>
-                <a:srgbClr val="003399"/>
-              </a:solidFill>
-              <a:latin typeface="Consolas" panose="020B0609020204030204" pitchFamily="49" charset="0"/>
-            </a:endParaRPr>
+                <a:latin typeface="Candara" panose="020E0502030303020204" pitchFamily="34" charset="0"/>
+              </a:rPr>
+              <a:t>de catálogo de cursos</a:t>
+            </a:r>
           </a:p>
         </p:txBody>
       </p:sp>
+      <p:pic>
+        <p:nvPicPr>
+          <p:cNvPr id="7" name="Imagem 6">
+            <a:extLst>
+              <a:ext uri="{FF2B5EF4-FFF2-40B4-BE49-F238E27FC236}">
+                <a16:creationId xmlns:a16="http://schemas.microsoft.com/office/drawing/2014/main" id="{B4920A0F-7173-47DE-8D6E-0495D382A419}"/>
+              </a:ext>
+            </a:extLst>
+          </p:cNvPr>
+          <p:cNvPicPr>
+            <a:picLocks noChangeAspect="1"/>
+          </p:cNvPicPr>
+          <p:nvPr/>
+        </p:nvPicPr>
+        <p:blipFill>
+          <a:blip r:embed="rId2"/>
+          <a:stretch>
+            <a:fillRect/>
+          </a:stretch>
+        </p:blipFill>
+        <p:spPr>
+          <a:xfrm>
+            <a:off x="1309961" y="738000"/>
+            <a:ext cx="9572079" cy="6120000"/>
+          </a:xfrm>
+          <a:prstGeom prst="rect">
+            <a:avLst/>
+          </a:prstGeom>
+        </p:spPr>
+      </p:pic>
     </p:spTree>
     <p:extLst>
       <p:ext uri="{BB962C8B-B14F-4D97-AF65-F5344CB8AC3E}">
-        <p14:creationId xmlns:p14="http://schemas.microsoft.com/office/powerpoint/2010/main" val="306564378"/>
+        <p14:creationId xmlns:p14="http://schemas.microsoft.com/office/powerpoint/2010/main" val="625758798"/>
       </p:ext>
     </p:extLst>
   </p:cSld>
@@ -20338,13 +20576,932 @@
           </a:lstStyle>
           <a:p>
             <a:r>
+              <a:rPr lang="pt-BR" sz="2400" b="1">
+                <a:solidFill>
+                  <a:srgbClr val="003399"/>
+                </a:solidFill>
+                <a:latin typeface="Candara" panose="020E0502030303020204" pitchFamily="34" charset="0"/>
+              </a:rPr>
+              <a:t>Injeção de Dependências com </a:t>
+            </a:r>
+            <a:r>
+              <a:rPr lang="pt-BR" sz="2400" b="1">
+                <a:solidFill>
+                  <a:srgbClr val="003399"/>
+                </a:solidFill>
+                <a:latin typeface="Consolas" panose="020B0609020204030204" pitchFamily="49" charset="0"/>
+              </a:rPr>
+              <a:t>@AutoWired</a:t>
+            </a:r>
+            <a:endParaRPr lang="pt-BR" sz="2400" b="1" dirty="0">
+              <a:solidFill>
+                <a:srgbClr val="003399"/>
+              </a:solidFill>
+              <a:latin typeface="Consolas" panose="020B0609020204030204" pitchFamily="49" charset="0"/>
+            </a:endParaRPr>
+          </a:p>
+        </p:txBody>
+      </p:sp>
+      <p:sp>
+        <p:nvSpPr>
+          <p:cNvPr id="4" name="Retângulo: Cantos Arredondados 12">
+            <a:extLst>
+              <a:ext uri="{FF2B5EF4-FFF2-40B4-BE49-F238E27FC236}">
+                <a16:creationId xmlns:a16="http://schemas.microsoft.com/office/drawing/2014/main" id="{5E7D4DCB-BEBD-4B41-9588-0842DDE25EE6}"/>
+              </a:ext>
+            </a:extLst>
+          </p:cNvPr>
+          <p:cNvSpPr/>
+          <p:nvPr/>
+        </p:nvSpPr>
+        <p:spPr>
+          <a:xfrm>
+            <a:off x="7409593" y="4638235"/>
+            <a:ext cx="2520000" cy="1440000"/>
+          </a:xfrm>
+          <a:prstGeom prst="roundRect">
+            <a:avLst/>
+          </a:prstGeom>
+          <a:solidFill>
+            <a:srgbClr val="7030A0"/>
+          </a:solidFill>
+          <a:ln>
+            <a:solidFill>
+              <a:schemeClr val="bg1"/>
+            </a:solidFill>
+          </a:ln>
+        </p:spPr>
+        <p:style>
+          <a:lnRef idx="2">
+            <a:schemeClr val="accent1">
+              <a:shade val="50000"/>
+            </a:schemeClr>
+          </a:lnRef>
+          <a:fillRef idx="1">
+            <a:schemeClr val="accent1"/>
+          </a:fillRef>
+          <a:effectRef idx="0">
+            <a:schemeClr val="accent1"/>
+          </a:effectRef>
+          <a:fontRef idx="minor">
+            <a:schemeClr val="lt1"/>
+          </a:fontRef>
+        </p:style>
+        <p:txBody>
+          <a:bodyPr rtlCol="0" anchor="ctr"/>
+          <a:lstStyle/>
+          <a:p>
+            <a:pPr algn="ctr"/>
+            <a:r>
+              <a:rPr lang="en-US" sz="2800">
+                <a:solidFill>
+                  <a:schemeClr val="bg1"/>
+                </a:solidFill>
+                <a:latin typeface="Consolas" panose="020B0609020204030204" pitchFamily="49" charset="0"/>
+              </a:rPr>
+              <a:t>Service</a:t>
+            </a:r>
+          </a:p>
+        </p:txBody>
+      </p:sp>
+      <p:sp>
+        <p:nvSpPr>
+          <p:cNvPr id="5" name="Retângulo: Cantos Arredondados 14">
+            <a:extLst>
+              <a:ext uri="{FF2B5EF4-FFF2-40B4-BE49-F238E27FC236}">
+                <a16:creationId xmlns:a16="http://schemas.microsoft.com/office/drawing/2014/main" id="{2779EB58-EBF4-4064-98E2-289ADCEB7944}"/>
+              </a:ext>
+            </a:extLst>
+          </p:cNvPr>
+          <p:cNvSpPr/>
+          <p:nvPr/>
+        </p:nvSpPr>
+        <p:spPr>
+          <a:xfrm>
+            <a:off x="3115292" y="4638235"/>
+            <a:ext cx="2520000" cy="1440000"/>
+          </a:xfrm>
+          <a:prstGeom prst="roundRect">
+            <a:avLst/>
+          </a:prstGeom>
+          <a:solidFill>
+            <a:schemeClr val="accent6">
+              <a:lumMod val="50000"/>
+            </a:schemeClr>
+          </a:solidFill>
+          <a:ln>
+            <a:solidFill>
+              <a:schemeClr val="bg1"/>
+            </a:solidFill>
+          </a:ln>
+        </p:spPr>
+        <p:style>
+          <a:lnRef idx="2">
+            <a:schemeClr val="accent1">
+              <a:shade val="50000"/>
+            </a:schemeClr>
+          </a:lnRef>
+          <a:fillRef idx="1">
+            <a:schemeClr val="accent1"/>
+          </a:fillRef>
+          <a:effectRef idx="0">
+            <a:schemeClr val="accent1"/>
+          </a:effectRef>
+          <a:fontRef idx="minor">
+            <a:schemeClr val="lt1"/>
+          </a:fontRef>
+        </p:style>
+        <p:txBody>
+          <a:bodyPr rtlCol="0" anchor="ctr"/>
+          <a:lstStyle/>
+          <a:p>
+            <a:pPr algn="ctr"/>
+            <a:r>
+              <a:rPr lang="en-US" sz="2800" dirty="0">
+                <a:solidFill>
+                  <a:schemeClr val="bg1"/>
+                </a:solidFill>
+                <a:latin typeface="Consolas" panose="020B0609020204030204" pitchFamily="49" charset="0"/>
+              </a:rPr>
+              <a:t>Controller</a:t>
+            </a:r>
+          </a:p>
+        </p:txBody>
+      </p:sp>
+      <p:cxnSp>
+        <p:nvCxnSpPr>
+          <p:cNvPr id="7" name="Conector de Seta Reta 16">
+            <a:extLst>
+              <a:ext uri="{FF2B5EF4-FFF2-40B4-BE49-F238E27FC236}">
+                <a16:creationId xmlns:a16="http://schemas.microsoft.com/office/drawing/2014/main" id="{6B932BD6-5C26-4519-ABB0-F2492A34A6E7}"/>
+              </a:ext>
+            </a:extLst>
+          </p:cNvPr>
+          <p:cNvCxnSpPr>
+            <a:cxnSpLocks/>
+          </p:cNvCxnSpPr>
+          <p:nvPr/>
+        </p:nvCxnSpPr>
+        <p:spPr>
+          <a:xfrm>
+            <a:off x="5965842" y="5358235"/>
+            <a:ext cx="1440000" cy="0"/>
+          </a:xfrm>
+          <a:prstGeom prst="straightConnector1">
+            <a:avLst/>
+          </a:prstGeom>
+          <a:ln w="38100" cap="rnd">
+            <a:solidFill>
+              <a:schemeClr val="tx1">
+                <a:lumMod val="50000"/>
+                <a:lumOff val="50000"/>
+              </a:schemeClr>
+            </a:solidFill>
+            <a:headEnd type="none" w="med" len="med"/>
+            <a:tailEnd type="arrow" w="med" len="med"/>
+          </a:ln>
+        </p:spPr>
+        <p:style>
+          <a:lnRef idx="3">
+            <a:schemeClr val="accent3"/>
+          </a:lnRef>
+          <a:fillRef idx="0">
+            <a:schemeClr val="accent3"/>
+          </a:fillRef>
+          <a:effectRef idx="2">
+            <a:schemeClr val="accent3"/>
+          </a:effectRef>
+          <a:fontRef idx="minor">
+            <a:schemeClr val="tx1"/>
+          </a:fontRef>
+        </p:style>
+      </p:cxnSp>
+      <p:cxnSp>
+        <p:nvCxnSpPr>
+          <p:cNvPr id="14" name="Conector de Seta Reta 20">
+            <a:extLst>
+              <a:ext uri="{FF2B5EF4-FFF2-40B4-BE49-F238E27FC236}">
+                <a16:creationId xmlns:a16="http://schemas.microsoft.com/office/drawing/2014/main" id="{751D884D-14D9-4063-986E-F63550674FD4}"/>
+              </a:ext>
+            </a:extLst>
+          </p:cNvPr>
+          <p:cNvCxnSpPr>
+            <a:cxnSpLocks/>
+            <a:endCxn id="5" idx="0"/>
+          </p:cNvCxnSpPr>
+          <p:nvPr/>
+        </p:nvCxnSpPr>
+        <p:spPr>
+          <a:xfrm>
+            <a:off x="4338373" y="3319548"/>
+            <a:ext cx="36919" cy="1318687"/>
+          </a:xfrm>
+          <a:prstGeom prst="straightConnector1">
+            <a:avLst/>
+          </a:prstGeom>
+          <a:ln w="38100">
+            <a:solidFill>
+              <a:schemeClr val="tx1">
+                <a:lumMod val="50000"/>
+                <a:lumOff val="50000"/>
+              </a:schemeClr>
+            </a:solidFill>
+            <a:prstDash val="sysDash"/>
+            <a:headEnd type="none" w="med" len="med"/>
+            <a:tailEnd type="arrow" w="med" len="med"/>
+          </a:ln>
+        </p:spPr>
+        <p:style>
+          <a:lnRef idx="3">
+            <a:schemeClr val="accent3"/>
+          </a:lnRef>
+          <a:fillRef idx="0">
+            <a:schemeClr val="accent3"/>
+          </a:fillRef>
+          <a:effectRef idx="2">
+            <a:schemeClr val="accent3"/>
+          </a:effectRef>
+          <a:fontRef idx="minor">
+            <a:schemeClr val="tx1"/>
+          </a:fontRef>
+        </p:style>
+      </p:cxnSp>
+      <p:cxnSp>
+        <p:nvCxnSpPr>
+          <p:cNvPr id="15" name="Conector de Seta Reta 21">
+            <a:extLst>
+              <a:ext uri="{FF2B5EF4-FFF2-40B4-BE49-F238E27FC236}">
+                <a16:creationId xmlns:a16="http://schemas.microsoft.com/office/drawing/2014/main" id="{EB9E85F7-689E-4330-9837-30C3DB3092C5}"/>
+              </a:ext>
+            </a:extLst>
+          </p:cNvPr>
+          <p:cNvCxnSpPr>
+            <a:cxnSpLocks/>
+          </p:cNvCxnSpPr>
+          <p:nvPr/>
+        </p:nvCxnSpPr>
+        <p:spPr>
+          <a:xfrm flipH="1">
+            <a:off x="4319204" y="3313811"/>
+            <a:ext cx="3528122" cy="0"/>
+          </a:xfrm>
+          <a:prstGeom prst="straightConnector1">
+            <a:avLst/>
+          </a:prstGeom>
+          <a:ln w="38100">
+            <a:solidFill>
+              <a:schemeClr val="tx1">
+                <a:lumMod val="50000"/>
+                <a:lumOff val="50000"/>
+              </a:schemeClr>
+            </a:solidFill>
+            <a:prstDash val="sysDash"/>
+            <a:headEnd type="none" w="med" len="med"/>
+            <a:tailEnd type="none" w="med" len="med"/>
+          </a:ln>
+        </p:spPr>
+        <p:style>
+          <a:lnRef idx="3">
+            <a:schemeClr val="accent3"/>
+          </a:lnRef>
+          <a:fillRef idx="0">
+            <a:schemeClr val="accent3"/>
+          </a:fillRef>
+          <a:effectRef idx="2">
+            <a:schemeClr val="accent3"/>
+          </a:effectRef>
+          <a:fontRef idx="minor">
+            <a:schemeClr val="tx1"/>
+          </a:fontRef>
+        </p:style>
+      </p:cxnSp>
+      <p:cxnSp>
+        <p:nvCxnSpPr>
+          <p:cNvPr id="16" name="Conector de Seta Reta 27">
+            <a:extLst>
+              <a:ext uri="{FF2B5EF4-FFF2-40B4-BE49-F238E27FC236}">
+                <a16:creationId xmlns:a16="http://schemas.microsoft.com/office/drawing/2014/main" id="{625EF650-AAD0-4315-9E51-7530E0847EF0}"/>
+              </a:ext>
+            </a:extLst>
+          </p:cNvPr>
+          <p:cNvCxnSpPr>
+            <a:cxnSpLocks/>
+          </p:cNvCxnSpPr>
+          <p:nvPr/>
+        </p:nvCxnSpPr>
+        <p:spPr>
+          <a:xfrm>
+            <a:off x="7829327" y="3313811"/>
+            <a:ext cx="17999" cy="1324424"/>
+          </a:xfrm>
+          <a:prstGeom prst="straightConnector1">
+            <a:avLst/>
+          </a:prstGeom>
+          <a:ln w="38100">
+            <a:solidFill>
+              <a:schemeClr val="tx1">
+                <a:lumMod val="50000"/>
+                <a:lumOff val="50000"/>
+              </a:schemeClr>
+            </a:solidFill>
+            <a:prstDash val="sysDash"/>
+            <a:headEnd type="none" w="med" len="med"/>
+            <a:tailEnd type="none" w="med" len="med"/>
+          </a:ln>
+        </p:spPr>
+        <p:style>
+          <a:lnRef idx="3">
+            <a:schemeClr val="accent3"/>
+          </a:lnRef>
+          <a:fillRef idx="0">
+            <a:schemeClr val="accent3"/>
+          </a:fillRef>
+          <a:effectRef idx="2">
+            <a:schemeClr val="accent3"/>
+          </a:effectRef>
+          <a:fontRef idx="minor">
+            <a:schemeClr val="tx1"/>
+          </a:fontRef>
+        </p:style>
+      </p:cxnSp>
+      <p:sp>
+        <p:nvSpPr>
+          <p:cNvPr id="17" name="Retângulo 31">
+            <a:extLst>
+              <a:ext uri="{FF2B5EF4-FFF2-40B4-BE49-F238E27FC236}">
+                <a16:creationId xmlns:a16="http://schemas.microsoft.com/office/drawing/2014/main" id="{49C1B13A-81AD-41C7-85D7-7110E237D3F0}"/>
+              </a:ext>
+            </a:extLst>
+          </p:cNvPr>
+          <p:cNvSpPr/>
+          <p:nvPr/>
+        </p:nvSpPr>
+        <p:spPr>
+          <a:xfrm>
+            <a:off x="5208128" y="3096308"/>
+            <a:ext cx="1798266" cy="435006"/>
+          </a:xfrm>
+          <a:prstGeom prst="rect">
+            <a:avLst/>
+          </a:prstGeom>
+          <a:solidFill>
+            <a:schemeClr val="bg1"/>
+          </a:solidFill>
+          <a:ln>
+            <a:solidFill>
+              <a:schemeClr val="tx1">
+                <a:lumMod val="50000"/>
+                <a:lumOff val="50000"/>
+              </a:schemeClr>
+            </a:solidFill>
+          </a:ln>
+        </p:spPr>
+        <p:style>
+          <a:lnRef idx="2">
+            <a:schemeClr val="accent1">
+              <a:shade val="50000"/>
+            </a:schemeClr>
+          </a:lnRef>
+          <a:fillRef idx="1">
+            <a:schemeClr val="accent1"/>
+          </a:fillRef>
+          <a:effectRef idx="0">
+            <a:schemeClr val="accent1"/>
+          </a:effectRef>
+          <a:fontRef idx="minor">
+            <a:schemeClr val="lt1"/>
+          </a:fontRef>
+        </p:style>
+        <p:txBody>
+          <a:bodyPr rtlCol="0" anchor="ctr"/>
+          <a:lstStyle/>
+          <a:p>
+            <a:pPr algn="ctr"/>
+            <a:r>
+              <a:rPr lang="en-US">
+                <a:solidFill>
+                  <a:schemeClr val="tx1">
+                    <a:lumMod val="50000"/>
+                    <a:lumOff val="50000"/>
+                  </a:schemeClr>
+                </a:solidFill>
+                <a:latin typeface="Consolas" panose="020B0609020204030204" pitchFamily="49" charset="0"/>
+              </a:rPr>
+              <a:t>&lt;&lt;injetado&gt;&gt;</a:t>
+            </a:r>
+          </a:p>
+        </p:txBody>
+      </p:sp>
+      <p:sp>
+        <p:nvSpPr>
+          <p:cNvPr id="18" name="Ondulado Duplo 22">
+            <a:extLst>
+              <a:ext uri="{FF2B5EF4-FFF2-40B4-BE49-F238E27FC236}">
+                <a16:creationId xmlns:a16="http://schemas.microsoft.com/office/drawing/2014/main" id="{CC9483FD-C6A4-465B-A2A9-53F4AB5B3BD0}"/>
+              </a:ext>
+            </a:extLst>
+          </p:cNvPr>
+          <p:cNvSpPr/>
+          <p:nvPr/>
+        </p:nvSpPr>
+        <p:spPr>
+          <a:xfrm>
+            <a:off x="7368467" y="710599"/>
+            <a:ext cx="4572000" cy="1231611"/>
+          </a:xfrm>
+          <a:prstGeom prst="doubleWave">
+            <a:avLst/>
+          </a:prstGeom>
+          <a:solidFill>
+            <a:schemeClr val="accent4"/>
+          </a:solidFill>
+          <a:ln>
+            <a:noFill/>
+          </a:ln>
+          <a:effectLst/>
+        </p:spPr>
+        <p:style>
+          <a:lnRef idx="2">
+            <a:schemeClr val="accent1">
+              <a:shade val="50000"/>
+            </a:schemeClr>
+          </a:lnRef>
+          <a:fillRef idx="1">
+            <a:schemeClr val="accent1"/>
+          </a:fillRef>
+          <a:effectRef idx="0">
+            <a:schemeClr val="accent1"/>
+          </a:effectRef>
+          <a:fontRef idx="minor">
+            <a:schemeClr val="lt1"/>
+          </a:fontRef>
+        </p:style>
+        <p:txBody>
+          <a:bodyPr rtlCol="0" anchor="ctr"/>
+          <a:lstStyle/>
+          <a:p>
+            <a:pPr algn="ctr"/>
+            <a:r>
+              <a:rPr lang="en-US" b="1" dirty="0" err="1">
+                <a:solidFill>
+                  <a:schemeClr val="tx1"/>
+                </a:solidFill>
+                <a:latin typeface="Consolas" panose="020B0609020204030204" pitchFamily="49" charset="0"/>
+              </a:rPr>
+              <a:t>Injeção</a:t>
+            </a:r>
+            <a:r>
+              <a:rPr lang="en-US" b="1" dirty="0">
+                <a:solidFill>
+                  <a:schemeClr val="tx1"/>
+                </a:solidFill>
+                <a:latin typeface="Consolas" panose="020B0609020204030204" pitchFamily="49" charset="0"/>
+              </a:rPr>
+              <a:t> de </a:t>
+            </a:r>
+            <a:r>
+              <a:rPr lang="en-US" b="1" dirty="0" err="1">
+                <a:solidFill>
+                  <a:schemeClr val="tx1"/>
+                </a:solidFill>
+                <a:latin typeface="Consolas" panose="020B0609020204030204" pitchFamily="49" charset="0"/>
+              </a:rPr>
+              <a:t>dependência</a:t>
+            </a:r>
+            <a:r>
+              <a:rPr lang="en-US" dirty="0">
+                <a:solidFill>
+                  <a:schemeClr val="tx1"/>
+                </a:solidFill>
+                <a:latin typeface="Consolas" panose="020B0609020204030204" pitchFamily="49" charset="0"/>
+              </a:rPr>
+              <a:t> no Spring é </a:t>
+            </a:r>
+            <a:r>
+              <a:rPr lang="en-US" dirty="0" err="1">
+                <a:solidFill>
+                  <a:schemeClr val="tx1"/>
+                </a:solidFill>
+                <a:latin typeface="Consolas" panose="020B0609020204030204" pitchFamily="49" charset="0"/>
+              </a:rPr>
+              <a:t>feita</a:t>
+            </a:r>
+            <a:r>
+              <a:rPr lang="en-US" dirty="0">
+                <a:solidFill>
+                  <a:schemeClr val="tx1"/>
+                </a:solidFill>
+                <a:latin typeface="Consolas" panose="020B0609020204030204" pitchFamily="49" charset="0"/>
+              </a:rPr>
+              <a:t> pela </a:t>
+            </a:r>
+            <a:r>
+              <a:rPr lang="en-US" dirty="0" err="1">
+                <a:solidFill>
+                  <a:schemeClr val="tx1"/>
+                </a:solidFill>
+                <a:latin typeface="Consolas" panose="020B0609020204030204" pitchFamily="49" charset="0"/>
+              </a:rPr>
+              <a:t>anotação</a:t>
+            </a:r>
+            <a:r>
+              <a:rPr lang="en-US" dirty="0">
+                <a:solidFill>
+                  <a:schemeClr val="tx1"/>
+                </a:solidFill>
+                <a:latin typeface="Consolas" panose="020B0609020204030204" pitchFamily="49" charset="0"/>
+              </a:rPr>
+              <a:t> @</a:t>
+            </a:r>
+            <a:r>
+              <a:rPr lang="en-US" dirty="0" err="1">
+                <a:solidFill>
+                  <a:schemeClr val="tx1"/>
+                </a:solidFill>
+                <a:latin typeface="Consolas" panose="020B0609020204030204" pitchFamily="49" charset="0"/>
+              </a:rPr>
+              <a:t>AutoWired</a:t>
+            </a:r>
+            <a:endParaRPr lang="en-US" b="1" dirty="0">
+              <a:solidFill>
+                <a:schemeClr val="tx1"/>
+              </a:solidFill>
+              <a:latin typeface="Consolas" panose="020B0609020204030204" pitchFamily="49" charset="0"/>
+            </a:endParaRPr>
+          </a:p>
+        </p:txBody>
+      </p:sp>
+      <p:sp>
+        <p:nvSpPr>
+          <p:cNvPr id="19" name="Ondulado Duplo 22">
+            <a:extLst>
+              <a:ext uri="{FF2B5EF4-FFF2-40B4-BE49-F238E27FC236}">
+                <a16:creationId xmlns:a16="http://schemas.microsoft.com/office/drawing/2014/main" id="{82BB5F41-A2BE-47B6-902D-340D3EB741EF}"/>
+              </a:ext>
+            </a:extLst>
+          </p:cNvPr>
+          <p:cNvSpPr/>
+          <p:nvPr/>
+        </p:nvSpPr>
+        <p:spPr>
+          <a:xfrm>
+            <a:off x="860566" y="779765"/>
+            <a:ext cx="5120640" cy="1231611"/>
+          </a:xfrm>
+          <a:prstGeom prst="doubleWave">
+            <a:avLst/>
+          </a:prstGeom>
+          <a:solidFill>
+            <a:schemeClr val="accent4"/>
+          </a:solidFill>
+          <a:ln>
+            <a:noFill/>
+          </a:ln>
+          <a:effectLst/>
+        </p:spPr>
+        <p:style>
+          <a:lnRef idx="2">
+            <a:schemeClr val="accent1">
+              <a:shade val="50000"/>
+            </a:schemeClr>
+          </a:lnRef>
+          <a:fillRef idx="1">
+            <a:schemeClr val="accent1"/>
+          </a:fillRef>
+          <a:effectRef idx="0">
+            <a:schemeClr val="accent1"/>
+          </a:effectRef>
+          <a:fontRef idx="minor">
+            <a:schemeClr val="lt1"/>
+          </a:fontRef>
+        </p:style>
+        <p:txBody>
+          <a:bodyPr rtlCol="0" anchor="ctr"/>
+          <a:lstStyle/>
+          <a:p>
+            <a:pPr algn="ctr"/>
+            <a:r>
+              <a:rPr lang="en-US" dirty="0" err="1">
+                <a:solidFill>
+                  <a:schemeClr val="tx1"/>
+                </a:solidFill>
+                <a:latin typeface="Consolas" panose="020B0609020204030204" pitchFamily="49" charset="0"/>
+              </a:rPr>
+              <a:t>Sempre</a:t>
+            </a:r>
+            <a:r>
+              <a:rPr lang="en-US" dirty="0">
+                <a:solidFill>
+                  <a:schemeClr val="tx1"/>
+                </a:solidFill>
+                <a:latin typeface="Consolas" panose="020B0609020204030204" pitchFamily="49" charset="0"/>
+              </a:rPr>
+              <a:t> que 2 </a:t>
+            </a:r>
+            <a:r>
+              <a:rPr lang="en-US" dirty="0" err="1">
+                <a:solidFill>
+                  <a:schemeClr val="tx1"/>
+                </a:solidFill>
+                <a:latin typeface="Consolas" panose="020B0609020204030204" pitchFamily="49" charset="0"/>
+              </a:rPr>
+              <a:t>componentes</a:t>
+            </a:r>
+            <a:r>
+              <a:rPr lang="en-US" dirty="0">
+                <a:solidFill>
+                  <a:schemeClr val="tx1"/>
+                </a:solidFill>
+                <a:latin typeface="Consolas" panose="020B0609020204030204" pitchFamily="49" charset="0"/>
+              </a:rPr>
+              <a:t> </a:t>
+            </a:r>
+            <a:r>
+              <a:rPr lang="en-US" dirty="0" err="1">
+                <a:solidFill>
+                  <a:schemeClr val="tx1"/>
+                </a:solidFill>
+                <a:latin typeface="Consolas" panose="020B0609020204030204" pitchFamily="49" charset="0"/>
+              </a:rPr>
+              <a:t>dependentes</a:t>
+            </a:r>
+            <a:r>
+              <a:rPr lang="en-US" dirty="0">
+                <a:solidFill>
+                  <a:schemeClr val="tx1"/>
+                </a:solidFill>
+                <a:latin typeface="Consolas" panose="020B0609020204030204" pitchFamily="49" charset="0"/>
+              </a:rPr>
+              <a:t> </a:t>
+            </a:r>
+            <a:r>
+              <a:rPr lang="en-US" dirty="0" err="1">
+                <a:solidFill>
+                  <a:schemeClr val="tx1"/>
+                </a:solidFill>
+                <a:latin typeface="Consolas" panose="020B0609020204030204" pitchFamily="49" charset="0"/>
+              </a:rPr>
+              <a:t>são</a:t>
+            </a:r>
+            <a:r>
+              <a:rPr lang="en-US" dirty="0">
+                <a:solidFill>
+                  <a:schemeClr val="tx1"/>
+                </a:solidFill>
+                <a:latin typeface="Consolas" panose="020B0609020204030204" pitchFamily="49" charset="0"/>
+              </a:rPr>
+              <a:t> </a:t>
+            </a:r>
+            <a:r>
+              <a:rPr lang="en-US" dirty="0" err="1">
+                <a:solidFill>
+                  <a:schemeClr val="tx1"/>
+                </a:solidFill>
+                <a:latin typeface="Consolas" panose="020B0609020204030204" pitchFamily="49" charset="0"/>
+              </a:rPr>
+              <a:t>gerenciados</a:t>
+            </a:r>
+            <a:r>
+              <a:rPr lang="en-US" dirty="0">
+                <a:solidFill>
+                  <a:schemeClr val="tx1"/>
+                </a:solidFill>
+                <a:latin typeface="Consolas" panose="020B0609020204030204" pitchFamily="49" charset="0"/>
+              </a:rPr>
+              <a:t> </a:t>
+            </a:r>
+            <a:r>
+              <a:rPr lang="en-US" dirty="0" err="1">
+                <a:solidFill>
+                  <a:schemeClr val="tx1"/>
+                </a:solidFill>
+                <a:latin typeface="Consolas" panose="020B0609020204030204" pitchFamily="49" charset="0"/>
+              </a:rPr>
+              <a:t>pelo</a:t>
+            </a:r>
+            <a:r>
+              <a:rPr lang="en-US" dirty="0">
+                <a:solidFill>
+                  <a:schemeClr val="tx1"/>
+                </a:solidFill>
+                <a:latin typeface="Consolas" panose="020B0609020204030204" pitchFamily="49" charset="0"/>
+              </a:rPr>
+              <a:t> Spring, um </a:t>
+            </a:r>
+            <a:r>
+              <a:rPr lang="en-US" dirty="0" err="1">
+                <a:solidFill>
+                  <a:schemeClr val="tx1"/>
+                </a:solidFill>
+                <a:latin typeface="Consolas" panose="020B0609020204030204" pitchFamily="49" charset="0"/>
+              </a:rPr>
+              <a:t>deve</a:t>
+            </a:r>
+            <a:r>
+              <a:rPr lang="en-US" dirty="0">
+                <a:solidFill>
+                  <a:schemeClr val="tx1"/>
+                </a:solidFill>
+                <a:latin typeface="Consolas" panose="020B0609020204030204" pitchFamily="49" charset="0"/>
+              </a:rPr>
+              <a:t> ser </a:t>
+            </a:r>
+            <a:r>
+              <a:rPr lang="en-US" dirty="0" err="1">
+                <a:solidFill>
+                  <a:schemeClr val="tx1"/>
+                </a:solidFill>
+                <a:latin typeface="Consolas" panose="020B0609020204030204" pitchFamily="49" charset="0"/>
+              </a:rPr>
+              <a:t>injetado</a:t>
+            </a:r>
+            <a:r>
+              <a:rPr lang="en-US" dirty="0">
+                <a:solidFill>
+                  <a:schemeClr val="tx1"/>
+                </a:solidFill>
+                <a:latin typeface="Consolas" panose="020B0609020204030204" pitchFamily="49" charset="0"/>
+              </a:rPr>
+              <a:t> </a:t>
+            </a:r>
+            <a:r>
+              <a:rPr lang="en-US" dirty="0" err="1">
+                <a:solidFill>
+                  <a:schemeClr val="tx1"/>
+                </a:solidFill>
+                <a:latin typeface="Consolas" panose="020B0609020204030204" pitchFamily="49" charset="0"/>
+              </a:rPr>
+              <a:t>pelo</a:t>
+            </a:r>
+            <a:r>
+              <a:rPr lang="en-US" dirty="0">
+                <a:solidFill>
+                  <a:schemeClr val="tx1"/>
+                </a:solidFill>
+                <a:latin typeface="Consolas" panose="020B0609020204030204" pitchFamily="49" charset="0"/>
+              </a:rPr>
+              <a:t> outro</a:t>
+            </a:r>
+          </a:p>
+        </p:txBody>
+      </p:sp>
+      <p:sp>
+        <p:nvSpPr>
+          <p:cNvPr id="20" name="Diamond 19">
+            <a:extLst>
+              <a:ext uri="{FF2B5EF4-FFF2-40B4-BE49-F238E27FC236}">
+                <a16:creationId xmlns:a16="http://schemas.microsoft.com/office/drawing/2014/main" id="{DE1FCBB7-29CF-46F4-A634-59FFE878A45A}"/>
+              </a:ext>
+            </a:extLst>
+          </p:cNvPr>
+          <p:cNvSpPr/>
+          <p:nvPr/>
+        </p:nvSpPr>
+        <p:spPr>
+          <a:xfrm>
+            <a:off x="5636071" y="5221075"/>
+            <a:ext cx="457200" cy="274320"/>
+          </a:xfrm>
+          <a:prstGeom prst="diamond">
+            <a:avLst/>
+          </a:prstGeom>
+          <a:solidFill>
+            <a:srgbClr val="7F7F7F"/>
+          </a:solidFill>
+          <a:ln cap="rnd">
+            <a:solidFill>
+              <a:srgbClr val="7F7F7F"/>
+            </a:solidFill>
+          </a:ln>
+        </p:spPr>
+        <p:style>
+          <a:lnRef idx="2">
+            <a:schemeClr val="accent1">
+              <a:shade val="50000"/>
+            </a:schemeClr>
+          </a:lnRef>
+          <a:fillRef idx="1">
+            <a:schemeClr val="accent1"/>
+          </a:fillRef>
+          <a:effectRef idx="0">
+            <a:schemeClr val="accent1"/>
+          </a:effectRef>
+          <a:fontRef idx="minor">
+            <a:schemeClr val="lt1"/>
+          </a:fontRef>
+        </p:style>
+        <p:txBody>
+          <a:bodyPr rtlCol="0" anchor="ctr"/>
+          <a:lstStyle/>
+          <a:p>
+            <a:pPr algn="ctr"/>
+            <a:endParaRPr lang="en-US"/>
+          </a:p>
+        </p:txBody>
+      </p:sp>
+    </p:spTree>
+    <p:extLst>
+      <p:ext uri="{BB962C8B-B14F-4D97-AF65-F5344CB8AC3E}">
+        <p14:creationId xmlns:p14="http://schemas.microsoft.com/office/powerpoint/2010/main" val="306564378"/>
+      </p:ext>
+    </p:extLst>
+  </p:cSld>
+  <p:clrMapOvr>
+    <a:masterClrMapping/>
+  </p:clrMapOvr>
+</p:sld>
+</file>
+
+<file path=ppt/slides/slide39.xml><?xml version="1.0" encoding="utf-8"?>
+<p:sld xmlns:a="http://schemas.openxmlformats.org/drawingml/2006/main" xmlns:r="http://schemas.openxmlformats.org/officeDocument/2006/relationships" xmlns:p="http://schemas.openxmlformats.org/presentationml/2006/main">
+  <p:cSld>
+    <p:spTree>
+      <p:nvGrpSpPr>
+        <p:cNvPr id="1" name=""/>
+        <p:cNvGrpSpPr/>
+        <p:nvPr/>
+      </p:nvGrpSpPr>
+      <p:grpSpPr>
+        <a:xfrm>
+          <a:off x="0" y="0"/>
+          <a:ext cx="0" cy="0"/>
+          <a:chOff x="0" y="0"/>
+          <a:chExt cx="0" cy="0"/>
+        </a:xfrm>
+      </p:grpSpPr>
+      <p:sp>
+        <p:nvSpPr>
+          <p:cNvPr id="3" name="Título 2">
+            <a:extLst>
+              <a:ext uri="{FF2B5EF4-FFF2-40B4-BE49-F238E27FC236}">
+                <a16:creationId xmlns:a16="http://schemas.microsoft.com/office/drawing/2014/main" id="{20AF7FCE-3277-41A8-A814-7E1CC0EC068E}"/>
+              </a:ext>
+            </a:extLst>
+          </p:cNvPr>
+          <p:cNvSpPr txBox="1">
+            <a:spLocks/>
+          </p:cNvSpPr>
+          <p:nvPr/>
+        </p:nvSpPr>
+        <p:spPr>
+          <a:xfrm>
+            <a:off x="1802167" y="0"/>
+            <a:ext cx="10389833" cy="577049"/>
+          </a:xfrm>
+          <a:prstGeom prst="rect">
+            <a:avLst/>
+          </a:prstGeom>
+          <a:noFill/>
+          <a:ln>
+            <a:noFill/>
+          </a:ln>
+        </p:spPr>
+        <p:style>
+          <a:lnRef idx="2">
+            <a:schemeClr val="accent5"/>
+          </a:lnRef>
+          <a:fillRef idx="1">
+            <a:schemeClr val="lt1"/>
+          </a:fillRef>
+          <a:effectRef idx="0">
+            <a:schemeClr val="accent5"/>
+          </a:effectRef>
+          <a:fontRef idx="minor">
+            <a:schemeClr val="dk1"/>
+          </a:fontRef>
+        </p:style>
+        <p:txBody>
+          <a:bodyPr vert="horz" lIns="91440" tIns="45720" rIns="91440" bIns="45720" rtlCol="0" anchor="ctr">
+            <a:noAutofit/>
+          </a:bodyPr>
+          <a:lstStyle>
+            <a:lvl1pPr algn="l" defTabSz="914400" rtl="0" eaLnBrk="1" latinLnBrk="0" hangingPunct="1">
+              <a:lnSpc>
+                <a:spcPct val="90000"/>
+              </a:lnSpc>
+              <a:spcBef>
+                <a:spcPct val="0"/>
+              </a:spcBef>
+              <a:buNone/>
+              <a:defRPr sz="4400" kern="1200">
+                <a:solidFill>
+                  <a:schemeClr val="tx1"/>
+                </a:solidFill>
+                <a:latin typeface="+mj-lt"/>
+                <a:ea typeface="+mj-ea"/>
+                <a:cs typeface="+mj-cs"/>
+              </a:defRPr>
+            </a:lvl1pPr>
+          </a:lstStyle>
+          <a:p>
+            <a:r>
               <a:rPr lang="pt-BR" sz="2400" b="1" dirty="0">
                 <a:solidFill>
                   <a:srgbClr val="003399"/>
                 </a:solidFill>
                 <a:latin typeface="Candara" panose="020E0502030303020204" pitchFamily="34" charset="0"/>
               </a:rPr>
-              <a:t>Implementando o Backend de catálogo de cursos</a:t>
+              <a:t>Implementando o Back-end de catálogo de cursos</a:t>
             </a:r>
           </a:p>
         </p:txBody>
@@ -20687,389 +21844,6 @@
     <p:extLst>
       <p:ext uri="{BB962C8B-B14F-4D97-AF65-F5344CB8AC3E}">
         <p14:creationId xmlns:p14="http://schemas.microsoft.com/office/powerpoint/2010/main" val="2525798076"/>
-      </p:ext>
-    </p:extLst>
-  </p:cSld>
-  <p:clrMapOvr>
-    <a:masterClrMapping/>
-  </p:clrMapOvr>
-</p:sld>
-</file>
-
-<file path=ppt/slides/slide39.xml><?xml version="1.0" encoding="utf-8"?>
-<p:sld xmlns:a="http://schemas.openxmlformats.org/drawingml/2006/main" xmlns:r="http://schemas.openxmlformats.org/officeDocument/2006/relationships" xmlns:p="http://schemas.openxmlformats.org/presentationml/2006/main">
-  <p:cSld>
-    <p:spTree>
-      <p:nvGrpSpPr>
-        <p:cNvPr id="1" name=""/>
-        <p:cNvGrpSpPr/>
-        <p:nvPr/>
-      </p:nvGrpSpPr>
-      <p:grpSpPr>
-        <a:xfrm>
-          <a:off x="0" y="0"/>
-          <a:ext cx="0" cy="0"/>
-          <a:chOff x="0" y="0"/>
-          <a:chExt cx="0" cy="0"/>
-        </a:xfrm>
-      </p:grpSpPr>
-      <p:sp>
-        <p:nvSpPr>
-          <p:cNvPr id="3" name="Título 2">
-            <a:extLst>
-              <a:ext uri="{FF2B5EF4-FFF2-40B4-BE49-F238E27FC236}">
-                <a16:creationId xmlns:a16="http://schemas.microsoft.com/office/drawing/2014/main" id="{20AF7FCE-3277-41A8-A814-7E1CC0EC068E}"/>
-              </a:ext>
-            </a:extLst>
-          </p:cNvPr>
-          <p:cNvSpPr txBox="1">
-            <a:spLocks/>
-          </p:cNvSpPr>
-          <p:nvPr/>
-        </p:nvSpPr>
-        <p:spPr>
-          <a:xfrm>
-            <a:off x="1802167" y="0"/>
-            <a:ext cx="10389833" cy="577049"/>
-          </a:xfrm>
-          <a:prstGeom prst="rect">
-            <a:avLst/>
-          </a:prstGeom>
-          <a:noFill/>
-          <a:ln>
-            <a:noFill/>
-          </a:ln>
-        </p:spPr>
-        <p:style>
-          <a:lnRef idx="2">
-            <a:schemeClr val="accent5"/>
-          </a:lnRef>
-          <a:fillRef idx="1">
-            <a:schemeClr val="lt1"/>
-          </a:fillRef>
-          <a:effectRef idx="0">
-            <a:schemeClr val="accent5"/>
-          </a:effectRef>
-          <a:fontRef idx="minor">
-            <a:schemeClr val="dk1"/>
-          </a:fontRef>
-        </p:style>
-        <p:txBody>
-          <a:bodyPr vert="horz" lIns="91440" tIns="45720" rIns="91440" bIns="45720" rtlCol="0" anchor="ctr">
-            <a:noAutofit/>
-          </a:bodyPr>
-          <a:lstStyle>
-            <a:lvl1pPr algn="l" defTabSz="914400" rtl="0" eaLnBrk="1" latinLnBrk="0" hangingPunct="1">
-              <a:lnSpc>
-                <a:spcPct val="90000"/>
-              </a:lnSpc>
-              <a:spcBef>
-                <a:spcPct val="0"/>
-              </a:spcBef>
-              <a:buNone/>
-              <a:defRPr sz="4400" kern="1200">
-                <a:solidFill>
-                  <a:schemeClr val="tx1"/>
-                </a:solidFill>
-                <a:latin typeface="+mj-lt"/>
-                <a:ea typeface="+mj-ea"/>
-                <a:cs typeface="+mj-cs"/>
-              </a:defRPr>
-            </a:lvl1pPr>
-          </a:lstStyle>
-          <a:p>
-            <a:r>
-              <a:rPr lang="pt-BR" sz="2400" b="1" dirty="0">
-                <a:solidFill>
-                  <a:srgbClr val="003399"/>
-                </a:solidFill>
-                <a:latin typeface="Candara" panose="020E0502030303020204" pitchFamily="34" charset="0"/>
-              </a:rPr>
-              <a:t>Implementando o Backend de catálogo de cursos</a:t>
-            </a:r>
-          </a:p>
-        </p:txBody>
-      </p:sp>
-      <p:sp>
-        <p:nvSpPr>
-          <p:cNvPr id="4" name="Subtítulo 1">
-            <a:extLst>
-              <a:ext uri="{FF2B5EF4-FFF2-40B4-BE49-F238E27FC236}">
-                <a16:creationId xmlns:a16="http://schemas.microsoft.com/office/drawing/2014/main" id="{B8770378-C0F8-487D-BFCB-395F45F42FB1}"/>
-              </a:ext>
-            </a:extLst>
-          </p:cNvPr>
-          <p:cNvSpPr txBox="1">
-            <a:spLocks/>
-          </p:cNvSpPr>
-          <p:nvPr/>
-        </p:nvSpPr>
-        <p:spPr>
-          <a:xfrm>
-            <a:off x="607378" y="763480"/>
-            <a:ext cx="10977422" cy="5646198"/>
-          </a:xfrm>
-          <a:prstGeom prst="rect">
-            <a:avLst/>
-          </a:prstGeom>
-          <a:ln>
-            <a:solidFill>
-              <a:srgbClr val="D7E5F9"/>
-            </a:solidFill>
-          </a:ln>
-        </p:spPr>
-        <p:style>
-          <a:lnRef idx="2">
-            <a:schemeClr val="accent2"/>
-          </a:lnRef>
-          <a:fillRef idx="1">
-            <a:schemeClr val="lt1"/>
-          </a:fillRef>
-          <a:effectRef idx="0">
-            <a:schemeClr val="accent2"/>
-          </a:effectRef>
-          <a:fontRef idx="minor">
-            <a:schemeClr val="dk1"/>
-          </a:fontRef>
-        </p:style>
-        <p:txBody>
-          <a:bodyPr vert="horz" lIns="91440" tIns="45720" rIns="91440" bIns="45720" rtlCol="0" anchor="t">
-            <a:normAutofit/>
-          </a:bodyPr>
-          <a:lstStyle>
-            <a:lvl1pPr marL="228600" indent="-228600" algn="l" defTabSz="914400" rtl="0" eaLnBrk="1" latinLnBrk="0" hangingPunct="1">
-              <a:lnSpc>
-                <a:spcPct val="90000"/>
-              </a:lnSpc>
-              <a:spcBef>
-                <a:spcPts val="1000"/>
-              </a:spcBef>
-              <a:buFont typeface="Arial" panose="020B0604020202020204" pitchFamily="34" charset="0"/>
-              <a:buChar char="•"/>
-              <a:defRPr sz="2800" kern="1200">
-                <a:solidFill>
-                  <a:schemeClr val="tx1"/>
-                </a:solidFill>
-                <a:latin typeface="+mn-lt"/>
-                <a:ea typeface="+mn-ea"/>
-                <a:cs typeface="+mn-cs"/>
-              </a:defRPr>
-            </a:lvl1pPr>
-            <a:lvl2pPr marL="685800" indent="-228600" algn="l" defTabSz="914400" rtl="0" eaLnBrk="1" latinLnBrk="0" hangingPunct="1">
-              <a:lnSpc>
-                <a:spcPct val="90000"/>
-              </a:lnSpc>
-              <a:spcBef>
-                <a:spcPts val="500"/>
-              </a:spcBef>
-              <a:buFont typeface="Arial" panose="020B0604020202020204" pitchFamily="34" charset="0"/>
-              <a:buChar char="•"/>
-              <a:defRPr sz="2400" kern="1200">
-                <a:solidFill>
-                  <a:schemeClr val="tx1"/>
-                </a:solidFill>
-                <a:latin typeface="+mn-lt"/>
-                <a:ea typeface="+mn-ea"/>
-                <a:cs typeface="+mn-cs"/>
-              </a:defRPr>
-            </a:lvl2pPr>
-            <a:lvl3pPr marL="1143000" indent="-228600" algn="l" defTabSz="914400" rtl="0" eaLnBrk="1" latinLnBrk="0" hangingPunct="1">
-              <a:lnSpc>
-                <a:spcPct val="90000"/>
-              </a:lnSpc>
-              <a:spcBef>
-                <a:spcPts val="500"/>
-              </a:spcBef>
-              <a:buFont typeface="Arial" panose="020B0604020202020204" pitchFamily="34" charset="0"/>
-              <a:buChar char="•"/>
-              <a:defRPr sz="2000" kern="1200">
-                <a:solidFill>
-                  <a:schemeClr val="tx1"/>
-                </a:solidFill>
-                <a:latin typeface="+mn-lt"/>
-                <a:ea typeface="+mn-ea"/>
-                <a:cs typeface="+mn-cs"/>
-              </a:defRPr>
-            </a:lvl3pPr>
-            <a:lvl4pPr marL="1600200" indent="-228600" algn="l" defTabSz="914400" rtl="0" eaLnBrk="1" latinLnBrk="0" hangingPunct="1">
-              <a:lnSpc>
-                <a:spcPct val="90000"/>
-              </a:lnSpc>
-              <a:spcBef>
-                <a:spcPts val="500"/>
-              </a:spcBef>
-              <a:buFont typeface="Arial" panose="020B0604020202020204" pitchFamily="34" charset="0"/>
-              <a:buChar char="•"/>
-              <a:defRPr sz="1800" kern="1200">
-                <a:solidFill>
-                  <a:schemeClr val="tx1"/>
-                </a:solidFill>
-                <a:latin typeface="+mn-lt"/>
-                <a:ea typeface="+mn-ea"/>
-                <a:cs typeface="+mn-cs"/>
-              </a:defRPr>
-            </a:lvl4pPr>
-            <a:lvl5pPr marL="2057400" indent="-228600" algn="l" defTabSz="914400" rtl="0" eaLnBrk="1" latinLnBrk="0" hangingPunct="1">
-              <a:lnSpc>
-                <a:spcPct val="90000"/>
-              </a:lnSpc>
-              <a:spcBef>
-                <a:spcPts val="500"/>
-              </a:spcBef>
-              <a:buFont typeface="Arial" panose="020B0604020202020204" pitchFamily="34" charset="0"/>
-              <a:buChar char="•"/>
-              <a:defRPr sz="1800" kern="1200">
-                <a:solidFill>
-                  <a:schemeClr val="tx1"/>
-                </a:solidFill>
-                <a:latin typeface="+mn-lt"/>
-                <a:ea typeface="+mn-ea"/>
-                <a:cs typeface="+mn-cs"/>
-              </a:defRPr>
-            </a:lvl5pPr>
-            <a:lvl6pPr marL="2514600" indent="-228600" algn="l" defTabSz="914400" rtl="0" eaLnBrk="1" latinLnBrk="0" hangingPunct="1">
-              <a:lnSpc>
-                <a:spcPct val="90000"/>
-              </a:lnSpc>
-              <a:spcBef>
-                <a:spcPts val="500"/>
-              </a:spcBef>
-              <a:buFont typeface="Arial" panose="020B0604020202020204" pitchFamily="34" charset="0"/>
-              <a:buChar char="•"/>
-              <a:defRPr sz="1800" kern="1200">
-                <a:solidFill>
-                  <a:schemeClr val="tx1"/>
-                </a:solidFill>
-                <a:latin typeface="+mn-lt"/>
-                <a:ea typeface="+mn-ea"/>
-                <a:cs typeface="+mn-cs"/>
-              </a:defRPr>
-            </a:lvl6pPr>
-            <a:lvl7pPr marL="2971800" indent="-228600" algn="l" defTabSz="914400" rtl="0" eaLnBrk="1" latinLnBrk="0" hangingPunct="1">
-              <a:lnSpc>
-                <a:spcPct val="90000"/>
-              </a:lnSpc>
-              <a:spcBef>
-                <a:spcPts val="500"/>
-              </a:spcBef>
-              <a:buFont typeface="Arial" panose="020B0604020202020204" pitchFamily="34" charset="0"/>
-              <a:buChar char="•"/>
-              <a:defRPr sz="1800" kern="1200">
-                <a:solidFill>
-                  <a:schemeClr val="tx1"/>
-                </a:solidFill>
-                <a:latin typeface="+mn-lt"/>
-                <a:ea typeface="+mn-ea"/>
-                <a:cs typeface="+mn-cs"/>
-              </a:defRPr>
-            </a:lvl7pPr>
-            <a:lvl8pPr marL="3429000" indent="-228600" algn="l" defTabSz="914400" rtl="0" eaLnBrk="1" latinLnBrk="0" hangingPunct="1">
-              <a:lnSpc>
-                <a:spcPct val="90000"/>
-              </a:lnSpc>
-              <a:spcBef>
-                <a:spcPts val="500"/>
-              </a:spcBef>
-              <a:buFont typeface="Arial" panose="020B0604020202020204" pitchFamily="34" charset="0"/>
-              <a:buChar char="•"/>
-              <a:defRPr sz="1800" kern="1200">
-                <a:solidFill>
-                  <a:schemeClr val="tx1"/>
-                </a:solidFill>
-                <a:latin typeface="+mn-lt"/>
-                <a:ea typeface="+mn-ea"/>
-                <a:cs typeface="+mn-cs"/>
-              </a:defRPr>
-            </a:lvl8pPr>
-            <a:lvl9pPr marL="3886200" indent="-228600" algn="l" defTabSz="914400" rtl="0" eaLnBrk="1" latinLnBrk="0" hangingPunct="1">
-              <a:lnSpc>
-                <a:spcPct val="90000"/>
-              </a:lnSpc>
-              <a:spcBef>
-                <a:spcPts val="500"/>
-              </a:spcBef>
-              <a:buFont typeface="Arial" panose="020B0604020202020204" pitchFamily="34" charset="0"/>
-              <a:buChar char="•"/>
-              <a:defRPr sz="1800" kern="1200">
-                <a:solidFill>
-                  <a:schemeClr val="tx1"/>
-                </a:solidFill>
-                <a:latin typeface="+mn-lt"/>
-                <a:ea typeface="+mn-ea"/>
-                <a:cs typeface="+mn-cs"/>
-              </a:defRPr>
-            </a:lvl9pPr>
-          </a:lstStyle>
-          <a:p>
-            <a:pPr marL="0" indent="0">
-              <a:buNone/>
-            </a:pPr>
-            <a:r>
-              <a:rPr lang="pt-BR">
-                <a:solidFill>
-                  <a:srgbClr val="003399"/>
-                </a:solidFill>
-                <a:latin typeface="Consolas" panose="020B0609020204030204" pitchFamily="49" charset="0"/>
-              </a:rPr>
-              <a:t>service.</a:t>
-            </a:r>
-            <a:r>
-              <a:rPr lang="pt-BR" b="1">
-                <a:solidFill>
-                  <a:srgbClr val="003399"/>
-                </a:solidFill>
-                <a:latin typeface="Consolas" panose="020B0609020204030204" pitchFamily="49" charset="0"/>
-              </a:rPr>
-              <a:t>CursoService</a:t>
-            </a:r>
-            <a:endParaRPr lang="pt-BR" b="1" dirty="0">
-              <a:solidFill>
-                <a:srgbClr val="003399"/>
-              </a:solidFill>
-              <a:latin typeface="Consolas" panose="020B0609020204030204" pitchFamily="49" charset="0"/>
-            </a:endParaRPr>
-          </a:p>
-        </p:txBody>
-      </p:sp>
-      <p:pic>
-        <p:nvPicPr>
-          <p:cNvPr id="13" name="Imagem 12">
-            <a:extLst>
-              <a:ext uri="{FF2B5EF4-FFF2-40B4-BE49-F238E27FC236}">
-                <a16:creationId xmlns:a16="http://schemas.microsoft.com/office/drawing/2014/main" id="{C770ECA1-8849-41DB-A0E3-D40F2FD1A814}"/>
-              </a:ext>
-            </a:extLst>
-          </p:cNvPr>
-          <p:cNvPicPr>
-            <a:picLocks noChangeAspect="1"/>
-          </p:cNvPicPr>
-          <p:nvPr/>
-        </p:nvPicPr>
-        <p:blipFill>
-          <a:blip r:embed="rId2"/>
-          <a:stretch>
-            <a:fillRect/>
-          </a:stretch>
-        </p:blipFill>
-        <p:spPr>
-          <a:xfrm>
-            <a:off x="2294962" y="1426579"/>
-            <a:ext cx="8330047" cy="4320000"/>
-          </a:xfrm>
-          <a:prstGeom prst="rect">
-            <a:avLst/>
-          </a:prstGeom>
-          <a:ln w="38100">
-            <a:solidFill>
-              <a:srgbClr val="7030A0"/>
-            </a:solidFill>
-          </a:ln>
-        </p:spPr>
-      </p:pic>
-    </p:spTree>
-    <p:extLst>
-      <p:ext uri="{BB962C8B-B14F-4D97-AF65-F5344CB8AC3E}">
-        <p14:creationId xmlns:p14="http://schemas.microsoft.com/office/powerpoint/2010/main" val="4159536394"/>
       </p:ext>
     </p:extLst>
   </p:cSld>
@@ -22491,7 +23265,7 @@
                 </a:solidFill>
                 <a:latin typeface="Candara" panose="020E0502030303020204" pitchFamily="34" charset="0"/>
               </a:rPr>
-              <a:t>Implementando o Backend de catálogo de cursos</a:t>
+              <a:t>Implementando o Back-end de catálogo de cursos</a:t>
             </a:r>
           </a:p>
         </p:txBody>
@@ -22717,7 +23491,7 @@
                 </a:solidFill>
                 <a:latin typeface="Consolas" panose="020B0609020204030204" pitchFamily="49" charset="0"/>
               </a:rPr>
-              <a:t>controller.</a:t>
+              <a:t>service.</a:t>
             </a:r>
             <a:r>
               <a:rPr lang="pt-BR" b="1">
@@ -22726,7 +23500,7 @@
                 </a:solidFill>
                 <a:latin typeface="Consolas" panose="020B0609020204030204" pitchFamily="49" charset="0"/>
               </a:rPr>
-              <a:t>CursoController</a:t>
+              <a:t>CursoService</a:t>
             </a:r>
             <a:endParaRPr lang="pt-BR" b="1" dirty="0">
               <a:solidFill>
@@ -22739,10 +23513,10 @@
       </p:sp>
       <p:pic>
         <p:nvPicPr>
-          <p:cNvPr id="6" name="Imagem 5">
+          <p:cNvPr id="13" name="Imagem 12">
             <a:extLst>
               <a:ext uri="{FF2B5EF4-FFF2-40B4-BE49-F238E27FC236}">
-                <a16:creationId xmlns:a16="http://schemas.microsoft.com/office/drawing/2014/main" id="{3BA4A442-4B67-43C6-BF81-04E3490CBEBC}"/>
+                <a16:creationId xmlns:a16="http://schemas.microsoft.com/office/drawing/2014/main" id="{C770ECA1-8849-41DB-A0E3-D40F2FD1A814}"/>
               </a:ext>
             </a:extLst>
           </p:cNvPr>
@@ -22759,15 +23533,15 @@
         </p:blipFill>
         <p:spPr>
           <a:xfrm>
-            <a:off x="2860956" y="1426579"/>
-            <a:ext cx="7269078" cy="4320000"/>
+            <a:off x="2294962" y="1426579"/>
+            <a:ext cx="8330047" cy="4320000"/>
           </a:xfrm>
           <a:prstGeom prst="rect">
             <a:avLst/>
           </a:prstGeom>
           <a:ln w="38100">
             <a:solidFill>
-              <a:srgbClr val="00B050"/>
+              <a:srgbClr val="7030A0"/>
             </a:solidFill>
           </a:ln>
         </p:spPr>
@@ -22775,7 +23549,7 @@
     </p:spTree>
     <p:extLst>
       <p:ext uri="{BB962C8B-B14F-4D97-AF65-F5344CB8AC3E}">
-        <p14:creationId xmlns:p14="http://schemas.microsoft.com/office/powerpoint/2010/main" val="3500301903"/>
+        <p14:creationId xmlns:p14="http://schemas.microsoft.com/office/powerpoint/2010/main" val="4159536394"/>
       </p:ext>
     </p:extLst>
   </p:cSld>
@@ -22824,9 +23598,7 @@
           <a:prstGeom prst="rect">
             <a:avLst/>
           </a:prstGeom>
-          <a:solidFill>
-            <a:schemeClr val="accent6"/>
-          </a:solidFill>
+          <a:noFill/>
           <a:ln>
             <a:noFill/>
           </a:ln>
@@ -22870,23 +23642,23 @@
           </a:lstStyle>
           <a:p>
             <a:r>
-              <a:rPr lang="pt-BR" sz="2400" b="1">
-                <a:solidFill>
-                  <a:schemeClr val="bg1"/>
+              <a:rPr lang="pt-BR" sz="2400" b="1" dirty="0">
+                <a:solidFill>
+                  <a:srgbClr val="003399"/>
                 </a:solidFill>
                 <a:latin typeface="Candara" panose="020E0502030303020204" pitchFamily="34" charset="0"/>
               </a:rPr>
-              <a:t>Exercícios</a:t>
+              <a:t>Implementando o Back-end de catálogo de cursos</a:t>
             </a:r>
           </a:p>
         </p:txBody>
       </p:sp>
       <p:sp>
         <p:nvSpPr>
-          <p:cNvPr id="5" name="Subtítulo 1">
+          <p:cNvPr id="4" name="Subtítulo 1">
             <a:extLst>
               <a:ext uri="{FF2B5EF4-FFF2-40B4-BE49-F238E27FC236}">
-                <a16:creationId xmlns:a16="http://schemas.microsoft.com/office/drawing/2014/main" id="{E7527FF6-DDCF-4A57-AC2D-E7559BD1611C}"/>
+                <a16:creationId xmlns:a16="http://schemas.microsoft.com/office/drawing/2014/main" id="{B8770378-C0F8-487D-BFCB-395F45F42FB1}"/>
               </a:ext>
             </a:extLst>
           </p:cNvPr>
@@ -23096,149 +23868,28 @@
               <a:buNone/>
             </a:pPr>
             <a:r>
-              <a:rPr lang="pt-BR" sz="2400">
+              <a:rPr lang="pt-BR">
                 <a:solidFill>
                   <a:srgbClr val="003399"/>
                 </a:solidFill>
-                <a:latin typeface="Candara" panose="020E0502030303020204" pitchFamily="34" charset="0"/>
-              </a:rPr>
-              <a:t>&gt;Seguindo os slides anteriores:</a:t>
-            </a:r>
-          </a:p>
-          <a:p>
-            <a:pPr marL="0" indent="0">
-              <a:buNone/>
-            </a:pPr>
-            <a:r>
-              <a:rPr lang="pt-BR" sz="2400">
+                <a:latin typeface="Consolas" panose="020B0609020204030204" pitchFamily="49" charset="0"/>
+              </a:rPr>
+              <a:t>controller.</a:t>
+            </a:r>
+            <a:r>
+              <a:rPr lang="pt-BR" b="1">
                 <a:solidFill>
                   <a:srgbClr val="003399"/>
                 </a:solidFill>
-                <a:latin typeface="Candara" panose="020E0502030303020204" pitchFamily="34" charset="0"/>
-              </a:rPr>
-              <a:t>a)Criar os sub-pacotes </a:t>
-            </a:r>
-            <a:r>
-              <a:rPr lang="pt-BR" sz="2400" b="1">
-                <a:solidFill>
-                  <a:srgbClr val="003399"/>
-                </a:solidFill>
-                <a:latin typeface="Candara" panose="020E0502030303020204" pitchFamily="34" charset="0"/>
-              </a:rPr>
-              <a:t>model</a:t>
-            </a:r>
-            <a:r>
-              <a:rPr lang="pt-BR" sz="2400">
-                <a:solidFill>
-                  <a:srgbClr val="003399"/>
-                </a:solidFill>
-                <a:latin typeface="Candara" panose="020E0502030303020204" pitchFamily="34" charset="0"/>
-              </a:rPr>
-              <a:t> e </a:t>
-            </a:r>
-            <a:r>
-              <a:rPr lang="pt-BR" sz="2400" b="1">
-                <a:solidFill>
-                  <a:srgbClr val="003399"/>
-                </a:solidFill>
-                <a:latin typeface="Candara" panose="020E0502030303020204" pitchFamily="34" charset="0"/>
-              </a:rPr>
-              <a:t>service</a:t>
-            </a:r>
-          </a:p>
-          <a:p>
-            <a:pPr marL="0" indent="0">
-              <a:buNone/>
-            </a:pPr>
-            <a:r>
-              <a:rPr lang="pt-BR" sz="2400">
-                <a:solidFill>
-                  <a:srgbClr val="003399"/>
-                </a:solidFill>
-                <a:latin typeface="Candara" panose="020E0502030303020204" pitchFamily="34" charset="0"/>
-              </a:rPr>
-              <a:t>b)Implementar as 3 classes do catálogo de cursos</a:t>
-            </a:r>
-          </a:p>
-          <a:p>
-            <a:pPr marL="0" indent="0">
-              <a:buNone/>
-            </a:pPr>
-            <a:endParaRPr lang="pt-BR" sz="2400">
-              <a:solidFill>
-                <a:srgbClr val="003399"/>
-              </a:solidFill>
-              <a:latin typeface="Candara" panose="020E0502030303020204" pitchFamily="34" charset="0"/>
-            </a:endParaRPr>
-          </a:p>
-          <a:p>
-            <a:pPr marL="0" indent="0">
-              <a:buNone/>
-            </a:pPr>
-            <a:r>
-              <a:rPr lang="pt-BR" sz="2400">
-                <a:solidFill>
-                  <a:srgbClr val="003399"/>
-                </a:solidFill>
-                <a:latin typeface="Candara" panose="020E0502030303020204" pitchFamily="34" charset="0"/>
-              </a:rPr>
-              <a:t>c)Subir o Spring Boot</a:t>
-            </a:r>
-          </a:p>
-          <a:p>
-            <a:pPr marL="0" indent="0">
-              <a:buNone/>
-            </a:pPr>
-            <a:r>
-              <a:rPr lang="pt-BR" sz="2400">
-                <a:solidFill>
-                  <a:srgbClr val="003399"/>
-                </a:solidFill>
-                <a:latin typeface="Candara" panose="020E0502030303020204" pitchFamily="34" charset="0"/>
-              </a:rPr>
-              <a:t>d)Abrir navegador e acessar: </a:t>
-            </a:r>
-            <a:r>
-              <a:rPr lang="pt-BR" sz="2400" b="1">
-                <a:solidFill>
-                  <a:srgbClr val="003399"/>
-                </a:solidFill>
                 <a:latin typeface="Consolas" panose="020B0609020204030204" pitchFamily="49" charset="0"/>
               </a:rPr>
-              <a:t>localhost:8080/curso</a:t>
-            </a:r>
-          </a:p>
-          <a:p>
-            <a:pPr marL="457200" indent="-457200">
-              <a:buAutoNum type="alphaLcParenR"/>
-            </a:pPr>
-            <a:endParaRPr lang="pt-BR" sz="2400">
-              <a:solidFill>
-                <a:srgbClr val="003399"/>
-              </a:solidFill>
-              <a:latin typeface="Candara" panose="020E0502030303020204" pitchFamily="34" charset="0"/>
-            </a:endParaRPr>
-          </a:p>
-          <a:p>
-            <a:pPr marL="0" indent="0">
-              <a:buNone/>
-            </a:pPr>
-            <a:endParaRPr lang="pt-BR" sz="2400" b="1" dirty="0">
+              <a:t>CursoController</a:t>
+            </a:r>
+            <a:endParaRPr lang="pt-BR" b="1" dirty="0">
               <a:solidFill>
                 <a:srgbClr val="003399"/>
               </a:solidFill>
               <a:latin typeface="Consolas" panose="020B0609020204030204" pitchFamily="49" charset="0"/>
-            </a:endParaRPr>
-          </a:p>
-          <a:p>
-            <a:pPr marL="0" indent="0">
-              <a:buNone/>
-            </a:pPr>
-            <a:endParaRPr lang="pt-BR" sz="2400" dirty="0">
-              <a:solidFill>
-                <a:srgbClr val="003399"/>
-              </a:solidFill>
-              <a:latin typeface="Candara" panose="020E0502030303020204" pitchFamily="34" charset="0"/>
             </a:endParaRPr>
           </a:p>
         </p:txBody>
@@ -23248,7 +23899,7 @@
           <p:cNvPr id="6" name="Imagem 5">
             <a:extLst>
               <a:ext uri="{FF2B5EF4-FFF2-40B4-BE49-F238E27FC236}">
-                <a16:creationId xmlns:a16="http://schemas.microsoft.com/office/drawing/2014/main" id="{87647B6D-5207-43D6-9F44-B735F95BB8FC}"/>
+                <a16:creationId xmlns:a16="http://schemas.microsoft.com/office/drawing/2014/main" id="{3BA4A442-4B67-43C6-BF81-04E3490CBEBC}"/>
               </a:ext>
             </a:extLst>
           </p:cNvPr>
@@ -23265,82 +23916,23 @@
         </p:blipFill>
         <p:spPr>
           <a:xfrm>
-            <a:off x="900177" y="3586579"/>
-            <a:ext cx="4372585" cy="1991003"/>
+            <a:off x="2860956" y="1426579"/>
+            <a:ext cx="7269078" cy="4320000"/>
           </a:xfrm>
           <a:prstGeom prst="rect">
             <a:avLst/>
           </a:prstGeom>
-          <a:ln>
+          <a:ln w="38100">
             <a:solidFill>
-              <a:schemeClr val="bg1">
-                <a:lumMod val="50000"/>
-              </a:schemeClr>
+              <a:srgbClr val="00B050"/>
             </a:solidFill>
           </a:ln>
         </p:spPr>
       </p:pic>
-      <p:sp>
-        <p:nvSpPr>
-          <p:cNvPr id="7" name="Seta: para a Esquerda 6">
-            <a:extLst>
-              <a:ext uri="{FF2B5EF4-FFF2-40B4-BE49-F238E27FC236}">
-                <a16:creationId xmlns:a16="http://schemas.microsoft.com/office/drawing/2014/main" id="{8B587BAA-0D87-4715-8B48-6AE029591148}"/>
-              </a:ext>
-            </a:extLst>
-          </p:cNvPr>
-          <p:cNvSpPr/>
-          <p:nvPr/>
-        </p:nvSpPr>
-        <p:spPr>
-          <a:xfrm>
-            <a:off x="5459767" y="3906175"/>
-            <a:ext cx="3533313" cy="1671407"/>
-          </a:xfrm>
-          <a:prstGeom prst="leftArrow">
-            <a:avLst/>
-          </a:prstGeom>
-          <a:solidFill>
-            <a:schemeClr val="accent4"/>
-          </a:solidFill>
-        </p:spPr>
-        <p:style>
-          <a:lnRef idx="2">
-            <a:schemeClr val="accent1">
-              <a:shade val="50000"/>
-            </a:schemeClr>
-          </a:lnRef>
-          <a:fillRef idx="1">
-            <a:schemeClr val="accent1"/>
-          </a:fillRef>
-          <a:effectRef idx="0">
-            <a:schemeClr val="accent1"/>
-          </a:effectRef>
-          <a:fontRef idx="minor">
-            <a:schemeClr val="lt1"/>
-          </a:fontRef>
-        </p:style>
-        <p:txBody>
-          <a:bodyPr rtlCol="0" anchor="ctr"/>
-          <a:lstStyle/>
-          <a:p>
-            <a:pPr algn="ctr"/>
-            <a:r>
-              <a:rPr lang="pt-BR" sz="1800">
-                <a:solidFill>
-                  <a:srgbClr val="003399"/>
-                </a:solidFill>
-                <a:latin typeface="Candara" panose="020E0502030303020204" pitchFamily="34" charset="0"/>
-              </a:rPr>
-              <a:t>É esperado que não retorne nenhum resultado</a:t>
-            </a:r>
-          </a:p>
-        </p:txBody>
-      </p:sp>
     </p:spTree>
     <p:extLst>
       <p:ext uri="{BB962C8B-B14F-4D97-AF65-F5344CB8AC3E}">
-        <p14:creationId xmlns:p14="http://schemas.microsoft.com/office/powerpoint/2010/main" val="1222077753"/>
+        <p14:creationId xmlns:p14="http://schemas.microsoft.com/office/powerpoint/2010/main" val="3500301903"/>
       </p:ext>
     </p:extLst>
   </p:cSld>
@@ -23667,8 +24259,138 @@
                 </a:solidFill>
                 <a:latin typeface="Candara" panose="020E0502030303020204" pitchFamily="34" charset="0"/>
               </a:rPr>
-              <a:t>&gt;Vamos implementar um método na classe service para inicializar o mapa com alguns cursos:</a:t>
-            </a:r>
+              <a:t>&gt;Seguindo os slides anteriores:</a:t>
+            </a:r>
+          </a:p>
+          <a:p>
+            <a:pPr marL="0" indent="0">
+              <a:buNone/>
+            </a:pPr>
+            <a:r>
+              <a:rPr lang="pt-BR" sz="2400">
+                <a:solidFill>
+                  <a:srgbClr val="003399"/>
+                </a:solidFill>
+                <a:latin typeface="Candara" panose="020E0502030303020204" pitchFamily="34" charset="0"/>
+              </a:rPr>
+              <a:t>a)Criar os sub-pacotes </a:t>
+            </a:r>
+            <a:r>
+              <a:rPr lang="pt-BR" sz="2400" b="1">
+                <a:solidFill>
+                  <a:srgbClr val="003399"/>
+                </a:solidFill>
+                <a:latin typeface="Candara" panose="020E0502030303020204" pitchFamily="34" charset="0"/>
+              </a:rPr>
+              <a:t>model</a:t>
+            </a:r>
+            <a:r>
+              <a:rPr lang="pt-BR" sz="2400">
+                <a:solidFill>
+                  <a:srgbClr val="003399"/>
+                </a:solidFill>
+                <a:latin typeface="Candara" panose="020E0502030303020204" pitchFamily="34" charset="0"/>
+              </a:rPr>
+              <a:t> e </a:t>
+            </a:r>
+            <a:r>
+              <a:rPr lang="pt-BR" sz="2400" b="1">
+                <a:solidFill>
+                  <a:srgbClr val="003399"/>
+                </a:solidFill>
+                <a:latin typeface="Candara" panose="020E0502030303020204" pitchFamily="34" charset="0"/>
+              </a:rPr>
+              <a:t>service</a:t>
+            </a:r>
+          </a:p>
+          <a:p>
+            <a:pPr marL="0" indent="0">
+              <a:buNone/>
+            </a:pPr>
+            <a:r>
+              <a:rPr lang="pt-BR" sz="2400">
+                <a:solidFill>
+                  <a:srgbClr val="003399"/>
+                </a:solidFill>
+                <a:latin typeface="Candara" panose="020E0502030303020204" pitchFamily="34" charset="0"/>
+              </a:rPr>
+              <a:t>b)Implementar as 3 classes do catálogo de cursos</a:t>
+            </a:r>
+          </a:p>
+          <a:p>
+            <a:pPr marL="0" indent="0">
+              <a:buNone/>
+            </a:pPr>
+            <a:endParaRPr lang="pt-BR" sz="2400">
+              <a:solidFill>
+                <a:srgbClr val="003399"/>
+              </a:solidFill>
+              <a:latin typeface="Candara" panose="020E0502030303020204" pitchFamily="34" charset="0"/>
+            </a:endParaRPr>
+          </a:p>
+          <a:p>
+            <a:pPr marL="0" indent="0">
+              <a:buNone/>
+            </a:pPr>
+            <a:r>
+              <a:rPr lang="pt-BR" sz="2400">
+                <a:solidFill>
+                  <a:srgbClr val="003399"/>
+                </a:solidFill>
+                <a:latin typeface="Candara" panose="020E0502030303020204" pitchFamily="34" charset="0"/>
+              </a:rPr>
+              <a:t>c)Subir o Spring Boot</a:t>
+            </a:r>
+          </a:p>
+          <a:p>
+            <a:pPr marL="0" indent="0">
+              <a:buNone/>
+            </a:pPr>
+            <a:r>
+              <a:rPr lang="pt-BR" sz="2400">
+                <a:solidFill>
+                  <a:srgbClr val="003399"/>
+                </a:solidFill>
+                <a:latin typeface="Candara" panose="020E0502030303020204" pitchFamily="34" charset="0"/>
+              </a:rPr>
+              <a:t>d)Abrir navegador e acessar: </a:t>
+            </a:r>
+            <a:r>
+              <a:rPr lang="pt-BR" sz="2400" b="1">
+                <a:solidFill>
+                  <a:srgbClr val="003399"/>
+                </a:solidFill>
+                <a:latin typeface="Consolas" panose="020B0609020204030204" pitchFamily="49" charset="0"/>
+              </a:rPr>
+              <a:t>localhost:8080/curso</a:t>
+            </a:r>
+          </a:p>
+          <a:p>
+            <a:pPr marL="457200" indent="-457200">
+              <a:buAutoNum type="alphaLcParenR"/>
+            </a:pPr>
+            <a:endParaRPr lang="pt-BR" sz="2400">
+              <a:solidFill>
+                <a:srgbClr val="003399"/>
+              </a:solidFill>
+              <a:latin typeface="Candara" panose="020E0502030303020204" pitchFamily="34" charset="0"/>
+            </a:endParaRPr>
+          </a:p>
+          <a:p>
+            <a:pPr marL="0" indent="0">
+              <a:buNone/>
+            </a:pPr>
+            <a:endParaRPr lang="pt-BR" sz="2400" b="1" dirty="0">
+              <a:solidFill>
+                <a:srgbClr val="003399"/>
+              </a:solidFill>
+              <a:latin typeface="Consolas" panose="020B0609020204030204" pitchFamily="49" charset="0"/>
+            </a:endParaRPr>
+          </a:p>
+          <a:p>
+            <a:pPr marL="0" indent="0">
+              <a:buNone/>
+            </a:pPr>
             <a:endParaRPr lang="pt-BR" sz="2400" dirty="0">
               <a:solidFill>
                 <a:srgbClr val="003399"/>
@@ -23683,7 +24405,7 @@
           <p:cNvPr id="6" name="Imagem 5">
             <a:extLst>
               <a:ext uri="{FF2B5EF4-FFF2-40B4-BE49-F238E27FC236}">
-                <a16:creationId xmlns:a16="http://schemas.microsoft.com/office/drawing/2014/main" id="{5EAFA401-F97E-414D-BD11-DA6027576B12}"/>
+                <a16:creationId xmlns:a16="http://schemas.microsoft.com/office/drawing/2014/main" id="{87647B6D-5207-43D6-9F44-B735F95BB8FC}"/>
               </a:ext>
             </a:extLst>
           </p:cNvPr>
@@ -23700,23 +24422,81 @@
         </p:blipFill>
         <p:spPr>
           <a:xfrm>
-            <a:off x="607200" y="1729812"/>
-            <a:ext cx="8582880" cy="4680000"/>
+            <a:off x="900177" y="3586579"/>
+            <a:ext cx="4372585" cy="1991003"/>
           </a:xfrm>
           <a:prstGeom prst="rect">
             <a:avLst/>
           </a:prstGeom>
           <a:ln>
             <a:solidFill>
-              <a:srgbClr val="7030A0"/>
+              <a:schemeClr val="bg1">
+                <a:lumMod val="50000"/>
+              </a:schemeClr>
             </a:solidFill>
           </a:ln>
         </p:spPr>
       </p:pic>
+      <p:sp>
+        <p:nvSpPr>
+          <p:cNvPr id="7" name="Seta: para a Esquerda 6">
+            <a:extLst>
+              <a:ext uri="{FF2B5EF4-FFF2-40B4-BE49-F238E27FC236}">
+                <a16:creationId xmlns:a16="http://schemas.microsoft.com/office/drawing/2014/main" id="{8B587BAA-0D87-4715-8B48-6AE029591148}"/>
+              </a:ext>
+            </a:extLst>
+          </p:cNvPr>
+          <p:cNvSpPr/>
+          <p:nvPr/>
+        </p:nvSpPr>
+        <p:spPr>
+          <a:xfrm>
+            <a:off x="5459767" y="3906175"/>
+            <a:ext cx="3835153" cy="1671407"/>
+          </a:xfrm>
+          <a:prstGeom prst="leftArrow">
+            <a:avLst/>
+          </a:prstGeom>
+          <a:noFill/>
+          <a:ln w="28575"/>
+        </p:spPr>
+        <p:style>
+          <a:lnRef idx="2">
+            <a:schemeClr val="accent1">
+              <a:shade val="50000"/>
+            </a:schemeClr>
+          </a:lnRef>
+          <a:fillRef idx="1">
+            <a:schemeClr val="accent1"/>
+          </a:fillRef>
+          <a:effectRef idx="0">
+            <a:schemeClr val="accent1"/>
+          </a:effectRef>
+          <a:fontRef idx="minor">
+            <a:schemeClr val="lt1"/>
+          </a:fontRef>
+        </p:style>
+        <p:txBody>
+          <a:bodyPr rtlCol="0" anchor="ctr"/>
+          <a:lstStyle/>
+          <a:p>
+            <a:pPr algn="ctr"/>
+            <a:r>
+              <a:rPr lang="pt-BR" sz="2000">
+                <a:solidFill>
+                  <a:srgbClr val="003399"/>
+                </a:solidFill>
+                <a:latin typeface="Candara" panose="020E0502030303020204" pitchFamily="34" charset="0"/>
+              </a:rPr>
+              <a:t>É esperado que não retorne nenhum resultado</a:t>
+            </a:r>
+          </a:p>
+        </p:txBody>
+      </p:sp>
     </p:spTree>
     <p:extLst>
       <p:ext uri="{BB962C8B-B14F-4D97-AF65-F5344CB8AC3E}">
-        <p14:creationId xmlns:p14="http://schemas.microsoft.com/office/powerpoint/2010/main" val="2310794969"/>
+        <p14:creationId xmlns:p14="http://schemas.microsoft.com/office/powerpoint/2010/main" val="1222077753"/>
       </p:ext>
     </p:extLst>
   </p:cSld>
@@ -24043,6 +24823,382 @@
                 </a:solidFill>
                 <a:latin typeface="Candara" panose="020E0502030303020204" pitchFamily="34" charset="0"/>
               </a:rPr>
+              <a:t>&gt;Vamos implementar um método na classe service para inicializar o mapa com alguns cursos:</a:t>
+            </a:r>
+            <a:endParaRPr lang="pt-BR" sz="2400" dirty="0">
+              <a:solidFill>
+                <a:srgbClr val="003399"/>
+              </a:solidFill>
+              <a:latin typeface="Candara" panose="020E0502030303020204" pitchFamily="34" charset="0"/>
+            </a:endParaRPr>
+          </a:p>
+        </p:txBody>
+      </p:sp>
+      <p:pic>
+        <p:nvPicPr>
+          <p:cNvPr id="6" name="Imagem 5">
+            <a:extLst>
+              <a:ext uri="{FF2B5EF4-FFF2-40B4-BE49-F238E27FC236}">
+                <a16:creationId xmlns:a16="http://schemas.microsoft.com/office/drawing/2014/main" id="{5EAFA401-F97E-414D-BD11-DA6027576B12}"/>
+              </a:ext>
+            </a:extLst>
+          </p:cNvPr>
+          <p:cNvPicPr>
+            <a:picLocks noChangeAspect="1"/>
+          </p:cNvPicPr>
+          <p:nvPr/>
+        </p:nvPicPr>
+        <p:blipFill>
+          <a:blip r:embed="rId2"/>
+          <a:stretch>
+            <a:fillRect/>
+          </a:stretch>
+        </p:blipFill>
+        <p:spPr>
+          <a:xfrm>
+            <a:off x="607200" y="1729812"/>
+            <a:ext cx="8582880" cy="4680000"/>
+          </a:xfrm>
+          <a:prstGeom prst="rect">
+            <a:avLst/>
+          </a:prstGeom>
+          <a:ln>
+            <a:solidFill>
+              <a:srgbClr val="7030A0"/>
+            </a:solidFill>
+          </a:ln>
+        </p:spPr>
+      </p:pic>
+    </p:spTree>
+    <p:extLst>
+      <p:ext uri="{BB962C8B-B14F-4D97-AF65-F5344CB8AC3E}">
+        <p14:creationId xmlns:p14="http://schemas.microsoft.com/office/powerpoint/2010/main" val="2310794969"/>
+      </p:ext>
+    </p:extLst>
+  </p:cSld>
+  <p:clrMapOvr>
+    <a:masterClrMapping/>
+  </p:clrMapOvr>
+</p:sld>
+</file>
+
+<file path=ppt/slides/slide44.xml><?xml version="1.0" encoding="utf-8"?>
+<p:sld xmlns:a="http://schemas.openxmlformats.org/drawingml/2006/main" xmlns:r="http://schemas.openxmlformats.org/officeDocument/2006/relationships" xmlns:p="http://schemas.openxmlformats.org/presentationml/2006/main">
+  <p:cSld>
+    <p:spTree>
+      <p:nvGrpSpPr>
+        <p:cNvPr id="1" name=""/>
+        <p:cNvGrpSpPr/>
+        <p:nvPr/>
+      </p:nvGrpSpPr>
+      <p:grpSpPr>
+        <a:xfrm>
+          <a:off x="0" y="0"/>
+          <a:ext cx="0" cy="0"/>
+          <a:chOff x="0" y="0"/>
+          <a:chExt cx="0" cy="0"/>
+        </a:xfrm>
+      </p:grpSpPr>
+      <p:sp>
+        <p:nvSpPr>
+          <p:cNvPr id="3" name="Título 2">
+            <a:extLst>
+              <a:ext uri="{FF2B5EF4-FFF2-40B4-BE49-F238E27FC236}">
+                <a16:creationId xmlns:a16="http://schemas.microsoft.com/office/drawing/2014/main" id="{20AF7FCE-3277-41A8-A814-7E1CC0EC068E}"/>
+              </a:ext>
+            </a:extLst>
+          </p:cNvPr>
+          <p:cNvSpPr txBox="1">
+            <a:spLocks/>
+          </p:cNvSpPr>
+          <p:nvPr/>
+        </p:nvSpPr>
+        <p:spPr>
+          <a:xfrm>
+            <a:off x="1802167" y="0"/>
+            <a:ext cx="10389833" cy="577049"/>
+          </a:xfrm>
+          <a:prstGeom prst="rect">
+            <a:avLst/>
+          </a:prstGeom>
+          <a:solidFill>
+            <a:schemeClr val="accent6"/>
+          </a:solidFill>
+          <a:ln>
+            <a:noFill/>
+          </a:ln>
+        </p:spPr>
+        <p:style>
+          <a:lnRef idx="2">
+            <a:schemeClr val="accent5"/>
+          </a:lnRef>
+          <a:fillRef idx="1">
+            <a:schemeClr val="lt1"/>
+          </a:fillRef>
+          <a:effectRef idx="0">
+            <a:schemeClr val="accent5"/>
+          </a:effectRef>
+          <a:fontRef idx="minor">
+            <a:schemeClr val="dk1"/>
+          </a:fontRef>
+        </p:style>
+        <p:txBody>
+          <a:bodyPr vert="horz" lIns="91440" tIns="45720" rIns="91440" bIns="45720" rtlCol="0" anchor="ctr">
+            <a:noAutofit/>
+          </a:bodyPr>
+          <a:lstStyle>
+            <a:lvl1pPr algn="l" defTabSz="914400" rtl="0" eaLnBrk="1" latinLnBrk="0" hangingPunct="1">
+              <a:lnSpc>
+                <a:spcPct val="90000"/>
+              </a:lnSpc>
+              <a:spcBef>
+                <a:spcPct val="0"/>
+              </a:spcBef>
+              <a:buNone/>
+              <a:defRPr sz="4400" kern="1200">
+                <a:solidFill>
+                  <a:schemeClr val="tx1"/>
+                </a:solidFill>
+                <a:latin typeface="+mj-lt"/>
+                <a:ea typeface="+mj-ea"/>
+                <a:cs typeface="+mj-cs"/>
+              </a:defRPr>
+            </a:lvl1pPr>
+          </a:lstStyle>
+          <a:p>
+            <a:r>
+              <a:rPr lang="pt-BR" sz="2400" b="1">
+                <a:solidFill>
+                  <a:schemeClr val="bg1"/>
+                </a:solidFill>
+                <a:latin typeface="Candara" panose="020E0502030303020204" pitchFamily="34" charset="0"/>
+              </a:rPr>
+              <a:t>Exercícios</a:t>
+            </a:r>
+          </a:p>
+        </p:txBody>
+      </p:sp>
+      <p:sp>
+        <p:nvSpPr>
+          <p:cNvPr id="5" name="Subtítulo 1">
+            <a:extLst>
+              <a:ext uri="{FF2B5EF4-FFF2-40B4-BE49-F238E27FC236}">
+                <a16:creationId xmlns:a16="http://schemas.microsoft.com/office/drawing/2014/main" id="{E7527FF6-DDCF-4A57-AC2D-E7559BD1611C}"/>
+              </a:ext>
+            </a:extLst>
+          </p:cNvPr>
+          <p:cNvSpPr txBox="1">
+            <a:spLocks/>
+          </p:cNvSpPr>
+          <p:nvPr/>
+        </p:nvSpPr>
+        <p:spPr>
+          <a:xfrm>
+            <a:off x="607378" y="763480"/>
+            <a:ext cx="10977422" cy="5646198"/>
+          </a:xfrm>
+          <a:prstGeom prst="rect">
+            <a:avLst/>
+          </a:prstGeom>
+          <a:ln>
+            <a:solidFill>
+              <a:srgbClr val="D7E5F9"/>
+            </a:solidFill>
+          </a:ln>
+        </p:spPr>
+        <p:style>
+          <a:lnRef idx="2">
+            <a:schemeClr val="accent2"/>
+          </a:lnRef>
+          <a:fillRef idx="1">
+            <a:schemeClr val="lt1"/>
+          </a:fillRef>
+          <a:effectRef idx="0">
+            <a:schemeClr val="accent2"/>
+          </a:effectRef>
+          <a:fontRef idx="minor">
+            <a:schemeClr val="dk1"/>
+          </a:fontRef>
+        </p:style>
+        <p:txBody>
+          <a:bodyPr vert="horz" lIns="91440" tIns="45720" rIns="91440" bIns="45720" rtlCol="0" anchor="t">
+            <a:normAutofit/>
+          </a:bodyPr>
+          <a:lstStyle>
+            <a:lvl1pPr marL="228600" indent="-228600" algn="l" defTabSz="914400" rtl="0" eaLnBrk="1" latinLnBrk="0" hangingPunct="1">
+              <a:lnSpc>
+                <a:spcPct val="90000"/>
+              </a:lnSpc>
+              <a:spcBef>
+                <a:spcPts val="1000"/>
+              </a:spcBef>
+              <a:buFont typeface="Arial" panose="020B0604020202020204" pitchFamily="34" charset="0"/>
+              <a:buChar char="•"/>
+              <a:defRPr sz="2800" kern="1200">
+                <a:solidFill>
+                  <a:schemeClr val="tx1"/>
+                </a:solidFill>
+                <a:latin typeface="+mn-lt"/>
+                <a:ea typeface="+mn-ea"/>
+                <a:cs typeface="+mn-cs"/>
+              </a:defRPr>
+            </a:lvl1pPr>
+            <a:lvl2pPr marL="685800" indent="-228600" algn="l" defTabSz="914400" rtl="0" eaLnBrk="1" latinLnBrk="0" hangingPunct="1">
+              <a:lnSpc>
+                <a:spcPct val="90000"/>
+              </a:lnSpc>
+              <a:spcBef>
+                <a:spcPts val="500"/>
+              </a:spcBef>
+              <a:buFont typeface="Arial" panose="020B0604020202020204" pitchFamily="34" charset="0"/>
+              <a:buChar char="•"/>
+              <a:defRPr sz="2400" kern="1200">
+                <a:solidFill>
+                  <a:schemeClr val="tx1"/>
+                </a:solidFill>
+                <a:latin typeface="+mn-lt"/>
+                <a:ea typeface="+mn-ea"/>
+                <a:cs typeface="+mn-cs"/>
+              </a:defRPr>
+            </a:lvl2pPr>
+            <a:lvl3pPr marL="1143000" indent="-228600" algn="l" defTabSz="914400" rtl="0" eaLnBrk="1" latinLnBrk="0" hangingPunct="1">
+              <a:lnSpc>
+                <a:spcPct val="90000"/>
+              </a:lnSpc>
+              <a:spcBef>
+                <a:spcPts val="500"/>
+              </a:spcBef>
+              <a:buFont typeface="Arial" panose="020B0604020202020204" pitchFamily="34" charset="0"/>
+              <a:buChar char="•"/>
+              <a:defRPr sz="2000" kern="1200">
+                <a:solidFill>
+                  <a:schemeClr val="tx1"/>
+                </a:solidFill>
+                <a:latin typeface="+mn-lt"/>
+                <a:ea typeface="+mn-ea"/>
+                <a:cs typeface="+mn-cs"/>
+              </a:defRPr>
+            </a:lvl3pPr>
+            <a:lvl4pPr marL="1600200" indent="-228600" algn="l" defTabSz="914400" rtl="0" eaLnBrk="1" latinLnBrk="0" hangingPunct="1">
+              <a:lnSpc>
+                <a:spcPct val="90000"/>
+              </a:lnSpc>
+              <a:spcBef>
+                <a:spcPts val="500"/>
+              </a:spcBef>
+              <a:buFont typeface="Arial" panose="020B0604020202020204" pitchFamily="34" charset="0"/>
+              <a:buChar char="•"/>
+              <a:defRPr sz="1800" kern="1200">
+                <a:solidFill>
+                  <a:schemeClr val="tx1"/>
+                </a:solidFill>
+                <a:latin typeface="+mn-lt"/>
+                <a:ea typeface="+mn-ea"/>
+                <a:cs typeface="+mn-cs"/>
+              </a:defRPr>
+            </a:lvl4pPr>
+            <a:lvl5pPr marL="2057400" indent="-228600" algn="l" defTabSz="914400" rtl="0" eaLnBrk="1" latinLnBrk="0" hangingPunct="1">
+              <a:lnSpc>
+                <a:spcPct val="90000"/>
+              </a:lnSpc>
+              <a:spcBef>
+                <a:spcPts val="500"/>
+              </a:spcBef>
+              <a:buFont typeface="Arial" panose="020B0604020202020204" pitchFamily="34" charset="0"/>
+              <a:buChar char="•"/>
+              <a:defRPr sz="1800" kern="1200">
+                <a:solidFill>
+                  <a:schemeClr val="tx1"/>
+                </a:solidFill>
+                <a:latin typeface="+mn-lt"/>
+                <a:ea typeface="+mn-ea"/>
+                <a:cs typeface="+mn-cs"/>
+              </a:defRPr>
+            </a:lvl5pPr>
+            <a:lvl6pPr marL="2514600" indent="-228600" algn="l" defTabSz="914400" rtl="0" eaLnBrk="1" latinLnBrk="0" hangingPunct="1">
+              <a:lnSpc>
+                <a:spcPct val="90000"/>
+              </a:lnSpc>
+              <a:spcBef>
+                <a:spcPts val="500"/>
+              </a:spcBef>
+              <a:buFont typeface="Arial" panose="020B0604020202020204" pitchFamily="34" charset="0"/>
+              <a:buChar char="•"/>
+              <a:defRPr sz="1800" kern="1200">
+                <a:solidFill>
+                  <a:schemeClr val="tx1"/>
+                </a:solidFill>
+                <a:latin typeface="+mn-lt"/>
+                <a:ea typeface="+mn-ea"/>
+                <a:cs typeface="+mn-cs"/>
+              </a:defRPr>
+            </a:lvl6pPr>
+            <a:lvl7pPr marL="2971800" indent="-228600" algn="l" defTabSz="914400" rtl="0" eaLnBrk="1" latinLnBrk="0" hangingPunct="1">
+              <a:lnSpc>
+                <a:spcPct val="90000"/>
+              </a:lnSpc>
+              <a:spcBef>
+                <a:spcPts val="500"/>
+              </a:spcBef>
+              <a:buFont typeface="Arial" panose="020B0604020202020204" pitchFamily="34" charset="0"/>
+              <a:buChar char="•"/>
+              <a:defRPr sz="1800" kern="1200">
+                <a:solidFill>
+                  <a:schemeClr val="tx1"/>
+                </a:solidFill>
+                <a:latin typeface="+mn-lt"/>
+                <a:ea typeface="+mn-ea"/>
+                <a:cs typeface="+mn-cs"/>
+              </a:defRPr>
+            </a:lvl7pPr>
+            <a:lvl8pPr marL="3429000" indent="-228600" algn="l" defTabSz="914400" rtl="0" eaLnBrk="1" latinLnBrk="0" hangingPunct="1">
+              <a:lnSpc>
+                <a:spcPct val="90000"/>
+              </a:lnSpc>
+              <a:spcBef>
+                <a:spcPts val="500"/>
+              </a:spcBef>
+              <a:buFont typeface="Arial" panose="020B0604020202020204" pitchFamily="34" charset="0"/>
+              <a:buChar char="•"/>
+              <a:defRPr sz="1800" kern="1200">
+                <a:solidFill>
+                  <a:schemeClr val="tx1"/>
+                </a:solidFill>
+                <a:latin typeface="+mn-lt"/>
+                <a:ea typeface="+mn-ea"/>
+                <a:cs typeface="+mn-cs"/>
+              </a:defRPr>
+            </a:lvl8pPr>
+            <a:lvl9pPr marL="3886200" indent="-228600" algn="l" defTabSz="914400" rtl="0" eaLnBrk="1" latinLnBrk="0" hangingPunct="1">
+              <a:lnSpc>
+                <a:spcPct val="90000"/>
+              </a:lnSpc>
+              <a:spcBef>
+                <a:spcPts val="500"/>
+              </a:spcBef>
+              <a:buFont typeface="Arial" panose="020B0604020202020204" pitchFamily="34" charset="0"/>
+              <a:buChar char="•"/>
+              <a:defRPr sz="1800" kern="1200">
+                <a:solidFill>
+                  <a:schemeClr val="tx1"/>
+                </a:solidFill>
+                <a:latin typeface="+mn-lt"/>
+                <a:ea typeface="+mn-ea"/>
+                <a:cs typeface="+mn-cs"/>
+              </a:defRPr>
+            </a:lvl9pPr>
+          </a:lstStyle>
+          <a:p>
+            <a:pPr marL="0" indent="0">
+              <a:buNone/>
+            </a:pPr>
+            <a:r>
+              <a:rPr lang="pt-BR" sz="2400">
+                <a:solidFill>
+                  <a:srgbClr val="003399"/>
+                </a:solidFill>
+                <a:latin typeface="Candara" panose="020E0502030303020204" pitchFamily="34" charset="0"/>
+              </a:rPr>
               <a:t>&gt;No navegador, novamente acessar: </a:t>
             </a:r>
             <a:r>
@@ -24140,7 +25296,7 @@
 </p:sld>
 </file>
 
-<file path=ppt/slides/slide44.xml><?xml version="1.0" encoding="utf-8"?>
+<file path=ppt/slides/slide45.xml><?xml version="1.0" encoding="utf-8"?>
 <p:sld xmlns:a="http://schemas.openxmlformats.org/drawingml/2006/main" xmlns:r="http://schemas.openxmlformats.org/officeDocument/2006/relationships" xmlns:p="http://schemas.openxmlformats.org/presentationml/2006/main">
   <p:cSld>
     <p:spTree>
@@ -24220,435 +25376,6 @@
     <p:extLst>
       <p:ext uri="{BB962C8B-B14F-4D97-AF65-F5344CB8AC3E}">
         <p14:creationId xmlns:p14="http://schemas.microsoft.com/office/powerpoint/2010/main" val="526898622"/>
-      </p:ext>
-    </p:extLst>
-  </p:cSld>
-  <p:clrMapOvr>
-    <a:masterClrMapping/>
-  </p:clrMapOvr>
-</p:sld>
-</file>
-
-<file path=ppt/slides/slide45.xml><?xml version="1.0" encoding="utf-8"?>
-<p:sld xmlns:a="http://schemas.openxmlformats.org/drawingml/2006/main" xmlns:r="http://schemas.openxmlformats.org/officeDocument/2006/relationships" xmlns:p="http://schemas.openxmlformats.org/presentationml/2006/main">
-  <p:cSld>
-    <p:spTree>
-      <p:nvGrpSpPr>
-        <p:cNvPr id="1" name=""/>
-        <p:cNvGrpSpPr/>
-        <p:nvPr/>
-      </p:nvGrpSpPr>
-      <p:grpSpPr>
-        <a:xfrm>
-          <a:off x="0" y="0"/>
-          <a:ext cx="0" cy="0"/>
-          <a:chOff x="0" y="0"/>
-          <a:chExt cx="0" cy="0"/>
-        </a:xfrm>
-      </p:grpSpPr>
-      <p:sp>
-        <p:nvSpPr>
-          <p:cNvPr id="2" name="Subtítulo 1">
-            <a:extLst>
-              <a:ext uri="{FF2B5EF4-FFF2-40B4-BE49-F238E27FC236}">
-                <a16:creationId xmlns:a16="http://schemas.microsoft.com/office/drawing/2014/main" id="{A70C5A52-85F1-4C71-8AA2-6A1891340F69}"/>
-              </a:ext>
-            </a:extLst>
-          </p:cNvPr>
-          <p:cNvSpPr txBox="1">
-            <a:spLocks/>
-          </p:cNvSpPr>
-          <p:nvPr/>
-        </p:nvSpPr>
-        <p:spPr>
-          <a:xfrm>
-            <a:off x="607378" y="763480"/>
-            <a:ext cx="10977422" cy="5646198"/>
-          </a:xfrm>
-          <a:prstGeom prst="rect">
-            <a:avLst/>
-          </a:prstGeom>
-          <a:ln>
-            <a:solidFill>
-              <a:srgbClr val="D7E5F9"/>
-            </a:solidFill>
-          </a:ln>
-        </p:spPr>
-        <p:style>
-          <a:lnRef idx="2">
-            <a:schemeClr val="accent2"/>
-          </a:lnRef>
-          <a:fillRef idx="1">
-            <a:schemeClr val="lt1"/>
-          </a:fillRef>
-          <a:effectRef idx="0">
-            <a:schemeClr val="accent2"/>
-          </a:effectRef>
-          <a:fontRef idx="minor">
-            <a:schemeClr val="dk1"/>
-          </a:fontRef>
-        </p:style>
-        <p:txBody>
-          <a:bodyPr vert="horz" lIns="91440" tIns="45720" rIns="91440" bIns="45720" rtlCol="0" anchor="t">
-            <a:normAutofit/>
-          </a:bodyPr>
-          <a:lstStyle>
-            <a:lvl1pPr marL="228600" indent="-228600" algn="l" defTabSz="914400" rtl="0" eaLnBrk="1" latinLnBrk="0" hangingPunct="1">
-              <a:lnSpc>
-                <a:spcPct val="90000"/>
-              </a:lnSpc>
-              <a:spcBef>
-                <a:spcPts val="1000"/>
-              </a:spcBef>
-              <a:buFont typeface="Arial" panose="020B0604020202020204" pitchFamily="34" charset="0"/>
-              <a:buChar char="•"/>
-              <a:defRPr sz="2800" kern="1200">
-                <a:solidFill>
-                  <a:schemeClr val="tx1"/>
-                </a:solidFill>
-                <a:latin typeface="+mn-lt"/>
-                <a:ea typeface="+mn-ea"/>
-                <a:cs typeface="+mn-cs"/>
-              </a:defRPr>
-            </a:lvl1pPr>
-            <a:lvl2pPr marL="685800" indent="-228600" algn="l" defTabSz="914400" rtl="0" eaLnBrk="1" latinLnBrk="0" hangingPunct="1">
-              <a:lnSpc>
-                <a:spcPct val="90000"/>
-              </a:lnSpc>
-              <a:spcBef>
-                <a:spcPts val="500"/>
-              </a:spcBef>
-              <a:buFont typeface="Arial" panose="020B0604020202020204" pitchFamily="34" charset="0"/>
-              <a:buChar char="•"/>
-              <a:defRPr sz="2400" kern="1200">
-                <a:solidFill>
-                  <a:schemeClr val="tx1"/>
-                </a:solidFill>
-                <a:latin typeface="+mn-lt"/>
-                <a:ea typeface="+mn-ea"/>
-                <a:cs typeface="+mn-cs"/>
-              </a:defRPr>
-            </a:lvl2pPr>
-            <a:lvl3pPr marL="1143000" indent="-228600" algn="l" defTabSz="914400" rtl="0" eaLnBrk="1" latinLnBrk="0" hangingPunct="1">
-              <a:lnSpc>
-                <a:spcPct val="90000"/>
-              </a:lnSpc>
-              <a:spcBef>
-                <a:spcPts val="500"/>
-              </a:spcBef>
-              <a:buFont typeface="Arial" panose="020B0604020202020204" pitchFamily="34" charset="0"/>
-              <a:buChar char="•"/>
-              <a:defRPr sz="2000" kern="1200">
-                <a:solidFill>
-                  <a:schemeClr val="tx1"/>
-                </a:solidFill>
-                <a:latin typeface="+mn-lt"/>
-                <a:ea typeface="+mn-ea"/>
-                <a:cs typeface="+mn-cs"/>
-              </a:defRPr>
-            </a:lvl3pPr>
-            <a:lvl4pPr marL="1600200" indent="-228600" algn="l" defTabSz="914400" rtl="0" eaLnBrk="1" latinLnBrk="0" hangingPunct="1">
-              <a:lnSpc>
-                <a:spcPct val="90000"/>
-              </a:lnSpc>
-              <a:spcBef>
-                <a:spcPts val="500"/>
-              </a:spcBef>
-              <a:buFont typeface="Arial" panose="020B0604020202020204" pitchFamily="34" charset="0"/>
-              <a:buChar char="•"/>
-              <a:defRPr sz="1800" kern="1200">
-                <a:solidFill>
-                  <a:schemeClr val="tx1"/>
-                </a:solidFill>
-                <a:latin typeface="+mn-lt"/>
-                <a:ea typeface="+mn-ea"/>
-                <a:cs typeface="+mn-cs"/>
-              </a:defRPr>
-            </a:lvl4pPr>
-            <a:lvl5pPr marL="2057400" indent="-228600" algn="l" defTabSz="914400" rtl="0" eaLnBrk="1" latinLnBrk="0" hangingPunct="1">
-              <a:lnSpc>
-                <a:spcPct val="90000"/>
-              </a:lnSpc>
-              <a:spcBef>
-                <a:spcPts val="500"/>
-              </a:spcBef>
-              <a:buFont typeface="Arial" panose="020B0604020202020204" pitchFamily="34" charset="0"/>
-              <a:buChar char="•"/>
-              <a:defRPr sz="1800" kern="1200">
-                <a:solidFill>
-                  <a:schemeClr val="tx1"/>
-                </a:solidFill>
-                <a:latin typeface="+mn-lt"/>
-                <a:ea typeface="+mn-ea"/>
-                <a:cs typeface="+mn-cs"/>
-              </a:defRPr>
-            </a:lvl5pPr>
-            <a:lvl6pPr marL="2514600" indent="-228600" algn="l" defTabSz="914400" rtl="0" eaLnBrk="1" latinLnBrk="0" hangingPunct="1">
-              <a:lnSpc>
-                <a:spcPct val="90000"/>
-              </a:lnSpc>
-              <a:spcBef>
-                <a:spcPts val="500"/>
-              </a:spcBef>
-              <a:buFont typeface="Arial" panose="020B0604020202020204" pitchFamily="34" charset="0"/>
-              <a:buChar char="•"/>
-              <a:defRPr sz="1800" kern="1200">
-                <a:solidFill>
-                  <a:schemeClr val="tx1"/>
-                </a:solidFill>
-                <a:latin typeface="+mn-lt"/>
-                <a:ea typeface="+mn-ea"/>
-                <a:cs typeface="+mn-cs"/>
-              </a:defRPr>
-            </a:lvl6pPr>
-            <a:lvl7pPr marL="2971800" indent="-228600" algn="l" defTabSz="914400" rtl="0" eaLnBrk="1" latinLnBrk="0" hangingPunct="1">
-              <a:lnSpc>
-                <a:spcPct val="90000"/>
-              </a:lnSpc>
-              <a:spcBef>
-                <a:spcPts val="500"/>
-              </a:spcBef>
-              <a:buFont typeface="Arial" panose="020B0604020202020204" pitchFamily="34" charset="0"/>
-              <a:buChar char="•"/>
-              <a:defRPr sz="1800" kern="1200">
-                <a:solidFill>
-                  <a:schemeClr val="tx1"/>
-                </a:solidFill>
-                <a:latin typeface="+mn-lt"/>
-                <a:ea typeface="+mn-ea"/>
-                <a:cs typeface="+mn-cs"/>
-              </a:defRPr>
-            </a:lvl7pPr>
-            <a:lvl8pPr marL="3429000" indent="-228600" algn="l" defTabSz="914400" rtl="0" eaLnBrk="1" latinLnBrk="0" hangingPunct="1">
-              <a:lnSpc>
-                <a:spcPct val="90000"/>
-              </a:lnSpc>
-              <a:spcBef>
-                <a:spcPts val="500"/>
-              </a:spcBef>
-              <a:buFont typeface="Arial" panose="020B0604020202020204" pitchFamily="34" charset="0"/>
-              <a:buChar char="•"/>
-              <a:defRPr sz="1800" kern="1200">
-                <a:solidFill>
-                  <a:schemeClr val="tx1"/>
-                </a:solidFill>
-                <a:latin typeface="+mn-lt"/>
-                <a:ea typeface="+mn-ea"/>
-                <a:cs typeface="+mn-cs"/>
-              </a:defRPr>
-            </a:lvl8pPr>
-            <a:lvl9pPr marL="3886200" indent="-228600" algn="l" defTabSz="914400" rtl="0" eaLnBrk="1" latinLnBrk="0" hangingPunct="1">
-              <a:lnSpc>
-                <a:spcPct val="90000"/>
-              </a:lnSpc>
-              <a:spcBef>
-                <a:spcPts val="500"/>
-              </a:spcBef>
-              <a:buFont typeface="Arial" panose="020B0604020202020204" pitchFamily="34" charset="0"/>
-              <a:buChar char="•"/>
-              <a:defRPr sz="1800" kern="1200">
-                <a:solidFill>
-                  <a:schemeClr val="tx1"/>
-                </a:solidFill>
-                <a:latin typeface="+mn-lt"/>
-                <a:ea typeface="+mn-ea"/>
-                <a:cs typeface="+mn-cs"/>
-              </a:defRPr>
-            </a:lvl9pPr>
-          </a:lstStyle>
-          <a:p>
-            <a:pPr marL="0" indent="0">
-              <a:buNone/>
-            </a:pPr>
-            <a:r>
-              <a:rPr lang="pt-BR">
-                <a:solidFill>
-                  <a:srgbClr val="003399"/>
-                </a:solidFill>
-                <a:latin typeface="Candara" panose="020E0502030303020204" pitchFamily="34" charset="0"/>
-              </a:rPr>
-              <a:t>&gt;Outra possível operação de leitura seria a </a:t>
-            </a:r>
-            <a:r>
-              <a:rPr lang="pt-BR" b="1">
-                <a:solidFill>
-                  <a:srgbClr val="003399"/>
-                </a:solidFill>
-                <a:latin typeface="Candara" panose="020E0502030303020204" pitchFamily="34" charset="0"/>
-              </a:rPr>
-              <a:t>buscar de um curso através de sua chave primária</a:t>
-            </a:r>
-          </a:p>
-          <a:p>
-            <a:pPr marL="0" indent="0">
-              <a:buNone/>
-            </a:pPr>
-            <a:endParaRPr lang="pt-BR">
-              <a:solidFill>
-                <a:srgbClr val="003399"/>
-              </a:solidFill>
-              <a:latin typeface="Candara" panose="020E0502030303020204" pitchFamily="34" charset="0"/>
-            </a:endParaRPr>
-          </a:p>
-          <a:p>
-            <a:pPr marL="0" indent="0">
-              <a:buNone/>
-            </a:pPr>
-            <a:r>
-              <a:rPr lang="pt-BR">
-                <a:solidFill>
-                  <a:srgbClr val="003399"/>
-                </a:solidFill>
-                <a:latin typeface="Candara" panose="020E0502030303020204" pitchFamily="34" charset="0"/>
-              </a:rPr>
-              <a:t>&gt; Vamos implementar esta funcionalidade:</a:t>
-            </a:r>
-          </a:p>
-          <a:p>
-            <a:pPr marL="0" indent="0">
-              <a:buNone/>
-            </a:pPr>
-            <a:r>
-              <a:rPr lang="pt-BR">
-                <a:solidFill>
-                  <a:srgbClr val="003399"/>
-                </a:solidFill>
-                <a:latin typeface="Candara" panose="020E0502030303020204" pitchFamily="34" charset="0"/>
-              </a:rPr>
-              <a:t>a)Na classe service, criamos um método que receber o parâmetro referente do ID de curso e retorna o curso guardado no mapa:</a:t>
-            </a:r>
-          </a:p>
-          <a:p>
-            <a:pPr marL="0" indent="0">
-              <a:buNone/>
-            </a:pPr>
-            <a:endParaRPr lang="pt-BR">
-              <a:solidFill>
-                <a:srgbClr val="003399"/>
-              </a:solidFill>
-              <a:latin typeface="Candara" panose="020E0502030303020204" pitchFamily="34" charset="0"/>
-            </a:endParaRPr>
-          </a:p>
-        </p:txBody>
-      </p:sp>
-      <p:sp>
-        <p:nvSpPr>
-          <p:cNvPr id="3" name="Título 2">
-            <a:extLst>
-              <a:ext uri="{FF2B5EF4-FFF2-40B4-BE49-F238E27FC236}">
-                <a16:creationId xmlns:a16="http://schemas.microsoft.com/office/drawing/2014/main" id="{20AF7FCE-3277-41A8-A814-7E1CC0EC068E}"/>
-              </a:ext>
-            </a:extLst>
-          </p:cNvPr>
-          <p:cNvSpPr txBox="1">
-            <a:spLocks/>
-          </p:cNvSpPr>
-          <p:nvPr/>
-        </p:nvSpPr>
-        <p:spPr>
-          <a:xfrm>
-            <a:off x="1802167" y="0"/>
-            <a:ext cx="10389833" cy="577049"/>
-          </a:xfrm>
-          <a:prstGeom prst="rect">
-            <a:avLst/>
-          </a:prstGeom>
-          <a:noFill/>
-          <a:ln>
-            <a:noFill/>
-          </a:ln>
-        </p:spPr>
-        <p:style>
-          <a:lnRef idx="2">
-            <a:schemeClr val="accent5"/>
-          </a:lnRef>
-          <a:fillRef idx="1">
-            <a:schemeClr val="lt1"/>
-          </a:fillRef>
-          <a:effectRef idx="0">
-            <a:schemeClr val="accent5"/>
-          </a:effectRef>
-          <a:fontRef idx="minor">
-            <a:schemeClr val="dk1"/>
-          </a:fontRef>
-        </p:style>
-        <p:txBody>
-          <a:bodyPr vert="horz" lIns="91440" tIns="45720" rIns="91440" bIns="45720" rtlCol="0" anchor="ctr">
-            <a:noAutofit/>
-          </a:bodyPr>
-          <a:lstStyle>
-            <a:lvl1pPr algn="l" defTabSz="914400" rtl="0" eaLnBrk="1" latinLnBrk="0" hangingPunct="1">
-              <a:lnSpc>
-                <a:spcPct val="90000"/>
-              </a:lnSpc>
-              <a:spcBef>
-                <a:spcPct val="0"/>
-              </a:spcBef>
-              <a:buNone/>
-              <a:defRPr sz="4400" kern="1200">
-                <a:solidFill>
-                  <a:schemeClr val="tx1"/>
-                </a:solidFill>
-                <a:latin typeface="+mj-lt"/>
-                <a:ea typeface="+mj-ea"/>
-                <a:cs typeface="+mj-cs"/>
-              </a:defRPr>
-            </a:lvl1pPr>
-          </a:lstStyle>
-          <a:p>
-            <a:r>
-              <a:rPr lang="pt-BR" sz="2400" b="1">
-                <a:solidFill>
-                  <a:srgbClr val="003399"/>
-                </a:solidFill>
-                <a:latin typeface="Candara" panose="020E0502030303020204" pitchFamily="34" charset="0"/>
-              </a:rPr>
-              <a:t>Buscando curso pela chave primária</a:t>
-            </a:r>
-          </a:p>
-        </p:txBody>
-      </p:sp>
-      <p:pic>
-        <p:nvPicPr>
-          <p:cNvPr id="5" name="Imagem 4">
-            <a:extLst>
-              <a:ext uri="{FF2B5EF4-FFF2-40B4-BE49-F238E27FC236}">
-                <a16:creationId xmlns:a16="http://schemas.microsoft.com/office/drawing/2014/main" id="{28F708AA-13A4-4EC6-821E-18F8B7552F19}"/>
-              </a:ext>
-            </a:extLst>
-          </p:cNvPr>
-          <p:cNvPicPr>
-            <a:picLocks noChangeAspect="1"/>
-          </p:cNvPicPr>
-          <p:nvPr/>
-        </p:nvPicPr>
-        <p:blipFill>
-          <a:blip r:embed="rId2"/>
-          <a:stretch>
-            <a:fillRect/>
-          </a:stretch>
-        </p:blipFill>
-        <p:spPr>
-          <a:xfrm>
-            <a:off x="1041126" y="3697575"/>
-            <a:ext cx="7326317" cy="2880000"/>
-          </a:xfrm>
-          <a:prstGeom prst="rect">
-            <a:avLst/>
-          </a:prstGeom>
-          <a:ln>
-            <a:solidFill>
-              <a:schemeClr val="bg1">
-                <a:lumMod val="50000"/>
-              </a:schemeClr>
-            </a:solidFill>
-          </a:ln>
-        </p:spPr>
-      </p:pic>
-    </p:spTree>
-    <p:extLst>
-      <p:ext uri="{BB962C8B-B14F-4D97-AF65-F5344CB8AC3E}">
-        <p14:creationId xmlns:p14="http://schemas.microsoft.com/office/powerpoint/2010/main" val="541919435"/>
       </p:ext>
     </p:extLst>
   </p:cSld>
@@ -24890,32 +25617,73 @@
               <a:buNone/>
             </a:pPr>
             <a:r>
-              <a:rPr lang="pt-BR">
+              <a:rPr lang="pt-BR" dirty="0">
                 <a:solidFill>
                   <a:srgbClr val="003399"/>
                 </a:solidFill>
                 <a:latin typeface="Candara" panose="020E0502030303020204" pitchFamily="34" charset="0"/>
               </a:rPr>
-              <a:t>b)Na classe controller, mapeamos outro método com </a:t>
-            </a:r>
-            <a:r>
-              <a:rPr lang="pt-BR">
+              <a:t>&gt;Outra possível operação de leitura seria a </a:t>
+            </a:r>
+            <a:r>
+              <a:rPr lang="pt-BR" b="1" dirty="0">
                 <a:solidFill>
                   <a:srgbClr val="003399"/>
                 </a:solidFill>
-                <a:latin typeface="Consolas" panose="020B0609020204030204" pitchFamily="49" charset="0"/>
-              </a:rPr>
-              <a:t>@GetMapping</a:t>
-            </a:r>
-            <a:r>
-              <a:rPr lang="pt-BR">
+                <a:latin typeface="Candara" panose="020E0502030303020204" pitchFamily="34" charset="0"/>
+              </a:rPr>
+              <a:t>busca de um curso através de sua chave primária</a:t>
+            </a:r>
+          </a:p>
+          <a:p>
+            <a:pPr marL="0" indent="0">
+              <a:buNone/>
+            </a:pPr>
+            <a:endParaRPr lang="pt-BR" dirty="0">
+              <a:solidFill>
+                <a:srgbClr val="003399"/>
+              </a:solidFill>
+              <a:latin typeface="Candara" panose="020E0502030303020204" pitchFamily="34" charset="0"/>
+            </a:endParaRPr>
+          </a:p>
+          <a:p>
+            <a:pPr marL="0" indent="0">
+              <a:buNone/>
+            </a:pPr>
+            <a:r>
+              <a:rPr lang="pt-BR" dirty="0">
                 <a:solidFill>
                   <a:srgbClr val="003399"/>
                 </a:solidFill>
                 <a:latin typeface="Candara" panose="020E0502030303020204" pitchFamily="34" charset="0"/>
               </a:rPr>
-              <a:t> e uma variáveis de path:</a:t>
-            </a:r>
+              <a:t>&gt; Vamos implementar esta funcionalidade:</a:t>
+            </a:r>
+          </a:p>
+          <a:p>
+            <a:pPr marL="0" indent="0">
+              <a:buNone/>
+            </a:pPr>
+            <a:r>
+              <a:rPr lang="pt-BR" dirty="0">
+                <a:solidFill>
+                  <a:srgbClr val="003399"/>
+                </a:solidFill>
+                <a:latin typeface="Candara" panose="020E0502030303020204" pitchFamily="34" charset="0"/>
+              </a:rPr>
+              <a:t>a)Na classe service, criamos um método que recebe o parâmetro referente ao ID de curso e retorna o curso guardado no mapa:</a:t>
+            </a:r>
+          </a:p>
+          <a:p>
+            <a:pPr marL="0" indent="0">
+              <a:buNone/>
+            </a:pPr>
+            <a:endParaRPr lang="pt-BR" dirty="0">
+              <a:solidFill>
+                <a:srgbClr val="003399"/>
+              </a:solidFill>
+              <a:latin typeface="Candara" panose="020E0502030303020204" pitchFamily="34" charset="0"/>
+            </a:endParaRPr>
           </a:p>
         </p:txBody>
       </p:sp>
@@ -24998,10 +25766,10 @@
       </p:sp>
       <p:pic>
         <p:nvPicPr>
-          <p:cNvPr id="6" name="Imagem 5">
+          <p:cNvPr id="5" name="Imagem 4">
             <a:extLst>
               <a:ext uri="{FF2B5EF4-FFF2-40B4-BE49-F238E27FC236}">
-                <a16:creationId xmlns:a16="http://schemas.microsoft.com/office/drawing/2014/main" id="{19614D55-F4B1-45FE-BD7A-F2E0A91CE932}"/>
+                <a16:creationId xmlns:a16="http://schemas.microsoft.com/office/drawing/2014/main" id="{28F708AA-13A4-4EC6-821E-18F8B7552F19}"/>
               </a:ext>
             </a:extLst>
           </p:cNvPr>
@@ -25018,8 +25786,8 @@
         </p:blipFill>
         <p:spPr>
           <a:xfrm>
-            <a:off x="607200" y="1781516"/>
-            <a:ext cx="7520002" cy="2880000"/>
+            <a:off x="1041126" y="3697575"/>
+            <a:ext cx="7326317" cy="2880000"/>
           </a:xfrm>
           <a:prstGeom prst="rect">
             <a:avLst/>
@@ -25036,7 +25804,7 @@
     </p:spTree>
     <p:extLst>
       <p:ext uri="{BB962C8B-B14F-4D97-AF65-F5344CB8AC3E}">
-        <p14:creationId xmlns:p14="http://schemas.microsoft.com/office/powerpoint/2010/main" val="3017607607"/>
+        <p14:creationId xmlns:p14="http://schemas.microsoft.com/office/powerpoint/2010/main" val="541919435"/>
       </p:ext>
     </p:extLst>
   </p:cSld>
@@ -25278,6 +26046,394 @@
               <a:buNone/>
             </a:pPr>
             <a:r>
+              <a:rPr lang="pt-BR" dirty="0">
+                <a:solidFill>
+                  <a:srgbClr val="003399"/>
+                </a:solidFill>
+                <a:latin typeface="Candara" panose="020E0502030303020204" pitchFamily="34" charset="0"/>
+              </a:rPr>
+              <a:t>b)Na classe controller, mapeamos outro método com </a:t>
+            </a:r>
+            <a:r>
+              <a:rPr lang="pt-BR" dirty="0">
+                <a:solidFill>
+                  <a:srgbClr val="003399"/>
+                </a:solidFill>
+                <a:latin typeface="Consolas" panose="020B0609020204030204" pitchFamily="49" charset="0"/>
+              </a:rPr>
+              <a:t>@GetMapping</a:t>
+            </a:r>
+            <a:r>
+              <a:rPr lang="pt-BR" dirty="0">
+                <a:solidFill>
+                  <a:srgbClr val="003399"/>
+                </a:solidFill>
+                <a:latin typeface="Candara" panose="020E0502030303020204" pitchFamily="34" charset="0"/>
+              </a:rPr>
+              <a:t> e uma variável de path:</a:t>
+            </a:r>
+          </a:p>
+        </p:txBody>
+      </p:sp>
+      <p:sp>
+        <p:nvSpPr>
+          <p:cNvPr id="3" name="Título 2">
+            <a:extLst>
+              <a:ext uri="{FF2B5EF4-FFF2-40B4-BE49-F238E27FC236}">
+                <a16:creationId xmlns:a16="http://schemas.microsoft.com/office/drawing/2014/main" id="{20AF7FCE-3277-41A8-A814-7E1CC0EC068E}"/>
+              </a:ext>
+            </a:extLst>
+          </p:cNvPr>
+          <p:cNvSpPr txBox="1">
+            <a:spLocks/>
+          </p:cNvSpPr>
+          <p:nvPr/>
+        </p:nvSpPr>
+        <p:spPr>
+          <a:xfrm>
+            <a:off x="1802167" y="0"/>
+            <a:ext cx="10389833" cy="577049"/>
+          </a:xfrm>
+          <a:prstGeom prst="rect">
+            <a:avLst/>
+          </a:prstGeom>
+          <a:noFill/>
+          <a:ln>
+            <a:noFill/>
+          </a:ln>
+        </p:spPr>
+        <p:style>
+          <a:lnRef idx="2">
+            <a:schemeClr val="accent5"/>
+          </a:lnRef>
+          <a:fillRef idx="1">
+            <a:schemeClr val="lt1"/>
+          </a:fillRef>
+          <a:effectRef idx="0">
+            <a:schemeClr val="accent5"/>
+          </a:effectRef>
+          <a:fontRef idx="minor">
+            <a:schemeClr val="dk1"/>
+          </a:fontRef>
+        </p:style>
+        <p:txBody>
+          <a:bodyPr vert="horz" lIns="91440" tIns="45720" rIns="91440" bIns="45720" rtlCol="0" anchor="ctr">
+            <a:noAutofit/>
+          </a:bodyPr>
+          <a:lstStyle>
+            <a:lvl1pPr algn="l" defTabSz="914400" rtl="0" eaLnBrk="1" latinLnBrk="0" hangingPunct="1">
+              <a:lnSpc>
+                <a:spcPct val="90000"/>
+              </a:lnSpc>
+              <a:spcBef>
+                <a:spcPct val="0"/>
+              </a:spcBef>
+              <a:buNone/>
+              <a:defRPr sz="4400" kern="1200">
+                <a:solidFill>
+                  <a:schemeClr val="tx1"/>
+                </a:solidFill>
+                <a:latin typeface="+mj-lt"/>
+                <a:ea typeface="+mj-ea"/>
+                <a:cs typeface="+mj-cs"/>
+              </a:defRPr>
+            </a:lvl1pPr>
+          </a:lstStyle>
+          <a:p>
+            <a:r>
+              <a:rPr lang="pt-BR" sz="2400" b="1">
+                <a:solidFill>
+                  <a:srgbClr val="003399"/>
+                </a:solidFill>
+                <a:latin typeface="Candara" panose="020E0502030303020204" pitchFamily="34" charset="0"/>
+              </a:rPr>
+              <a:t>Buscando curso pela chave primária</a:t>
+            </a:r>
+          </a:p>
+        </p:txBody>
+      </p:sp>
+      <p:pic>
+        <p:nvPicPr>
+          <p:cNvPr id="6" name="Imagem 5">
+            <a:extLst>
+              <a:ext uri="{FF2B5EF4-FFF2-40B4-BE49-F238E27FC236}">
+                <a16:creationId xmlns:a16="http://schemas.microsoft.com/office/drawing/2014/main" id="{19614D55-F4B1-45FE-BD7A-F2E0A91CE932}"/>
+              </a:ext>
+            </a:extLst>
+          </p:cNvPr>
+          <p:cNvPicPr>
+            <a:picLocks noChangeAspect="1"/>
+          </p:cNvPicPr>
+          <p:nvPr/>
+        </p:nvPicPr>
+        <p:blipFill>
+          <a:blip r:embed="rId2"/>
+          <a:stretch>
+            <a:fillRect/>
+          </a:stretch>
+        </p:blipFill>
+        <p:spPr>
+          <a:xfrm>
+            <a:off x="607200" y="1781516"/>
+            <a:ext cx="7520002" cy="2880000"/>
+          </a:xfrm>
+          <a:prstGeom prst="rect">
+            <a:avLst/>
+          </a:prstGeom>
+          <a:ln>
+            <a:solidFill>
+              <a:schemeClr val="bg1">
+                <a:lumMod val="50000"/>
+              </a:schemeClr>
+            </a:solidFill>
+          </a:ln>
+        </p:spPr>
+      </p:pic>
+    </p:spTree>
+    <p:extLst>
+      <p:ext uri="{BB962C8B-B14F-4D97-AF65-F5344CB8AC3E}">
+        <p14:creationId xmlns:p14="http://schemas.microsoft.com/office/powerpoint/2010/main" val="3017607607"/>
+      </p:ext>
+    </p:extLst>
+  </p:cSld>
+  <p:clrMapOvr>
+    <a:masterClrMapping/>
+  </p:clrMapOvr>
+</p:sld>
+</file>
+
+<file path=ppt/slides/slide48.xml><?xml version="1.0" encoding="utf-8"?>
+<p:sld xmlns:a="http://schemas.openxmlformats.org/drawingml/2006/main" xmlns:r="http://schemas.openxmlformats.org/officeDocument/2006/relationships" xmlns:p="http://schemas.openxmlformats.org/presentationml/2006/main">
+  <p:cSld>
+    <p:spTree>
+      <p:nvGrpSpPr>
+        <p:cNvPr id="1" name=""/>
+        <p:cNvGrpSpPr/>
+        <p:nvPr/>
+      </p:nvGrpSpPr>
+      <p:grpSpPr>
+        <a:xfrm>
+          <a:off x="0" y="0"/>
+          <a:ext cx="0" cy="0"/>
+          <a:chOff x="0" y="0"/>
+          <a:chExt cx="0" cy="0"/>
+        </a:xfrm>
+      </p:grpSpPr>
+      <p:sp>
+        <p:nvSpPr>
+          <p:cNvPr id="2" name="Subtítulo 1">
+            <a:extLst>
+              <a:ext uri="{FF2B5EF4-FFF2-40B4-BE49-F238E27FC236}">
+                <a16:creationId xmlns:a16="http://schemas.microsoft.com/office/drawing/2014/main" id="{A70C5A52-85F1-4C71-8AA2-6A1891340F69}"/>
+              </a:ext>
+            </a:extLst>
+          </p:cNvPr>
+          <p:cNvSpPr txBox="1">
+            <a:spLocks/>
+          </p:cNvSpPr>
+          <p:nvPr/>
+        </p:nvSpPr>
+        <p:spPr>
+          <a:xfrm>
+            <a:off x="607378" y="763480"/>
+            <a:ext cx="10977422" cy="5646198"/>
+          </a:xfrm>
+          <a:prstGeom prst="rect">
+            <a:avLst/>
+          </a:prstGeom>
+          <a:ln>
+            <a:solidFill>
+              <a:srgbClr val="D7E5F9"/>
+            </a:solidFill>
+          </a:ln>
+        </p:spPr>
+        <p:style>
+          <a:lnRef idx="2">
+            <a:schemeClr val="accent2"/>
+          </a:lnRef>
+          <a:fillRef idx="1">
+            <a:schemeClr val="lt1"/>
+          </a:fillRef>
+          <a:effectRef idx="0">
+            <a:schemeClr val="accent2"/>
+          </a:effectRef>
+          <a:fontRef idx="minor">
+            <a:schemeClr val="dk1"/>
+          </a:fontRef>
+        </p:style>
+        <p:txBody>
+          <a:bodyPr vert="horz" lIns="91440" tIns="45720" rIns="91440" bIns="45720" rtlCol="0" anchor="t">
+            <a:normAutofit/>
+          </a:bodyPr>
+          <a:lstStyle>
+            <a:lvl1pPr marL="228600" indent="-228600" algn="l" defTabSz="914400" rtl="0" eaLnBrk="1" latinLnBrk="0" hangingPunct="1">
+              <a:lnSpc>
+                <a:spcPct val="90000"/>
+              </a:lnSpc>
+              <a:spcBef>
+                <a:spcPts val="1000"/>
+              </a:spcBef>
+              <a:buFont typeface="Arial" panose="020B0604020202020204" pitchFamily="34" charset="0"/>
+              <a:buChar char="•"/>
+              <a:defRPr sz="2800" kern="1200">
+                <a:solidFill>
+                  <a:schemeClr val="tx1"/>
+                </a:solidFill>
+                <a:latin typeface="+mn-lt"/>
+                <a:ea typeface="+mn-ea"/>
+                <a:cs typeface="+mn-cs"/>
+              </a:defRPr>
+            </a:lvl1pPr>
+            <a:lvl2pPr marL="685800" indent="-228600" algn="l" defTabSz="914400" rtl="0" eaLnBrk="1" latinLnBrk="0" hangingPunct="1">
+              <a:lnSpc>
+                <a:spcPct val="90000"/>
+              </a:lnSpc>
+              <a:spcBef>
+                <a:spcPts val="500"/>
+              </a:spcBef>
+              <a:buFont typeface="Arial" panose="020B0604020202020204" pitchFamily="34" charset="0"/>
+              <a:buChar char="•"/>
+              <a:defRPr sz="2400" kern="1200">
+                <a:solidFill>
+                  <a:schemeClr val="tx1"/>
+                </a:solidFill>
+                <a:latin typeface="+mn-lt"/>
+                <a:ea typeface="+mn-ea"/>
+                <a:cs typeface="+mn-cs"/>
+              </a:defRPr>
+            </a:lvl2pPr>
+            <a:lvl3pPr marL="1143000" indent="-228600" algn="l" defTabSz="914400" rtl="0" eaLnBrk="1" latinLnBrk="0" hangingPunct="1">
+              <a:lnSpc>
+                <a:spcPct val="90000"/>
+              </a:lnSpc>
+              <a:spcBef>
+                <a:spcPts val="500"/>
+              </a:spcBef>
+              <a:buFont typeface="Arial" panose="020B0604020202020204" pitchFamily="34" charset="0"/>
+              <a:buChar char="•"/>
+              <a:defRPr sz="2000" kern="1200">
+                <a:solidFill>
+                  <a:schemeClr val="tx1"/>
+                </a:solidFill>
+                <a:latin typeface="+mn-lt"/>
+                <a:ea typeface="+mn-ea"/>
+                <a:cs typeface="+mn-cs"/>
+              </a:defRPr>
+            </a:lvl3pPr>
+            <a:lvl4pPr marL="1600200" indent="-228600" algn="l" defTabSz="914400" rtl="0" eaLnBrk="1" latinLnBrk="0" hangingPunct="1">
+              <a:lnSpc>
+                <a:spcPct val="90000"/>
+              </a:lnSpc>
+              <a:spcBef>
+                <a:spcPts val="500"/>
+              </a:spcBef>
+              <a:buFont typeface="Arial" panose="020B0604020202020204" pitchFamily="34" charset="0"/>
+              <a:buChar char="•"/>
+              <a:defRPr sz="1800" kern="1200">
+                <a:solidFill>
+                  <a:schemeClr val="tx1"/>
+                </a:solidFill>
+                <a:latin typeface="+mn-lt"/>
+                <a:ea typeface="+mn-ea"/>
+                <a:cs typeface="+mn-cs"/>
+              </a:defRPr>
+            </a:lvl4pPr>
+            <a:lvl5pPr marL="2057400" indent="-228600" algn="l" defTabSz="914400" rtl="0" eaLnBrk="1" latinLnBrk="0" hangingPunct="1">
+              <a:lnSpc>
+                <a:spcPct val="90000"/>
+              </a:lnSpc>
+              <a:spcBef>
+                <a:spcPts val="500"/>
+              </a:spcBef>
+              <a:buFont typeface="Arial" panose="020B0604020202020204" pitchFamily="34" charset="0"/>
+              <a:buChar char="•"/>
+              <a:defRPr sz="1800" kern="1200">
+                <a:solidFill>
+                  <a:schemeClr val="tx1"/>
+                </a:solidFill>
+                <a:latin typeface="+mn-lt"/>
+                <a:ea typeface="+mn-ea"/>
+                <a:cs typeface="+mn-cs"/>
+              </a:defRPr>
+            </a:lvl5pPr>
+            <a:lvl6pPr marL="2514600" indent="-228600" algn="l" defTabSz="914400" rtl="0" eaLnBrk="1" latinLnBrk="0" hangingPunct="1">
+              <a:lnSpc>
+                <a:spcPct val="90000"/>
+              </a:lnSpc>
+              <a:spcBef>
+                <a:spcPts val="500"/>
+              </a:spcBef>
+              <a:buFont typeface="Arial" panose="020B0604020202020204" pitchFamily="34" charset="0"/>
+              <a:buChar char="•"/>
+              <a:defRPr sz="1800" kern="1200">
+                <a:solidFill>
+                  <a:schemeClr val="tx1"/>
+                </a:solidFill>
+                <a:latin typeface="+mn-lt"/>
+                <a:ea typeface="+mn-ea"/>
+                <a:cs typeface="+mn-cs"/>
+              </a:defRPr>
+            </a:lvl6pPr>
+            <a:lvl7pPr marL="2971800" indent="-228600" algn="l" defTabSz="914400" rtl="0" eaLnBrk="1" latinLnBrk="0" hangingPunct="1">
+              <a:lnSpc>
+                <a:spcPct val="90000"/>
+              </a:lnSpc>
+              <a:spcBef>
+                <a:spcPts val="500"/>
+              </a:spcBef>
+              <a:buFont typeface="Arial" panose="020B0604020202020204" pitchFamily="34" charset="0"/>
+              <a:buChar char="•"/>
+              <a:defRPr sz="1800" kern="1200">
+                <a:solidFill>
+                  <a:schemeClr val="tx1"/>
+                </a:solidFill>
+                <a:latin typeface="+mn-lt"/>
+                <a:ea typeface="+mn-ea"/>
+                <a:cs typeface="+mn-cs"/>
+              </a:defRPr>
+            </a:lvl7pPr>
+            <a:lvl8pPr marL="3429000" indent="-228600" algn="l" defTabSz="914400" rtl="0" eaLnBrk="1" latinLnBrk="0" hangingPunct="1">
+              <a:lnSpc>
+                <a:spcPct val="90000"/>
+              </a:lnSpc>
+              <a:spcBef>
+                <a:spcPts val="500"/>
+              </a:spcBef>
+              <a:buFont typeface="Arial" panose="020B0604020202020204" pitchFamily="34" charset="0"/>
+              <a:buChar char="•"/>
+              <a:defRPr sz="1800" kern="1200">
+                <a:solidFill>
+                  <a:schemeClr val="tx1"/>
+                </a:solidFill>
+                <a:latin typeface="+mn-lt"/>
+                <a:ea typeface="+mn-ea"/>
+                <a:cs typeface="+mn-cs"/>
+              </a:defRPr>
+            </a:lvl8pPr>
+            <a:lvl9pPr marL="3886200" indent="-228600" algn="l" defTabSz="914400" rtl="0" eaLnBrk="1" latinLnBrk="0" hangingPunct="1">
+              <a:lnSpc>
+                <a:spcPct val="90000"/>
+              </a:lnSpc>
+              <a:spcBef>
+                <a:spcPts val="500"/>
+              </a:spcBef>
+              <a:buFont typeface="Arial" panose="020B0604020202020204" pitchFamily="34" charset="0"/>
+              <a:buChar char="•"/>
+              <a:defRPr sz="1800" kern="1200">
+                <a:solidFill>
+                  <a:schemeClr val="tx1"/>
+                </a:solidFill>
+                <a:latin typeface="+mn-lt"/>
+                <a:ea typeface="+mn-ea"/>
+                <a:cs typeface="+mn-cs"/>
+              </a:defRPr>
+            </a:lvl9pPr>
+          </a:lstStyle>
+          <a:p>
+            <a:pPr marL="0" indent="0">
+              <a:buNone/>
+            </a:pPr>
+            <a:r>
               <a:rPr lang="pt-BR">
                 <a:solidFill>
                   <a:srgbClr val="003399"/>
@@ -25416,7 +26572,7 @@
 </p:sld>
 </file>
 
-<file path=ppt/slides/slide48.xml><?xml version="1.0" encoding="utf-8"?>
+<file path=ppt/slides/slide49.xml><?xml version="1.0" encoding="utf-8"?>
 <p:sld xmlns:a="http://schemas.openxmlformats.org/drawingml/2006/main" xmlns:r="http://schemas.openxmlformats.org/officeDocument/2006/relationships" xmlns:p="http://schemas.openxmlformats.org/presentationml/2006/main">
   <p:cSld>
     <p:spTree>
@@ -25979,522 +27135,6 @@
     <p:extLst>
       <p:ext uri="{BB962C8B-B14F-4D97-AF65-F5344CB8AC3E}">
         <p14:creationId xmlns:p14="http://schemas.microsoft.com/office/powerpoint/2010/main" val="1026324984"/>
-      </p:ext>
-    </p:extLst>
-  </p:cSld>
-  <p:clrMapOvr>
-    <a:masterClrMapping/>
-  </p:clrMapOvr>
-</p:sld>
-</file>
-
-<file path=ppt/slides/slide49.xml><?xml version="1.0" encoding="utf-8"?>
-<p:sld xmlns:a="http://schemas.openxmlformats.org/drawingml/2006/main" xmlns:r="http://schemas.openxmlformats.org/officeDocument/2006/relationships" xmlns:p="http://schemas.openxmlformats.org/presentationml/2006/main">
-  <p:cSld>
-    <p:spTree>
-      <p:nvGrpSpPr>
-        <p:cNvPr id="1" name=""/>
-        <p:cNvGrpSpPr/>
-        <p:nvPr/>
-      </p:nvGrpSpPr>
-      <p:grpSpPr>
-        <a:xfrm>
-          <a:off x="0" y="0"/>
-          <a:ext cx="0" cy="0"/>
-          <a:chOff x="0" y="0"/>
-          <a:chExt cx="0" cy="0"/>
-        </a:xfrm>
-      </p:grpSpPr>
-      <p:sp>
-        <p:nvSpPr>
-          <p:cNvPr id="2" name="Subtítulo 1">
-            <a:extLst>
-              <a:ext uri="{FF2B5EF4-FFF2-40B4-BE49-F238E27FC236}">
-                <a16:creationId xmlns:a16="http://schemas.microsoft.com/office/drawing/2014/main" id="{A70C5A52-85F1-4C71-8AA2-6A1891340F69}"/>
-              </a:ext>
-            </a:extLst>
-          </p:cNvPr>
-          <p:cNvSpPr txBox="1">
-            <a:spLocks/>
-          </p:cNvSpPr>
-          <p:nvPr/>
-        </p:nvSpPr>
-        <p:spPr>
-          <a:xfrm>
-            <a:off x="607289" y="754602"/>
-            <a:ext cx="10977422" cy="5646198"/>
-          </a:xfrm>
-          <a:prstGeom prst="rect">
-            <a:avLst/>
-          </a:prstGeom>
-          <a:ln>
-            <a:solidFill>
-              <a:srgbClr val="D7E5F9"/>
-            </a:solidFill>
-          </a:ln>
-        </p:spPr>
-        <p:style>
-          <a:lnRef idx="2">
-            <a:schemeClr val="accent2"/>
-          </a:lnRef>
-          <a:fillRef idx="1">
-            <a:schemeClr val="lt1"/>
-          </a:fillRef>
-          <a:effectRef idx="0">
-            <a:schemeClr val="accent2"/>
-          </a:effectRef>
-          <a:fontRef idx="minor">
-            <a:schemeClr val="dk1"/>
-          </a:fontRef>
-        </p:style>
-        <p:txBody>
-          <a:bodyPr vert="horz" lIns="91440" tIns="45720" rIns="91440" bIns="45720" rtlCol="0" anchor="t">
-            <a:normAutofit/>
-          </a:bodyPr>
-          <a:lstStyle>
-            <a:lvl1pPr marL="228600" indent="-228600" algn="l" defTabSz="914400" rtl="0" eaLnBrk="1" latinLnBrk="0" hangingPunct="1">
-              <a:lnSpc>
-                <a:spcPct val="90000"/>
-              </a:lnSpc>
-              <a:spcBef>
-                <a:spcPts val="1000"/>
-              </a:spcBef>
-              <a:buFont typeface="Arial" panose="020B0604020202020204" pitchFamily="34" charset="0"/>
-              <a:buChar char="•"/>
-              <a:defRPr sz="2800" kern="1200">
-                <a:solidFill>
-                  <a:schemeClr val="tx1"/>
-                </a:solidFill>
-                <a:latin typeface="+mn-lt"/>
-                <a:ea typeface="+mn-ea"/>
-                <a:cs typeface="+mn-cs"/>
-              </a:defRPr>
-            </a:lvl1pPr>
-            <a:lvl2pPr marL="685800" indent="-228600" algn="l" defTabSz="914400" rtl="0" eaLnBrk="1" latinLnBrk="0" hangingPunct="1">
-              <a:lnSpc>
-                <a:spcPct val="90000"/>
-              </a:lnSpc>
-              <a:spcBef>
-                <a:spcPts val="500"/>
-              </a:spcBef>
-              <a:buFont typeface="Arial" panose="020B0604020202020204" pitchFamily="34" charset="0"/>
-              <a:buChar char="•"/>
-              <a:defRPr sz="2400" kern="1200">
-                <a:solidFill>
-                  <a:schemeClr val="tx1"/>
-                </a:solidFill>
-                <a:latin typeface="+mn-lt"/>
-                <a:ea typeface="+mn-ea"/>
-                <a:cs typeface="+mn-cs"/>
-              </a:defRPr>
-            </a:lvl2pPr>
-            <a:lvl3pPr marL="1143000" indent="-228600" algn="l" defTabSz="914400" rtl="0" eaLnBrk="1" latinLnBrk="0" hangingPunct="1">
-              <a:lnSpc>
-                <a:spcPct val="90000"/>
-              </a:lnSpc>
-              <a:spcBef>
-                <a:spcPts val="500"/>
-              </a:spcBef>
-              <a:buFont typeface="Arial" panose="020B0604020202020204" pitchFamily="34" charset="0"/>
-              <a:buChar char="•"/>
-              <a:defRPr sz="2000" kern="1200">
-                <a:solidFill>
-                  <a:schemeClr val="tx1"/>
-                </a:solidFill>
-                <a:latin typeface="+mn-lt"/>
-                <a:ea typeface="+mn-ea"/>
-                <a:cs typeface="+mn-cs"/>
-              </a:defRPr>
-            </a:lvl3pPr>
-            <a:lvl4pPr marL="1600200" indent="-228600" algn="l" defTabSz="914400" rtl="0" eaLnBrk="1" latinLnBrk="0" hangingPunct="1">
-              <a:lnSpc>
-                <a:spcPct val="90000"/>
-              </a:lnSpc>
-              <a:spcBef>
-                <a:spcPts val="500"/>
-              </a:spcBef>
-              <a:buFont typeface="Arial" panose="020B0604020202020204" pitchFamily="34" charset="0"/>
-              <a:buChar char="•"/>
-              <a:defRPr sz="1800" kern="1200">
-                <a:solidFill>
-                  <a:schemeClr val="tx1"/>
-                </a:solidFill>
-                <a:latin typeface="+mn-lt"/>
-                <a:ea typeface="+mn-ea"/>
-                <a:cs typeface="+mn-cs"/>
-              </a:defRPr>
-            </a:lvl4pPr>
-            <a:lvl5pPr marL="2057400" indent="-228600" algn="l" defTabSz="914400" rtl="0" eaLnBrk="1" latinLnBrk="0" hangingPunct="1">
-              <a:lnSpc>
-                <a:spcPct val="90000"/>
-              </a:lnSpc>
-              <a:spcBef>
-                <a:spcPts val="500"/>
-              </a:spcBef>
-              <a:buFont typeface="Arial" panose="020B0604020202020204" pitchFamily="34" charset="0"/>
-              <a:buChar char="•"/>
-              <a:defRPr sz="1800" kern="1200">
-                <a:solidFill>
-                  <a:schemeClr val="tx1"/>
-                </a:solidFill>
-                <a:latin typeface="+mn-lt"/>
-                <a:ea typeface="+mn-ea"/>
-                <a:cs typeface="+mn-cs"/>
-              </a:defRPr>
-            </a:lvl5pPr>
-            <a:lvl6pPr marL="2514600" indent="-228600" algn="l" defTabSz="914400" rtl="0" eaLnBrk="1" latinLnBrk="0" hangingPunct="1">
-              <a:lnSpc>
-                <a:spcPct val="90000"/>
-              </a:lnSpc>
-              <a:spcBef>
-                <a:spcPts val="500"/>
-              </a:spcBef>
-              <a:buFont typeface="Arial" panose="020B0604020202020204" pitchFamily="34" charset="0"/>
-              <a:buChar char="•"/>
-              <a:defRPr sz="1800" kern="1200">
-                <a:solidFill>
-                  <a:schemeClr val="tx1"/>
-                </a:solidFill>
-                <a:latin typeface="+mn-lt"/>
-                <a:ea typeface="+mn-ea"/>
-                <a:cs typeface="+mn-cs"/>
-              </a:defRPr>
-            </a:lvl6pPr>
-            <a:lvl7pPr marL="2971800" indent="-228600" algn="l" defTabSz="914400" rtl="0" eaLnBrk="1" latinLnBrk="0" hangingPunct="1">
-              <a:lnSpc>
-                <a:spcPct val="90000"/>
-              </a:lnSpc>
-              <a:spcBef>
-                <a:spcPts val="500"/>
-              </a:spcBef>
-              <a:buFont typeface="Arial" panose="020B0604020202020204" pitchFamily="34" charset="0"/>
-              <a:buChar char="•"/>
-              <a:defRPr sz="1800" kern="1200">
-                <a:solidFill>
-                  <a:schemeClr val="tx1"/>
-                </a:solidFill>
-                <a:latin typeface="+mn-lt"/>
-                <a:ea typeface="+mn-ea"/>
-                <a:cs typeface="+mn-cs"/>
-              </a:defRPr>
-            </a:lvl7pPr>
-            <a:lvl8pPr marL="3429000" indent="-228600" algn="l" defTabSz="914400" rtl="0" eaLnBrk="1" latinLnBrk="0" hangingPunct="1">
-              <a:lnSpc>
-                <a:spcPct val="90000"/>
-              </a:lnSpc>
-              <a:spcBef>
-                <a:spcPts val="500"/>
-              </a:spcBef>
-              <a:buFont typeface="Arial" panose="020B0604020202020204" pitchFamily="34" charset="0"/>
-              <a:buChar char="•"/>
-              <a:defRPr sz="1800" kern="1200">
-                <a:solidFill>
-                  <a:schemeClr val="tx1"/>
-                </a:solidFill>
-                <a:latin typeface="+mn-lt"/>
-                <a:ea typeface="+mn-ea"/>
-                <a:cs typeface="+mn-cs"/>
-              </a:defRPr>
-            </a:lvl8pPr>
-            <a:lvl9pPr marL="3886200" indent="-228600" algn="l" defTabSz="914400" rtl="0" eaLnBrk="1" latinLnBrk="0" hangingPunct="1">
-              <a:lnSpc>
-                <a:spcPct val="90000"/>
-              </a:lnSpc>
-              <a:spcBef>
-                <a:spcPts val="500"/>
-              </a:spcBef>
-              <a:buFont typeface="Arial" panose="020B0604020202020204" pitchFamily="34" charset="0"/>
-              <a:buChar char="•"/>
-              <a:defRPr sz="1800" kern="1200">
-                <a:solidFill>
-                  <a:schemeClr val="tx1"/>
-                </a:solidFill>
-                <a:latin typeface="+mn-lt"/>
-                <a:ea typeface="+mn-ea"/>
-                <a:cs typeface="+mn-cs"/>
-              </a:defRPr>
-            </a:lvl9pPr>
-          </a:lstStyle>
-          <a:p>
-            <a:pPr marL="0" indent="0">
-              <a:buNone/>
-            </a:pPr>
-            <a:r>
-              <a:rPr lang="pt-BR">
-                <a:solidFill>
-                  <a:srgbClr val="003399"/>
-                </a:solidFill>
-                <a:latin typeface="Candara" panose="020E0502030303020204" pitchFamily="34" charset="0"/>
-              </a:rPr>
-              <a:t>&gt;Quando acessamos um ID inexistente, uma resposta vazia é devolvida.</a:t>
-            </a:r>
-          </a:p>
-          <a:p>
-            <a:pPr marL="0" indent="0">
-              <a:buNone/>
-            </a:pPr>
-            <a:endParaRPr lang="pt-BR">
-              <a:solidFill>
-                <a:srgbClr val="003399"/>
-              </a:solidFill>
-              <a:latin typeface="Candara" panose="020E0502030303020204" pitchFamily="34" charset="0"/>
-            </a:endParaRPr>
-          </a:p>
-          <a:p>
-            <a:pPr marL="0" indent="0">
-              <a:buNone/>
-            </a:pPr>
-            <a:endParaRPr lang="pt-BR">
-              <a:solidFill>
-                <a:srgbClr val="003399"/>
-              </a:solidFill>
-              <a:latin typeface="Candara" panose="020E0502030303020204" pitchFamily="34" charset="0"/>
-            </a:endParaRPr>
-          </a:p>
-          <a:p>
-            <a:pPr marL="0" indent="0">
-              <a:buNone/>
-            </a:pPr>
-            <a:endParaRPr lang="pt-BR">
-              <a:solidFill>
-                <a:srgbClr val="003399"/>
-              </a:solidFill>
-              <a:latin typeface="Candara" panose="020E0502030303020204" pitchFamily="34" charset="0"/>
-            </a:endParaRPr>
-          </a:p>
-          <a:p>
-            <a:pPr marL="0" indent="0">
-              <a:buNone/>
-            </a:pPr>
-            <a:endParaRPr lang="pt-BR">
-              <a:solidFill>
-                <a:srgbClr val="003399"/>
-              </a:solidFill>
-              <a:latin typeface="Candara" panose="020E0502030303020204" pitchFamily="34" charset="0"/>
-            </a:endParaRPr>
-          </a:p>
-          <a:p>
-            <a:pPr marL="0" indent="0">
-              <a:buNone/>
-            </a:pPr>
-            <a:r>
-              <a:rPr lang="pt-BR">
-                <a:solidFill>
-                  <a:srgbClr val="003399"/>
-                </a:solidFill>
-                <a:latin typeface="Candara" panose="020E0502030303020204" pitchFamily="34" charset="0"/>
-              </a:rPr>
-              <a:t>&gt;Isso pode causar confusão para o cliente da API -&gt; </a:t>
-            </a:r>
-            <a:r>
-              <a:rPr lang="pt-BR" sz="2400" i="1">
-                <a:solidFill>
-                  <a:srgbClr val="FF0000"/>
-                </a:solidFill>
-                <a:latin typeface="Candara" panose="020E0502030303020204" pitchFamily="34" charset="0"/>
-              </a:rPr>
-              <a:t>ele pode interpretar que aconteceu um erro o servidor da API.</a:t>
-            </a:r>
-            <a:endParaRPr lang="pt-BR" i="1">
-              <a:solidFill>
-                <a:srgbClr val="FF0000"/>
-              </a:solidFill>
-              <a:latin typeface="Candara" panose="020E0502030303020204" pitchFamily="34" charset="0"/>
-            </a:endParaRPr>
-          </a:p>
-          <a:p>
-            <a:pPr marL="0" indent="0">
-              <a:buNone/>
-            </a:pPr>
-            <a:endParaRPr lang="pt-BR">
-              <a:solidFill>
-                <a:srgbClr val="003399"/>
-              </a:solidFill>
-              <a:latin typeface="Candara" panose="020E0502030303020204" pitchFamily="34" charset="0"/>
-            </a:endParaRPr>
-          </a:p>
-          <a:p>
-            <a:pPr marL="0" indent="0">
-              <a:buNone/>
-            </a:pPr>
-            <a:r>
-              <a:rPr lang="pt-BR">
-                <a:solidFill>
-                  <a:schemeClr val="accent6">
-                    <a:lumMod val="50000"/>
-                  </a:schemeClr>
-                </a:solidFill>
-                <a:latin typeface="Candara" panose="020E0502030303020204" pitchFamily="34" charset="0"/>
-              </a:rPr>
-              <a:t>&gt;Podemos adicionar um status na resposta sinalizando que tudo ocorreu bem, mas nada foi encontrado no ID fornecido!</a:t>
-            </a:r>
-          </a:p>
-          <a:p>
-            <a:pPr marL="0" indent="0">
-              <a:buNone/>
-            </a:pPr>
-            <a:r>
-              <a:rPr lang="pt-BR">
-                <a:solidFill>
-                  <a:schemeClr val="accent6">
-                    <a:lumMod val="50000"/>
-                  </a:schemeClr>
-                </a:solidFill>
-                <a:latin typeface="Candara" panose="020E0502030303020204" pitchFamily="34" charset="0"/>
-              </a:rPr>
-              <a:t>&gt;O status </a:t>
-            </a:r>
-            <a:r>
-              <a:rPr lang="pt-BR" b="1">
-                <a:solidFill>
-                  <a:schemeClr val="accent6">
-                    <a:lumMod val="50000"/>
-                  </a:schemeClr>
-                </a:solidFill>
-                <a:latin typeface="Candara" panose="020E0502030303020204" pitchFamily="34" charset="0"/>
-              </a:rPr>
-              <a:t>404 (NOT_FOUND)</a:t>
-            </a:r>
-            <a:r>
-              <a:rPr lang="pt-BR">
-                <a:solidFill>
-                  <a:schemeClr val="accent6">
-                    <a:lumMod val="50000"/>
-                  </a:schemeClr>
-                </a:solidFill>
-                <a:latin typeface="Candara" panose="020E0502030303020204" pitchFamily="34" charset="0"/>
-              </a:rPr>
-              <a:t> é o ideal para este cenário</a:t>
-            </a:r>
-            <a:endParaRPr lang="pt-BR" dirty="0">
-              <a:solidFill>
-                <a:schemeClr val="accent6">
-                  <a:lumMod val="50000"/>
-                </a:schemeClr>
-              </a:solidFill>
-              <a:latin typeface="Candara" panose="020E0502030303020204" pitchFamily="34" charset="0"/>
-            </a:endParaRPr>
-          </a:p>
-        </p:txBody>
-      </p:sp>
-      <p:sp>
-        <p:nvSpPr>
-          <p:cNvPr id="3" name="Título 2">
-            <a:extLst>
-              <a:ext uri="{FF2B5EF4-FFF2-40B4-BE49-F238E27FC236}">
-                <a16:creationId xmlns:a16="http://schemas.microsoft.com/office/drawing/2014/main" id="{20AF7FCE-3277-41A8-A814-7E1CC0EC068E}"/>
-              </a:ext>
-            </a:extLst>
-          </p:cNvPr>
-          <p:cNvSpPr txBox="1">
-            <a:spLocks/>
-          </p:cNvSpPr>
-          <p:nvPr/>
-        </p:nvSpPr>
-        <p:spPr>
-          <a:xfrm>
-            <a:off x="1802167" y="0"/>
-            <a:ext cx="10389833" cy="577049"/>
-          </a:xfrm>
-          <a:prstGeom prst="rect">
-            <a:avLst/>
-          </a:prstGeom>
-          <a:noFill/>
-          <a:ln>
-            <a:noFill/>
-          </a:ln>
-        </p:spPr>
-        <p:style>
-          <a:lnRef idx="2">
-            <a:schemeClr val="accent5"/>
-          </a:lnRef>
-          <a:fillRef idx="1">
-            <a:schemeClr val="lt1"/>
-          </a:fillRef>
-          <a:effectRef idx="0">
-            <a:schemeClr val="accent5"/>
-          </a:effectRef>
-          <a:fontRef idx="minor">
-            <a:schemeClr val="dk1"/>
-          </a:fontRef>
-        </p:style>
-        <p:txBody>
-          <a:bodyPr vert="horz" lIns="91440" tIns="45720" rIns="91440" bIns="45720" rtlCol="0" anchor="ctr">
-            <a:noAutofit/>
-          </a:bodyPr>
-          <a:lstStyle>
-            <a:lvl1pPr algn="l" defTabSz="914400" rtl="0" eaLnBrk="1" latinLnBrk="0" hangingPunct="1">
-              <a:lnSpc>
-                <a:spcPct val="90000"/>
-              </a:lnSpc>
-              <a:spcBef>
-                <a:spcPct val="0"/>
-              </a:spcBef>
-              <a:buNone/>
-              <a:defRPr sz="4400" kern="1200">
-                <a:solidFill>
-                  <a:schemeClr val="tx1"/>
-                </a:solidFill>
-                <a:latin typeface="+mj-lt"/>
-                <a:ea typeface="+mj-ea"/>
-                <a:cs typeface="+mj-cs"/>
-              </a:defRPr>
-            </a:lvl1pPr>
-          </a:lstStyle>
-          <a:p>
-            <a:r>
-              <a:rPr lang="pt-BR" sz="2400" b="1">
-                <a:solidFill>
-                  <a:srgbClr val="003399"/>
-                </a:solidFill>
-                <a:latin typeface="Candara" panose="020E0502030303020204" pitchFamily="34" charset="0"/>
-              </a:rPr>
-              <a:t>Melhorando a expressividade da API</a:t>
-            </a:r>
-          </a:p>
-        </p:txBody>
-      </p:sp>
-      <p:pic>
-        <p:nvPicPr>
-          <p:cNvPr id="5" name="Imagem 4">
-            <a:extLst>
-              <a:ext uri="{FF2B5EF4-FFF2-40B4-BE49-F238E27FC236}">
-                <a16:creationId xmlns:a16="http://schemas.microsoft.com/office/drawing/2014/main" id="{FC5910E2-64C5-4A72-B77E-8E39CF159996}"/>
-              </a:ext>
-            </a:extLst>
-          </p:cNvPr>
-          <p:cNvPicPr>
-            <a:picLocks noChangeAspect="1"/>
-          </p:cNvPicPr>
-          <p:nvPr/>
-        </p:nvPicPr>
-        <p:blipFill>
-          <a:blip r:embed="rId2"/>
-          <a:stretch>
-            <a:fillRect/>
-          </a:stretch>
-        </p:blipFill>
-        <p:spPr>
-          <a:xfrm>
-            <a:off x="917098" y="1249709"/>
-            <a:ext cx="5048955" cy="1428949"/>
-          </a:xfrm>
-          <a:prstGeom prst="rect">
-            <a:avLst/>
-          </a:prstGeom>
-          <a:ln>
-            <a:solidFill>
-              <a:schemeClr val="bg1">
-                <a:lumMod val="65000"/>
-              </a:schemeClr>
-            </a:solidFill>
-          </a:ln>
-        </p:spPr>
-      </p:pic>
-    </p:spTree>
-    <p:extLst>
-      <p:ext uri="{BB962C8B-B14F-4D97-AF65-F5344CB8AC3E}">
-        <p14:creationId xmlns:p14="http://schemas.microsoft.com/office/powerpoint/2010/main" val="1034596090"/>
       </p:ext>
     </p:extLst>
   </p:cSld>
@@ -27679,29 +28319,174 @@
               <a:buNone/>
             </a:pPr>
             <a:r>
-              <a:rPr lang="pt-BR">
+              <a:rPr lang="pt-BR" dirty="0">
                 <a:solidFill>
                   <a:srgbClr val="003399"/>
                 </a:solidFill>
                 <a:latin typeface="Candara" panose="020E0502030303020204" pitchFamily="34" charset="0"/>
               </a:rPr>
-              <a:t>&gt;A maneira mais simples de retornar um status 404 é lançar uma exception própria para tal: </a:t>
-            </a:r>
-            <a:r>
-              <a:rPr lang="pt-BR" b="1">
-                <a:solidFill>
-                  <a:srgbClr val="003399"/>
-                </a:solidFill>
-                <a:latin typeface="Consolas" panose="020B0609020204030204" pitchFamily="49" charset="0"/>
-              </a:rPr>
-              <a:t>ResponseStatusException</a:t>
-            </a:r>
-            <a:endParaRPr lang="pt-BR" b="1" dirty="0">
+              <a:t>&gt;Quando acessamos um ID inexistente, uma resposta vazia é devolvida.</a:t>
+            </a:r>
+          </a:p>
+          <a:p>
+            <a:pPr marL="0" indent="0">
+              <a:buNone/>
+            </a:pPr>
+            <a:endParaRPr lang="pt-BR" dirty="0">
               <a:solidFill>
                 <a:srgbClr val="003399"/>
               </a:solidFill>
-              <a:latin typeface="Consolas" panose="020B0609020204030204" pitchFamily="49" charset="0"/>
+              <a:latin typeface="Candara" panose="020E0502030303020204" pitchFamily="34" charset="0"/>
             </a:endParaRPr>
+          </a:p>
+          <a:p>
+            <a:pPr marL="0" indent="0">
+              <a:buNone/>
+            </a:pPr>
+            <a:endParaRPr lang="pt-BR" dirty="0">
+              <a:solidFill>
+                <a:srgbClr val="003399"/>
+              </a:solidFill>
+              <a:latin typeface="Candara" panose="020E0502030303020204" pitchFamily="34" charset="0"/>
+            </a:endParaRPr>
+          </a:p>
+          <a:p>
+            <a:pPr marL="0" indent="0">
+              <a:buNone/>
+            </a:pPr>
+            <a:endParaRPr lang="pt-BR" dirty="0">
+              <a:solidFill>
+                <a:srgbClr val="003399"/>
+              </a:solidFill>
+              <a:latin typeface="Candara" panose="020E0502030303020204" pitchFamily="34" charset="0"/>
+            </a:endParaRPr>
+          </a:p>
+          <a:p>
+            <a:pPr marL="0" indent="0">
+              <a:buNone/>
+            </a:pPr>
+            <a:endParaRPr lang="pt-BR" dirty="0">
+              <a:solidFill>
+                <a:srgbClr val="003399"/>
+              </a:solidFill>
+              <a:latin typeface="Candara" panose="020E0502030303020204" pitchFamily="34" charset="0"/>
+            </a:endParaRPr>
+          </a:p>
+          <a:p>
+            <a:pPr marL="0" indent="0">
+              <a:buNone/>
+            </a:pPr>
+            <a:r>
+              <a:rPr lang="pt-BR" dirty="0">
+                <a:solidFill>
+                  <a:srgbClr val="003399"/>
+                </a:solidFill>
+                <a:latin typeface="Candara" panose="020E0502030303020204" pitchFamily="34" charset="0"/>
+              </a:rPr>
+              <a:t>&gt;Isso pode causar confusão para o cliente da API -&gt; </a:t>
+            </a:r>
+            <a:r>
+              <a:rPr lang="pt-BR" sz="2400" i="1" dirty="0">
+                <a:solidFill>
+                  <a:srgbClr val="FF0000"/>
+                </a:solidFill>
+                <a:latin typeface="Candara" panose="020E0502030303020204" pitchFamily="34" charset="0"/>
+              </a:rPr>
+              <a:t>ele pode interpretar que aconteceu um erro no servidor.</a:t>
+            </a:r>
+            <a:endParaRPr lang="pt-BR" i="1" dirty="0">
+              <a:solidFill>
+                <a:srgbClr val="FF0000"/>
+              </a:solidFill>
+              <a:latin typeface="Candara" panose="020E0502030303020204" pitchFamily="34" charset="0"/>
+            </a:endParaRPr>
+          </a:p>
+          <a:p>
+            <a:pPr marL="0" indent="0">
+              <a:buNone/>
+            </a:pPr>
+            <a:endParaRPr lang="pt-BR" dirty="0">
+              <a:solidFill>
+                <a:srgbClr val="003399"/>
+              </a:solidFill>
+              <a:latin typeface="Candara" panose="020E0502030303020204" pitchFamily="34" charset="0"/>
+            </a:endParaRPr>
+          </a:p>
+          <a:p>
+            <a:pPr marL="0" indent="0">
+              <a:buNone/>
+            </a:pPr>
+            <a:r>
+              <a:rPr lang="pt-BR" dirty="0">
+                <a:solidFill>
+                  <a:schemeClr val="accent6">
+                    <a:lumMod val="50000"/>
+                  </a:schemeClr>
+                </a:solidFill>
+                <a:latin typeface="Candara" panose="020E0502030303020204" pitchFamily="34" charset="0"/>
+              </a:rPr>
+              <a:t>&gt;Podemos adicionar um </a:t>
+            </a:r>
+            <a:r>
+              <a:rPr lang="pt-BR" b="1" dirty="0">
+                <a:solidFill>
+                  <a:schemeClr val="accent6">
+                    <a:lumMod val="50000"/>
+                  </a:schemeClr>
+                </a:solidFill>
+                <a:latin typeface="Candara" panose="020E0502030303020204" pitchFamily="34" charset="0"/>
+              </a:rPr>
+              <a:t>status na resposta</a:t>
+            </a:r>
+            <a:r>
+              <a:rPr lang="pt-BR" dirty="0">
+                <a:solidFill>
+                  <a:schemeClr val="accent6">
+                    <a:lumMod val="50000"/>
+                  </a:schemeClr>
+                </a:solidFill>
+                <a:latin typeface="Candara" panose="020E0502030303020204" pitchFamily="34" charset="0"/>
+              </a:rPr>
+              <a:t> sinalizando que tudo ocorreu bem, mas nada foi encontrado!</a:t>
+            </a:r>
+          </a:p>
+          <a:p>
+            <a:pPr marL="0" indent="0">
+              <a:buNone/>
+            </a:pPr>
+            <a:r>
+              <a:rPr lang="pt-BR" dirty="0">
+                <a:solidFill>
+                  <a:schemeClr val="accent6">
+                    <a:lumMod val="50000"/>
+                  </a:schemeClr>
+                </a:solidFill>
+                <a:latin typeface="Candara" panose="020E0502030303020204" pitchFamily="34" charset="0"/>
+              </a:rPr>
+              <a:t>&gt;O status </a:t>
+            </a:r>
+            <a:r>
+              <a:rPr lang="pt-BR" b="1" dirty="0">
+                <a:solidFill>
+                  <a:schemeClr val="accent6">
+                    <a:lumMod val="50000"/>
+                  </a:schemeClr>
+                </a:solidFill>
+                <a:latin typeface="Candara" panose="020E0502030303020204" pitchFamily="34" charset="0"/>
+              </a:rPr>
+              <a:t>404 (NOT_FOUND)</a:t>
+            </a:r>
+            <a:r>
+              <a:rPr lang="pt-BR" dirty="0">
+                <a:solidFill>
+                  <a:schemeClr val="accent6">
+                    <a:lumMod val="50000"/>
+                  </a:schemeClr>
+                </a:solidFill>
+                <a:latin typeface="Candara" panose="020E0502030303020204" pitchFamily="34" charset="0"/>
+              </a:rPr>
+              <a:t> é o ideal para este cenário</a:t>
+            </a:r>
           </a:p>
         </p:txBody>
       </p:sp>
@@ -27784,10 +28569,10 @@
       </p:sp>
       <p:pic>
         <p:nvPicPr>
-          <p:cNvPr id="6" name="Imagem 5">
+          <p:cNvPr id="5" name="Imagem 4">
             <a:extLst>
               <a:ext uri="{FF2B5EF4-FFF2-40B4-BE49-F238E27FC236}">
-                <a16:creationId xmlns:a16="http://schemas.microsoft.com/office/drawing/2014/main" id="{6806DB07-E954-4FC5-8FE2-AEB2FC52F550}"/>
+                <a16:creationId xmlns:a16="http://schemas.microsoft.com/office/drawing/2014/main" id="{FC5910E2-64C5-4A72-B77E-8E39CF159996}"/>
               </a:ext>
             </a:extLst>
           </p:cNvPr>
@@ -27804,8 +28589,8 @@
         </p:blipFill>
         <p:spPr>
           <a:xfrm>
-            <a:off x="703997" y="1801421"/>
-            <a:ext cx="7200000" cy="2346428"/>
+            <a:off x="917098" y="1249709"/>
+            <a:ext cx="5048955" cy="1428949"/>
           </a:xfrm>
           <a:prstGeom prst="rect">
             <a:avLst/>
@@ -27822,7 +28607,7 @@
     </p:spTree>
     <p:extLst>
       <p:ext uri="{BB962C8B-B14F-4D97-AF65-F5344CB8AC3E}">
-        <p14:creationId xmlns:p14="http://schemas.microsoft.com/office/powerpoint/2010/main" val="2515201095"/>
+        <p14:creationId xmlns:p14="http://schemas.microsoft.com/office/powerpoint/2010/main" val="1034596090"/>
       </p:ext>
     </p:extLst>
   </p:cSld>
@@ -28070,6 +28855,391 @@
                 </a:solidFill>
                 <a:latin typeface="Candara" panose="020E0502030303020204" pitchFamily="34" charset="0"/>
               </a:rPr>
+              <a:t>&gt;A maneira mais simples de retornar um status 404 é lançar uma exception própria para tal: </a:t>
+            </a:r>
+            <a:r>
+              <a:rPr lang="pt-BR" b="1">
+                <a:solidFill>
+                  <a:srgbClr val="003399"/>
+                </a:solidFill>
+                <a:latin typeface="Consolas" panose="020B0609020204030204" pitchFamily="49" charset="0"/>
+              </a:rPr>
+              <a:t>ResponseStatusException</a:t>
+            </a:r>
+            <a:endParaRPr lang="pt-BR" b="1" dirty="0">
+              <a:solidFill>
+                <a:srgbClr val="003399"/>
+              </a:solidFill>
+              <a:latin typeface="Consolas" panose="020B0609020204030204" pitchFamily="49" charset="0"/>
+            </a:endParaRPr>
+          </a:p>
+        </p:txBody>
+      </p:sp>
+      <p:sp>
+        <p:nvSpPr>
+          <p:cNvPr id="3" name="Título 2">
+            <a:extLst>
+              <a:ext uri="{FF2B5EF4-FFF2-40B4-BE49-F238E27FC236}">
+                <a16:creationId xmlns:a16="http://schemas.microsoft.com/office/drawing/2014/main" id="{20AF7FCE-3277-41A8-A814-7E1CC0EC068E}"/>
+              </a:ext>
+            </a:extLst>
+          </p:cNvPr>
+          <p:cNvSpPr txBox="1">
+            <a:spLocks/>
+          </p:cNvSpPr>
+          <p:nvPr/>
+        </p:nvSpPr>
+        <p:spPr>
+          <a:xfrm>
+            <a:off x="1802167" y="0"/>
+            <a:ext cx="10389833" cy="577049"/>
+          </a:xfrm>
+          <a:prstGeom prst="rect">
+            <a:avLst/>
+          </a:prstGeom>
+          <a:noFill/>
+          <a:ln>
+            <a:noFill/>
+          </a:ln>
+        </p:spPr>
+        <p:style>
+          <a:lnRef idx="2">
+            <a:schemeClr val="accent5"/>
+          </a:lnRef>
+          <a:fillRef idx="1">
+            <a:schemeClr val="lt1"/>
+          </a:fillRef>
+          <a:effectRef idx="0">
+            <a:schemeClr val="accent5"/>
+          </a:effectRef>
+          <a:fontRef idx="minor">
+            <a:schemeClr val="dk1"/>
+          </a:fontRef>
+        </p:style>
+        <p:txBody>
+          <a:bodyPr vert="horz" lIns="91440" tIns="45720" rIns="91440" bIns="45720" rtlCol="0" anchor="ctr">
+            <a:noAutofit/>
+          </a:bodyPr>
+          <a:lstStyle>
+            <a:lvl1pPr algn="l" defTabSz="914400" rtl="0" eaLnBrk="1" latinLnBrk="0" hangingPunct="1">
+              <a:lnSpc>
+                <a:spcPct val="90000"/>
+              </a:lnSpc>
+              <a:spcBef>
+                <a:spcPct val="0"/>
+              </a:spcBef>
+              <a:buNone/>
+              <a:defRPr sz="4400" kern="1200">
+                <a:solidFill>
+                  <a:schemeClr val="tx1"/>
+                </a:solidFill>
+                <a:latin typeface="+mj-lt"/>
+                <a:ea typeface="+mj-ea"/>
+                <a:cs typeface="+mj-cs"/>
+              </a:defRPr>
+            </a:lvl1pPr>
+          </a:lstStyle>
+          <a:p>
+            <a:r>
+              <a:rPr lang="pt-BR" sz="2400" b="1">
+                <a:solidFill>
+                  <a:srgbClr val="003399"/>
+                </a:solidFill>
+                <a:latin typeface="Candara" panose="020E0502030303020204" pitchFamily="34" charset="0"/>
+              </a:rPr>
+              <a:t>Melhorando a expressividade da API</a:t>
+            </a:r>
+          </a:p>
+        </p:txBody>
+      </p:sp>
+      <p:pic>
+        <p:nvPicPr>
+          <p:cNvPr id="6" name="Imagem 5">
+            <a:extLst>
+              <a:ext uri="{FF2B5EF4-FFF2-40B4-BE49-F238E27FC236}">
+                <a16:creationId xmlns:a16="http://schemas.microsoft.com/office/drawing/2014/main" id="{6806DB07-E954-4FC5-8FE2-AEB2FC52F550}"/>
+              </a:ext>
+            </a:extLst>
+          </p:cNvPr>
+          <p:cNvPicPr>
+            <a:picLocks noChangeAspect="1"/>
+          </p:cNvPicPr>
+          <p:nvPr/>
+        </p:nvPicPr>
+        <p:blipFill>
+          <a:blip r:embed="rId2"/>
+          <a:stretch>
+            <a:fillRect/>
+          </a:stretch>
+        </p:blipFill>
+        <p:spPr>
+          <a:xfrm>
+            <a:off x="703997" y="1801421"/>
+            <a:ext cx="7200000" cy="2346428"/>
+          </a:xfrm>
+          <a:prstGeom prst="rect">
+            <a:avLst/>
+          </a:prstGeom>
+          <a:ln>
+            <a:solidFill>
+              <a:schemeClr val="bg1">
+                <a:lumMod val="65000"/>
+              </a:schemeClr>
+            </a:solidFill>
+          </a:ln>
+        </p:spPr>
+      </p:pic>
+    </p:spTree>
+    <p:extLst>
+      <p:ext uri="{BB962C8B-B14F-4D97-AF65-F5344CB8AC3E}">
+        <p14:creationId xmlns:p14="http://schemas.microsoft.com/office/powerpoint/2010/main" val="2515201095"/>
+      </p:ext>
+    </p:extLst>
+  </p:cSld>
+  <p:clrMapOvr>
+    <a:masterClrMapping/>
+  </p:clrMapOvr>
+</p:sld>
+</file>
+
+<file path=ppt/slides/slide52.xml><?xml version="1.0" encoding="utf-8"?>
+<p:sld xmlns:a="http://schemas.openxmlformats.org/drawingml/2006/main" xmlns:r="http://schemas.openxmlformats.org/officeDocument/2006/relationships" xmlns:p="http://schemas.openxmlformats.org/presentationml/2006/main">
+  <p:cSld>
+    <p:spTree>
+      <p:nvGrpSpPr>
+        <p:cNvPr id="1" name=""/>
+        <p:cNvGrpSpPr/>
+        <p:nvPr/>
+      </p:nvGrpSpPr>
+      <p:grpSpPr>
+        <a:xfrm>
+          <a:off x="0" y="0"/>
+          <a:ext cx="0" cy="0"/>
+          <a:chOff x="0" y="0"/>
+          <a:chExt cx="0" cy="0"/>
+        </a:xfrm>
+      </p:grpSpPr>
+      <p:sp>
+        <p:nvSpPr>
+          <p:cNvPr id="2" name="Subtítulo 1">
+            <a:extLst>
+              <a:ext uri="{FF2B5EF4-FFF2-40B4-BE49-F238E27FC236}">
+                <a16:creationId xmlns:a16="http://schemas.microsoft.com/office/drawing/2014/main" id="{A70C5A52-85F1-4C71-8AA2-6A1891340F69}"/>
+              </a:ext>
+            </a:extLst>
+          </p:cNvPr>
+          <p:cNvSpPr txBox="1">
+            <a:spLocks/>
+          </p:cNvSpPr>
+          <p:nvPr/>
+        </p:nvSpPr>
+        <p:spPr>
+          <a:xfrm>
+            <a:off x="607289" y="754602"/>
+            <a:ext cx="10977422" cy="5646198"/>
+          </a:xfrm>
+          <a:prstGeom prst="rect">
+            <a:avLst/>
+          </a:prstGeom>
+          <a:ln>
+            <a:solidFill>
+              <a:srgbClr val="D7E5F9"/>
+            </a:solidFill>
+          </a:ln>
+        </p:spPr>
+        <p:style>
+          <a:lnRef idx="2">
+            <a:schemeClr val="accent2"/>
+          </a:lnRef>
+          <a:fillRef idx="1">
+            <a:schemeClr val="lt1"/>
+          </a:fillRef>
+          <a:effectRef idx="0">
+            <a:schemeClr val="accent2"/>
+          </a:effectRef>
+          <a:fontRef idx="minor">
+            <a:schemeClr val="dk1"/>
+          </a:fontRef>
+        </p:style>
+        <p:txBody>
+          <a:bodyPr vert="horz" lIns="91440" tIns="45720" rIns="91440" bIns="45720" rtlCol="0" anchor="t">
+            <a:normAutofit/>
+          </a:bodyPr>
+          <a:lstStyle>
+            <a:lvl1pPr marL="228600" indent="-228600" algn="l" defTabSz="914400" rtl="0" eaLnBrk="1" latinLnBrk="0" hangingPunct="1">
+              <a:lnSpc>
+                <a:spcPct val="90000"/>
+              </a:lnSpc>
+              <a:spcBef>
+                <a:spcPts val="1000"/>
+              </a:spcBef>
+              <a:buFont typeface="Arial" panose="020B0604020202020204" pitchFamily="34" charset="0"/>
+              <a:buChar char="•"/>
+              <a:defRPr sz="2800" kern="1200">
+                <a:solidFill>
+                  <a:schemeClr val="tx1"/>
+                </a:solidFill>
+                <a:latin typeface="+mn-lt"/>
+                <a:ea typeface="+mn-ea"/>
+                <a:cs typeface="+mn-cs"/>
+              </a:defRPr>
+            </a:lvl1pPr>
+            <a:lvl2pPr marL="685800" indent="-228600" algn="l" defTabSz="914400" rtl="0" eaLnBrk="1" latinLnBrk="0" hangingPunct="1">
+              <a:lnSpc>
+                <a:spcPct val="90000"/>
+              </a:lnSpc>
+              <a:spcBef>
+                <a:spcPts val="500"/>
+              </a:spcBef>
+              <a:buFont typeface="Arial" panose="020B0604020202020204" pitchFamily="34" charset="0"/>
+              <a:buChar char="•"/>
+              <a:defRPr sz="2400" kern="1200">
+                <a:solidFill>
+                  <a:schemeClr val="tx1"/>
+                </a:solidFill>
+                <a:latin typeface="+mn-lt"/>
+                <a:ea typeface="+mn-ea"/>
+                <a:cs typeface="+mn-cs"/>
+              </a:defRPr>
+            </a:lvl2pPr>
+            <a:lvl3pPr marL="1143000" indent="-228600" algn="l" defTabSz="914400" rtl="0" eaLnBrk="1" latinLnBrk="0" hangingPunct="1">
+              <a:lnSpc>
+                <a:spcPct val="90000"/>
+              </a:lnSpc>
+              <a:spcBef>
+                <a:spcPts val="500"/>
+              </a:spcBef>
+              <a:buFont typeface="Arial" panose="020B0604020202020204" pitchFamily="34" charset="0"/>
+              <a:buChar char="•"/>
+              <a:defRPr sz="2000" kern="1200">
+                <a:solidFill>
+                  <a:schemeClr val="tx1"/>
+                </a:solidFill>
+                <a:latin typeface="+mn-lt"/>
+                <a:ea typeface="+mn-ea"/>
+                <a:cs typeface="+mn-cs"/>
+              </a:defRPr>
+            </a:lvl3pPr>
+            <a:lvl4pPr marL="1600200" indent="-228600" algn="l" defTabSz="914400" rtl="0" eaLnBrk="1" latinLnBrk="0" hangingPunct="1">
+              <a:lnSpc>
+                <a:spcPct val="90000"/>
+              </a:lnSpc>
+              <a:spcBef>
+                <a:spcPts val="500"/>
+              </a:spcBef>
+              <a:buFont typeface="Arial" panose="020B0604020202020204" pitchFamily="34" charset="0"/>
+              <a:buChar char="•"/>
+              <a:defRPr sz="1800" kern="1200">
+                <a:solidFill>
+                  <a:schemeClr val="tx1"/>
+                </a:solidFill>
+                <a:latin typeface="+mn-lt"/>
+                <a:ea typeface="+mn-ea"/>
+                <a:cs typeface="+mn-cs"/>
+              </a:defRPr>
+            </a:lvl4pPr>
+            <a:lvl5pPr marL="2057400" indent="-228600" algn="l" defTabSz="914400" rtl="0" eaLnBrk="1" latinLnBrk="0" hangingPunct="1">
+              <a:lnSpc>
+                <a:spcPct val="90000"/>
+              </a:lnSpc>
+              <a:spcBef>
+                <a:spcPts val="500"/>
+              </a:spcBef>
+              <a:buFont typeface="Arial" panose="020B0604020202020204" pitchFamily="34" charset="0"/>
+              <a:buChar char="•"/>
+              <a:defRPr sz="1800" kern="1200">
+                <a:solidFill>
+                  <a:schemeClr val="tx1"/>
+                </a:solidFill>
+                <a:latin typeface="+mn-lt"/>
+                <a:ea typeface="+mn-ea"/>
+                <a:cs typeface="+mn-cs"/>
+              </a:defRPr>
+            </a:lvl5pPr>
+            <a:lvl6pPr marL="2514600" indent="-228600" algn="l" defTabSz="914400" rtl="0" eaLnBrk="1" latinLnBrk="0" hangingPunct="1">
+              <a:lnSpc>
+                <a:spcPct val="90000"/>
+              </a:lnSpc>
+              <a:spcBef>
+                <a:spcPts val="500"/>
+              </a:spcBef>
+              <a:buFont typeface="Arial" panose="020B0604020202020204" pitchFamily="34" charset="0"/>
+              <a:buChar char="•"/>
+              <a:defRPr sz="1800" kern="1200">
+                <a:solidFill>
+                  <a:schemeClr val="tx1"/>
+                </a:solidFill>
+                <a:latin typeface="+mn-lt"/>
+                <a:ea typeface="+mn-ea"/>
+                <a:cs typeface="+mn-cs"/>
+              </a:defRPr>
+            </a:lvl6pPr>
+            <a:lvl7pPr marL="2971800" indent="-228600" algn="l" defTabSz="914400" rtl="0" eaLnBrk="1" latinLnBrk="0" hangingPunct="1">
+              <a:lnSpc>
+                <a:spcPct val="90000"/>
+              </a:lnSpc>
+              <a:spcBef>
+                <a:spcPts val="500"/>
+              </a:spcBef>
+              <a:buFont typeface="Arial" panose="020B0604020202020204" pitchFamily="34" charset="0"/>
+              <a:buChar char="•"/>
+              <a:defRPr sz="1800" kern="1200">
+                <a:solidFill>
+                  <a:schemeClr val="tx1"/>
+                </a:solidFill>
+                <a:latin typeface="+mn-lt"/>
+                <a:ea typeface="+mn-ea"/>
+                <a:cs typeface="+mn-cs"/>
+              </a:defRPr>
+            </a:lvl7pPr>
+            <a:lvl8pPr marL="3429000" indent="-228600" algn="l" defTabSz="914400" rtl="0" eaLnBrk="1" latinLnBrk="0" hangingPunct="1">
+              <a:lnSpc>
+                <a:spcPct val="90000"/>
+              </a:lnSpc>
+              <a:spcBef>
+                <a:spcPts val="500"/>
+              </a:spcBef>
+              <a:buFont typeface="Arial" panose="020B0604020202020204" pitchFamily="34" charset="0"/>
+              <a:buChar char="•"/>
+              <a:defRPr sz="1800" kern="1200">
+                <a:solidFill>
+                  <a:schemeClr val="tx1"/>
+                </a:solidFill>
+                <a:latin typeface="+mn-lt"/>
+                <a:ea typeface="+mn-ea"/>
+                <a:cs typeface="+mn-cs"/>
+              </a:defRPr>
+            </a:lvl8pPr>
+            <a:lvl9pPr marL="3886200" indent="-228600" algn="l" defTabSz="914400" rtl="0" eaLnBrk="1" latinLnBrk="0" hangingPunct="1">
+              <a:lnSpc>
+                <a:spcPct val="90000"/>
+              </a:lnSpc>
+              <a:spcBef>
+                <a:spcPts val="500"/>
+              </a:spcBef>
+              <a:buFont typeface="Arial" panose="020B0604020202020204" pitchFamily="34" charset="0"/>
+              <a:buChar char="•"/>
+              <a:defRPr sz="1800" kern="1200">
+                <a:solidFill>
+                  <a:schemeClr val="tx1"/>
+                </a:solidFill>
+                <a:latin typeface="+mn-lt"/>
+                <a:ea typeface="+mn-ea"/>
+                <a:cs typeface="+mn-cs"/>
+              </a:defRPr>
+            </a:lvl9pPr>
+          </a:lstStyle>
+          <a:p>
+            <a:pPr marL="0" indent="0">
+              <a:buNone/>
+            </a:pPr>
+            <a:r>
+              <a:rPr lang="pt-BR">
+                <a:solidFill>
+                  <a:srgbClr val="003399"/>
+                </a:solidFill>
+                <a:latin typeface="Candara" panose="020E0502030303020204" pitchFamily="34" charset="0"/>
+              </a:rPr>
               <a:t>&gt;Ao acessar a API com um ID inexistente, receberá esta resposta:</a:t>
             </a:r>
             <a:endParaRPr lang="pt-BR" b="1" dirty="0">
@@ -28208,7 +29378,7 @@
 </p:sld>
 </file>
 
-<file path=ppt/slides/slide52.xml><?xml version="1.0" encoding="utf-8"?>
+<file path=ppt/slides/slide53.xml><?xml version="1.0" encoding="utf-8"?>
 <p:sld xmlns:a="http://schemas.openxmlformats.org/drawingml/2006/main" xmlns:r="http://schemas.openxmlformats.org/officeDocument/2006/relationships" xmlns:p="http://schemas.openxmlformats.org/presentationml/2006/main">
   <p:cSld>
     <p:spTree>
@@ -28635,7 +29805,7 @@
 </p:sld>
 </file>
 
-<file path=ppt/slides/slide53.xml><?xml version="1.0" encoding="utf-8"?>
+<file path=ppt/slides/slide54.xml><?xml version="1.0" encoding="utf-8"?>
 <p:sld xmlns:a="http://schemas.openxmlformats.org/drawingml/2006/main" xmlns:r="http://schemas.openxmlformats.org/officeDocument/2006/relationships" xmlns:p="http://schemas.openxmlformats.org/presentationml/2006/main">
   <p:cSld>
     <p:spTree>
@@ -28724,7 +29894,7 @@
 </p:sld>
 </file>
 
-<file path=ppt/slides/slide54.xml><?xml version="1.0" encoding="utf-8"?>
+<file path=ppt/slides/slide55.xml><?xml version="1.0" encoding="utf-8"?>
 <p:sld xmlns:a="http://schemas.openxmlformats.org/drawingml/2006/main" xmlns:r="http://schemas.openxmlformats.org/officeDocument/2006/relationships" xmlns:p="http://schemas.openxmlformats.org/presentationml/2006/main">
   <p:cSld>
     <p:spTree>
@@ -29148,7 +30318,7 @@
 </p:sld>
 </file>
 
-<file path=ppt/slides/slide55.xml><?xml version="1.0" encoding="utf-8"?>
+<file path=ppt/slides/slide56.xml><?xml version="1.0" encoding="utf-8"?>
 <p:sld xmlns:a="http://schemas.openxmlformats.org/drawingml/2006/main" xmlns:r="http://schemas.openxmlformats.org/officeDocument/2006/relationships" xmlns:p="http://schemas.openxmlformats.org/presentationml/2006/main">
   <p:cSld>
     <p:spTree>
@@ -29751,7 +30921,7 @@
 </p:sld>
 </file>
 
-<file path=ppt/slides/slide56.xml><?xml version="1.0" encoding="utf-8"?>
+<file path=ppt/slides/slide57.xml><?xml version="1.0" encoding="utf-8"?>
 <p:sld xmlns:a="http://schemas.openxmlformats.org/drawingml/2006/main" xmlns:r="http://schemas.openxmlformats.org/officeDocument/2006/relationships" xmlns:p="http://schemas.openxmlformats.org/presentationml/2006/main">
   <p:cSld>
     <p:spTree>
@@ -30410,7 +31580,7 @@
 </p:sld>
 </file>
 
-<file path=ppt/slides/slide57.xml><?xml version="1.0" encoding="utf-8"?>
+<file path=ppt/slides/slide58.xml><?xml version="1.0" encoding="utf-8"?>
 <p:sld xmlns:a="http://schemas.openxmlformats.org/drawingml/2006/main" xmlns:r="http://schemas.openxmlformats.org/officeDocument/2006/relationships" xmlns:p="http://schemas.openxmlformats.org/presentationml/2006/main">
   <p:cSld>
     <p:spTree>
@@ -30781,387 +31951,6 @@
     <p:extLst>
       <p:ext uri="{BB962C8B-B14F-4D97-AF65-F5344CB8AC3E}">
         <p14:creationId xmlns:p14="http://schemas.microsoft.com/office/powerpoint/2010/main" val="1905632259"/>
-      </p:ext>
-    </p:extLst>
-  </p:cSld>
-  <p:clrMapOvr>
-    <a:masterClrMapping/>
-  </p:clrMapOvr>
-</p:sld>
-</file>
-
-<file path=ppt/slides/slide58.xml><?xml version="1.0" encoding="utf-8"?>
-<p:sld xmlns:a="http://schemas.openxmlformats.org/drawingml/2006/main" xmlns:r="http://schemas.openxmlformats.org/officeDocument/2006/relationships" xmlns:p="http://schemas.openxmlformats.org/presentationml/2006/main">
-  <p:cSld>
-    <p:spTree>
-      <p:nvGrpSpPr>
-        <p:cNvPr id="1" name=""/>
-        <p:cNvGrpSpPr/>
-        <p:nvPr/>
-      </p:nvGrpSpPr>
-      <p:grpSpPr>
-        <a:xfrm>
-          <a:off x="0" y="0"/>
-          <a:ext cx="0" cy="0"/>
-          <a:chOff x="0" y="0"/>
-          <a:chExt cx="0" cy="0"/>
-        </a:xfrm>
-      </p:grpSpPr>
-      <p:sp>
-        <p:nvSpPr>
-          <p:cNvPr id="2" name="Subtítulo 1">
-            <a:extLst>
-              <a:ext uri="{FF2B5EF4-FFF2-40B4-BE49-F238E27FC236}">
-                <a16:creationId xmlns:a16="http://schemas.microsoft.com/office/drawing/2014/main" id="{A70C5A52-85F1-4C71-8AA2-6A1891340F69}"/>
-              </a:ext>
-            </a:extLst>
-          </p:cNvPr>
-          <p:cNvSpPr txBox="1">
-            <a:spLocks/>
-          </p:cNvSpPr>
-          <p:nvPr/>
-        </p:nvSpPr>
-        <p:spPr>
-          <a:xfrm>
-            <a:off x="607378" y="763480"/>
-            <a:ext cx="10977422" cy="5646198"/>
-          </a:xfrm>
-          <a:prstGeom prst="rect">
-            <a:avLst/>
-          </a:prstGeom>
-          <a:ln>
-            <a:solidFill>
-              <a:srgbClr val="D7E5F9"/>
-            </a:solidFill>
-          </a:ln>
-        </p:spPr>
-        <p:style>
-          <a:lnRef idx="2">
-            <a:schemeClr val="accent2"/>
-          </a:lnRef>
-          <a:fillRef idx="1">
-            <a:schemeClr val="lt1"/>
-          </a:fillRef>
-          <a:effectRef idx="0">
-            <a:schemeClr val="accent2"/>
-          </a:effectRef>
-          <a:fontRef idx="minor">
-            <a:schemeClr val="dk1"/>
-          </a:fontRef>
-        </p:style>
-        <p:txBody>
-          <a:bodyPr vert="horz" lIns="91440" tIns="45720" rIns="91440" bIns="45720" rtlCol="0" anchor="t">
-            <a:normAutofit/>
-          </a:bodyPr>
-          <a:lstStyle>
-            <a:lvl1pPr marL="228600" indent="-228600" algn="l" defTabSz="914400" rtl="0" eaLnBrk="1" latinLnBrk="0" hangingPunct="1">
-              <a:lnSpc>
-                <a:spcPct val="90000"/>
-              </a:lnSpc>
-              <a:spcBef>
-                <a:spcPts val="1000"/>
-              </a:spcBef>
-              <a:buFont typeface="Arial" panose="020B0604020202020204" pitchFamily="34" charset="0"/>
-              <a:buChar char="•"/>
-              <a:defRPr sz="2800" kern="1200">
-                <a:solidFill>
-                  <a:schemeClr val="tx1"/>
-                </a:solidFill>
-                <a:latin typeface="+mn-lt"/>
-                <a:ea typeface="+mn-ea"/>
-                <a:cs typeface="+mn-cs"/>
-              </a:defRPr>
-            </a:lvl1pPr>
-            <a:lvl2pPr marL="685800" indent="-228600" algn="l" defTabSz="914400" rtl="0" eaLnBrk="1" latinLnBrk="0" hangingPunct="1">
-              <a:lnSpc>
-                <a:spcPct val="90000"/>
-              </a:lnSpc>
-              <a:spcBef>
-                <a:spcPts val="500"/>
-              </a:spcBef>
-              <a:buFont typeface="Arial" panose="020B0604020202020204" pitchFamily="34" charset="0"/>
-              <a:buChar char="•"/>
-              <a:defRPr sz="2400" kern="1200">
-                <a:solidFill>
-                  <a:schemeClr val="tx1"/>
-                </a:solidFill>
-                <a:latin typeface="+mn-lt"/>
-                <a:ea typeface="+mn-ea"/>
-                <a:cs typeface="+mn-cs"/>
-              </a:defRPr>
-            </a:lvl2pPr>
-            <a:lvl3pPr marL="1143000" indent="-228600" algn="l" defTabSz="914400" rtl="0" eaLnBrk="1" latinLnBrk="0" hangingPunct="1">
-              <a:lnSpc>
-                <a:spcPct val="90000"/>
-              </a:lnSpc>
-              <a:spcBef>
-                <a:spcPts val="500"/>
-              </a:spcBef>
-              <a:buFont typeface="Arial" panose="020B0604020202020204" pitchFamily="34" charset="0"/>
-              <a:buChar char="•"/>
-              <a:defRPr sz="2000" kern="1200">
-                <a:solidFill>
-                  <a:schemeClr val="tx1"/>
-                </a:solidFill>
-                <a:latin typeface="+mn-lt"/>
-                <a:ea typeface="+mn-ea"/>
-                <a:cs typeface="+mn-cs"/>
-              </a:defRPr>
-            </a:lvl3pPr>
-            <a:lvl4pPr marL="1600200" indent="-228600" algn="l" defTabSz="914400" rtl="0" eaLnBrk="1" latinLnBrk="0" hangingPunct="1">
-              <a:lnSpc>
-                <a:spcPct val="90000"/>
-              </a:lnSpc>
-              <a:spcBef>
-                <a:spcPts val="500"/>
-              </a:spcBef>
-              <a:buFont typeface="Arial" panose="020B0604020202020204" pitchFamily="34" charset="0"/>
-              <a:buChar char="•"/>
-              <a:defRPr sz="1800" kern="1200">
-                <a:solidFill>
-                  <a:schemeClr val="tx1"/>
-                </a:solidFill>
-                <a:latin typeface="+mn-lt"/>
-                <a:ea typeface="+mn-ea"/>
-                <a:cs typeface="+mn-cs"/>
-              </a:defRPr>
-            </a:lvl4pPr>
-            <a:lvl5pPr marL="2057400" indent="-228600" algn="l" defTabSz="914400" rtl="0" eaLnBrk="1" latinLnBrk="0" hangingPunct="1">
-              <a:lnSpc>
-                <a:spcPct val="90000"/>
-              </a:lnSpc>
-              <a:spcBef>
-                <a:spcPts val="500"/>
-              </a:spcBef>
-              <a:buFont typeface="Arial" panose="020B0604020202020204" pitchFamily="34" charset="0"/>
-              <a:buChar char="•"/>
-              <a:defRPr sz="1800" kern="1200">
-                <a:solidFill>
-                  <a:schemeClr val="tx1"/>
-                </a:solidFill>
-                <a:latin typeface="+mn-lt"/>
-                <a:ea typeface="+mn-ea"/>
-                <a:cs typeface="+mn-cs"/>
-              </a:defRPr>
-            </a:lvl5pPr>
-            <a:lvl6pPr marL="2514600" indent="-228600" algn="l" defTabSz="914400" rtl="0" eaLnBrk="1" latinLnBrk="0" hangingPunct="1">
-              <a:lnSpc>
-                <a:spcPct val="90000"/>
-              </a:lnSpc>
-              <a:spcBef>
-                <a:spcPts val="500"/>
-              </a:spcBef>
-              <a:buFont typeface="Arial" panose="020B0604020202020204" pitchFamily="34" charset="0"/>
-              <a:buChar char="•"/>
-              <a:defRPr sz="1800" kern="1200">
-                <a:solidFill>
-                  <a:schemeClr val="tx1"/>
-                </a:solidFill>
-                <a:latin typeface="+mn-lt"/>
-                <a:ea typeface="+mn-ea"/>
-                <a:cs typeface="+mn-cs"/>
-              </a:defRPr>
-            </a:lvl6pPr>
-            <a:lvl7pPr marL="2971800" indent="-228600" algn="l" defTabSz="914400" rtl="0" eaLnBrk="1" latinLnBrk="0" hangingPunct="1">
-              <a:lnSpc>
-                <a:spcPct val="90000"/>
-              </a:lnSpc>
-              <a:spcBef>
-                <a:spcPts val="500"/>
-              </a:spcBef>
-              <a:buFont typeface="Arial" panose="020B0604020202020204" pitchFamily="34" charset="0"/>
-              <a:buChar char="•"/>
-              <a:defRPr sz="1800" kern="1200">
-                <a:solidFill>
-                  <a:schemeClr val="tx1"/>
-                </a:solidFill>
-                <a:latin typeface="+mn-lt"/>
-                <a:ea typeface="+mn-ea"/>
-                <a:cs typeface="+mn-cs"/>
-              </a:defRPr>
-            </a:lvl7pPr>
-            <a:lvl8pPr marL="3429000" indent="-228600" algn="l" defTabSz="914400" rtl="0" eaLnBrk="1" latinLnBrk="0" hangingPunct="1">
-              <a:lnSpc>
-                <a:spcPct val="90000"/>
-              </a:lnSpc>
-              <a:spcBef>
-                <a:spcPts val="500"/>
-              </a:spcBef>
-              <a:buFont typeface="Arial" panose="020B0604020202020204" pitchFamily="34" charset="0"/>
-              <a:buChar char="•"/>
-              <a:defRPr sz="1800" kern="1200">
-                <a:solidFill>
-                  <a:schemeClr val="tx1"/>
-                </a:solidFill>
-                <a:latin typeface="+mn-lt"/>
-                <a:ea typeface="+mn-ea"/>
-                <a:cs typeface="+mn-cs"/>
-              </a:defRPr>
-            </a:lvl8pPr>
-            <a:lvl9pPr marL="3886200" indent="-228600" algn="l" defTabSz="914400" rtl="0" eaLnBrk="1" latinLnBrk="0" hangingPunct="1">
-              <a:lnSpc>
-                <a:spcPct val="90000"/>
-              </a:lnSpc>
-              <a:spcBef>
-                <a:spcPts val="500"/>
-              </a:spcBef>
-              <a:buFont typeface="Arial" panose="020B0604020202020204" pitchFamily="34" charset="0"/>
-              <a:buChar char="•"/>
-              <a:defRPr sz="1800" kern="1200">
-                <a:solidFill>
-                  <a:schemeClr val="tx1"/>
-                </a:solidFill>
-                <a:latin typeface="+mn-lt"/>
-                <a:ea typeface="+mn-ea"/>
-                <a:cs typeface="+mn-cs"/>
-              </a:defRPr>
-            </a:lvl9pPr>
-          </a:lstStyle>
-          <a:p>
-            <a:pPr marL="0" indent="0">
-              <a:buNone/>
-            </a:pPr>
-            <a:r>
-              <a:rPr lang="pt-BR">
-                <a:solidFill>
-                  <a:srgbClr val="003399"/>
-                </a:solidFill>
-                <a:latin typeface="Candara" panose="020E0502030303020204" pitchFamily="34" charset="0"/>
-              </a:rPr>
-              <a:t>&gt;O navegador somente dá suporte para o método HTTP GET </a:t>
-            </a:r>
-          </a:p>
-          <a:p>
-            <a:pPr marL="0" indent="0">
-              <a:buNone/>
-            </a:pPr>
-            <a:r>
-              <a:rPr lang="pt-BR">
-                <a:solidFill>
-                  <a:srgbClr val="003399"/>
-                </a:solidFill>
-                <a:latin typeface="Candara" panose="020E0502030303020204" pitchFamily="34" charset="0"/>
-              </a:rPr>
-              <a:t>&gt;Para testar nossa API completa, precisamos de uma das opções:</a:t>
-            </a:r>
-          </a:p>
-          <a:p>
-            <a:pPr marL="0" indent="0">
-              <a:buNone/>
-            </a:pPr>
-            <a:r>
-              <a:rPr lang="pt-BR">
-                <a:solidFill>
-                  <a:srgbClr val="003399"/>
-                </a:solidFill>
-                <a:latin typeface="Candara" panose="020E0502030303020204" pitchFamily="34" charset="0"/>
-              </a:rPr>
-              <a:t>a)Ferramenta específica para acessar APIs</a:t>
-            </a:r>
-          </a:p>
-          <a:p>
-            <a:pPr marL="0" indent="0">
-              <a:buNone/>
-            </a:pPr>
-            <a:r>
-              <a:rPr lang="pt-BR">
-                <a:solidFill>
-                  <a:srgbClr val="003399"/>
-                </a:solidFill>
-                <a:latin typeface="Candara" panose="020E0502030303020204" pitchFamily="34" charset="0"/>
-              </a:rPr>
-              <a:t>b)Escrever código que acessam nossa API</a:t>
-            </a:r>
-            <a:endParaRPr lang="pt-BR" dirty="0">
-              <a:solidFill>
-                <a:srgbClr val="003399"/>
-              </a:solidFill>
-              <a:latin typeface="Candara" panose="020E0502030303020204" pitchFamily="34" charset="0"/>
-            </a:endParaRPr>
-          </a:p>
-        </p:txBody>
-      </p:sp>
-      <p:sp>
-        <p:nvSpPr>
-          <p:cNvPr id="3" name="Título 2">
-            <a:extLst>
-              <a:ext uri="{FF2B5EF4-FFF2-40B4-BE49-F238E27FC236}">
-                <a16:creationId xmlns:a16="http://schemas.microsoft.com/office/drawing/2014/main" id="{20AF7FCE-3277-41A8-A814-7E1CC0EC068E}"/>
-              </a:ext>
-            </a:extLst>
-          </p:cNvPr>
-          <p:cNvSpPr txBox="1">
-            <a:spLocks/>
-          </p:cNvSpPr>
-          <p:nvPr/>
-        </p:nvSpPr>
-        <p:spPr>
-          <a:xfrm>
-            <a:off x="1802167" y="0"/>
-            <a:ext cx="10389833" cy="577049"/>
-          </a:xfrm>
-          <a:prstGeom prst="rect">
-            <a:avLst/>
-          </a:prstGeom>
-          <a:noFill/>
-          <a:ln>
-            <a:noFill/>
-          </a:ln>
-        </p:spPr>
-        <p:style>
-          <a:lnRef idx="2">
-            <a:schemeClr val="accent5"/>
-          </a:lnRef>
-          <a:fillRef idx="1">
-            <a:schemeClr val="lt1"/>
-          </a:fillRef>
-          <a:effectRef idx="0">
-            <a:schemeClr val="accent5"/>
-          </a:effectRef>
-          <a:fontRef idx="minor">
-            <a:schemeClr val="dk1"/>
-          </a:fontRef>
-        </p:style>
-        <p:txBody>
-          <a:bodyPr vert="horz" lIns="91440" tIns="45720" rIns="91440" bIns="45720" rtlCol="0" anchor="ctr">
-            <a:noAutofit/>
-          </a:bodyPr>
-          <a:lstStyle>
-            <a:lvl1pPr algn="l" defTabSz="914400" rtl="0" eaLnBrk="1" latinLnBrk="0" hangingPunct="1">
-              <a:lnSpc>
-                <a:spcPct val="90000"/>
-              </a:lnSpc>
-              <a:spcBef>
-                <a:spcPct val="0"/>
-              </a:spcBef>
-              <a:buNone/>
-              <a:defRPr sz="4400" kern="1200">
-                <a:solidFill>
-                  <a:schemeClr val="tx1"/>
-                </a:solidFill>
-                <a:latin typeface="+mj-lt"/>
-                <a:ea typeface="+mj-ea"/>
-                <a:cs typeface="+mj-cs"/>
-              </a:defRPr>
-            </a:lvl1pPr>
-          </a:lstStyle>
-          <a:p>
-            <a:r>
-              <a:rPr lang="pt-BR" sz="2400" b="1">
-                <a:solidFill>
-                  <a:srgbClr val="003399"/>
-                </a:solidFill>
-                <a:latin typeface="Candara" panose="020E0502030303020204" pitchFamily="34" charset="0"/>
-              </a:rPr>
-              <a:t>Testando a API REST</a:t>
-            </a:r>
-          </a:p>
-        </p:txBody>
-      </p:sp>
-    </p:spTree>
-    <p:extLst>
-      <p:ext uri="{BB962C8B-B14F-4D97-AF65-F5344CB8AC3E}">
-        <p14:creationId xmlns:p14="http://schemas.microsoft.com/office/powerpoint/2010/main" val="3242901796"/>
       </p:ext>
     </p:extLst>
   </p:cSld>
@@ -31409,37 +32198,22 @@
                 </a:solidFill>
                 <a:latin typeface="Candara" panose="020E0502030303020204" pitchFamily="34" charset="0"/>
               </a:rPr>
-              <a:t>&gt;Com </a:t>
-            </a:r>
-            <a:r>
-              <a:rPr lang="pt-BR" b="1">
-                <a:solidFill>
-                  <a:srgbClr val="003399"/>
-                </a:solidFill>
-                <a:latin typeface="Candara" panose="020E0502030303020204" pitchFamily="34" charset="0"/>
-              </a:rPr>
-              <a:t>Spring WebFlux</a:t>
-            </a:r>
-            <a:r>
-              <a:rPr lang="pt-BR">
-                <a:solidFill>
-                  <a:srgbClr val="003399"/>
-                </a:solidFill>
-                <a:latin typeface="Candara" panose="020E0502030303020204" pitchFamily="34" charset="0"/>
-              </a:rPr>
-              <a:t>, é possível fazer requisições não-bloqueantes</a:t>
+              <a:t>&gt;O navegador somente dá suporte para o método HTTP GET </a:t>
             </a:r>
           </a:p>
           <a:p>
             <a:pPr marL="0" indent="0">
               <a:buNone/>
             </a:pPr>
-            <a:endParaRPr lang="pt-BR">
-              <a:solidFill>
-                <a:srgbClr val="003399"/>
-              </a:solidFill>
-              <a:latin typeface="Candara" panose="020E0502030303020204" pitchFamily="34" charset="0"/>
-            </a:endParaRPr>
+            <a:r>
+              <a:rPr lang="pt-BR">
+                <a:solidFill>
+                  <a:srgbClr val="003399"/>
+                </a:solidFill>
+                <a:latin typeface="Candara" panose="020E0502030303020204" pitchFamily="34" charset="0"/>
+              </a:rPr>
+              <a:t>&gt;Para testar nossa API completa, precisamos de uma das opções:</a:t>
+            </a:r>
           </a:p>
           <a:p>
             <a:pPr marL="0" indent="0">
@@ -31452,7 +32226,21 @@
                 </a:solidFill>
                 <a:latin typeface="Candara" panose="020E0502030303020204" pitchFamily="34" charset="0"/>
               </a:rPr>
-              <a:t>1)Adicionar dependência no pom.xml:</a:t>
+              <a:t>a)Ferramenta específica para acessar APIs</a:t>
+            </a:r>
+          </a:p>
+          <a:p>
+            <a:pPr marL="0" indent="0">
+              <a:buNone/>
+            </a:pPr>
+            <a:r>
+              <a:rPr lang="pt-BR">
+                <a:solidFill>
+                  <a:srgbClr val="003399"/>
+                </a:solidFill>
+                <a:latin typeface="Candara" panose="020E0502030303020204" pitchFamily="34" charset="0"/>
+              </a:rPr>
+              <a:t>b)Escrever código que acessam nossa API</a:t>
             </a:r>
             <a:endParaRPr lang="pt-BR" dirty="0">
               <a:solidFill>
@@ -31465,10 +32253,10 @@
       </p:sp>
       <p:sp>
         <p:nvSpPr>
-          <p:cNvPr id="4" name="Título 2">
+          <p:cNvPr id="3" name="Título 2">
             <a:extLst>
               <a:ext uri="{FF2B5EF4-FFF2-40B4-BE49-F238E27FC236}">
-                <a16:creationId xmlns:a16="http://schemas.microsoft.com/office/drawing/2014/main" id="{03664600-C1F8-40BD-8BCB-8FA8F9C2C114}"/>
+                <a16:creationId xmlns:a16="http://schemas.microsoft.com/office/drawing/2014/main" id="{20AF7FCE-3277-41A8-A814-7E1CC0EC068E}"/>
               </a:ext>
             </a:extLst>
           </p:cNvPr>
@@ -31535,45 +32323,15 @@
                 </a:solidFill>
                 <a:latin typeface="Candara" panose="020E0502030303020204" pitchFamily="34" charset="0"/>
               </a:rPr>
-              <a:t>Testando a API REST com Spring WebFlux</a:t>
+              <a:t>Testando a API REST</a:t>
             </a:r>
           </a:p>
         </p:txBody>
       </p:sp>
-      <p:pic>
-        <p:nvPicPr>
-          <p:cNvPr id="6" name="Imagem 5">
-            <a:extLst>
-              <a:ext uri="{FF2B5EF4-FFF2-40B4-BE49-F238E27FC236}">
-                <a16:creationId xmlns:a16="http://schemas.microsoft.com/office/drawing/2014/main" id="{553E81C4-E718-40D0-B2D7-E56A53D1311A}"/>
-              </a:ext>
-            </a:extLst>
-          </p:cNvPr>
-          <p:cNvPicPr>
-            <a:picLocks noChangeAspect="1"/>
-          </p:cNvPicPr>
-          <p:nvPr/>
-        </p:nvPicPr>
-        <p:blipFill>
-          <a:blip r:embed="rId2"/>
-          <a:stretch>
-            <a:fillRect/>
-          </a:stretch>
-        </p:blipFill>
-        <p:spPr>
-          <a:xfrm>
-            <a:off x="957539" y="2259130"/>
-            <a:ext cx="9923685" cy="1800000"/>
-          </a:xfrm>
-          <a:prstGeom prst="rect">
-            <a:avLst/>
-          </a:prstGeom>
-        </p:spPr>
-      </p:pic>
     </p:spTree>
     <p:extLst>
       <p:ext uri="{BB962C8B-B14F-4D97-AF65-F5344CB8AC3E}">
-        <p14:creationId xmlns:p14="http://schemas.microsoft.com/office/powerpoint/2010/main" val="2659477048"/>
+        <p14:creationId xmlns:p14="http://schemas.microsoft.com/office/powerpoint/2010/main" val="3242901796"/>
       </p:ext>
     </p:extLst>
   </p:cSld>
@@ -32983,6 +33741,418 @@
               <a:buNone/>
             </a:pPr>
             <a:r>
+              <a:rPr lang="pt-BR">
+                <a:solidFill>
+                  <a:srgbClr val="003399"/>
+                </a:solidFill>
+                <a:latin typeface="Candara" panose="020E0502030303020204" pitchFamily="34" charset="0"/>
+              </a:rPr>
+              <a:t>&gt;Com </a:t>
+            </a:r>
+            <a:r>
+              <a:rPr lang="pt-BR" b="1">
+                <a:solidFill>
+                  <a:srgbClr val="003399"/>
+                </a:solidFill>
+                <a:latin typeface="Candara" panose="020E0502030303020204" pitchFamily="34" charset="0"/>
+              </a:rPr>
+              <a:t>Spring WebFlux</a:t>
+            </a:r>
+            <a:r>
+              <a:rPr lang="pt-BR">
+                <a:solidFill>
+                  <a:srgbClr val="003399"/>
+                </a:solidFill>
+                <a:latin typeface="Candara" panose="020E0502030303020204" pitchFamily="34" charset="0"/>
+              </a:rPr>
+              <a:t>, é possível fazer requisições não-bloqueantes</a:t>
+            </a:r>
+          </a:p>
+          <a:p>
+            <a:pPr marL="0" indent="0">
+              <a:buNone/>
+            </a:pPr>
+            <a:endParaRPr lang="pt-BR">
+              <a:solidFill>
+                <a:srgbClr val="003399"/>
+              </a:solidFill>
+              <a:latin typeface="Candara" panose="020E0502030303020204" pitchFamily="34" charset="0"/>
+            </a:endParaRPr>
+          </a:p>
+          <a:p>
+            <a:pPr marL="0" indent="0">
+              <a:buNone/>
+            </a:pPr>
+            <a:r>
+              <a:rPr lang="pt-BR">
+                <a:solidFill>
+                  <a:srgbClr val="003399"/>
+                </a:solidFill>
+                <a:latin typeface="Candara" panose="020E0502030303020204" pitchFamily="34" charset="0"/>
+              </a:rPr>
+              <a:t>1)Adicionar dependência no pom.xml:</a:t>
+            </a:r>
+            <a:endParaRPr lang="pt-BR" dirty="0">
+              <a:solidFill>
+                <a:srgbClr val="003399"/>
+              </a:solidFill>
+              <a:latin typeface="Candara" panose="020E0502030303020204" pitchFamily="34" charset="0"/>
+            </a:endParaRPr>
+          </a:p>
+        </p:txBody>
+      </p:sp>
+      <p:sp>
+        <p:nvSpPr>
+          <p:cNvPr id="4" name="Título 2">
+            <a:extLst>
+              <a:ext uri="{FF2B5EF4-FFF2-40B4-BE49-F238E27FC236}">
+                <a16:creationId xmlns:a16="http://schemas.microsoft.com/office/drawing/2014/main" id="{03664600-C1F8-40BD-8BCB-8FA8F9C2C114}"/>
+              </a:ext>
+            </a:extLst>
+          </p:cNvPr>
+          <p:cNvSpPr txBox="1">
+            <a:spLocks/>
+          </p:cNvSpPr>
+          <p:nvPr/>
+        </p:nvSpPr>
+        <p:spPr>
+          <a:xfrm>
+            <a:off x="1802167" y="0"/>
+            <a:ext cx="10389833" cy="577049"/>
+          </a:xfrm>
+          <a:prstGeom prst="rect">
+            <a:avLst/>
+          </a:prstGeom>
+          <a:noFill/>
+          <a:ln>
+            <a:noFill/>
+          </a:ln>
+        </p:spPr>
+        <p:style>
+          <a:lnRef idx="2">
+            <a:schemeClr val="accent5"/>
+          </a:lnRef>
+          <a:fillRef idx="1">
+            <a:schemeClr val="lt1"/>
+          </a:fillRef>
+          <a:effectRef idx="0">
+            <a:schemeClr val="accent5"/>
+          </a:effectRef>
+          <a:fontRef idx="minor">
+            <a:schemeClr val="dk1"/>
+          </a:fontRef>
+        </p:style>
+        <p:txBody>
+          <a:bodyPr vert="horz" lIns="91440" tIns="45720" rIns="91440" bIns="45720" rtlCol="0" anchor="ctr">
+            <a:noAutofit/>
+          </a:bodyPr>
+          <a:lstStyle>
+            <a:lvl1pPr algn="l" defTabSz="914400" rtl="0" eaLnBrk="1" latinLnBrk="0" hangingPunct="1">
+              <a:lnSpc>
+                <a:spcPct val="90000"/>
+              </a:lnSpc>
+              <a:spcBef>
+                <a:spcPct val="0"/>
+              </a:spcBef>
+              <a:buNone/>
+              <a:defRPr sz="4400" kern="1200">
+                <a:solidFill>
+                  <a:schemeClr val="tx1"/>
+                </a:solidFill>
+                <a:latin typeface="+mj-lt"/>
+                <a:ea typeface="+mj-ea"/>
+                <a:cs typeface="+mj-cs"/>
+              </a:defRPr>
+            </a:lvl1pPr>
+          </a:lstStyle>
+          <a:p>
+            <a:r>
+              <a:rPr lang="pt-BR" sz="2400" b="1">
+                <a:solidFill>
+                  <a:srgbClr val="003399"/>
+                </a:solidFill>
+                <a:latin typeface="Candara" panose="020E0502030303020204" pitchFamily="34" charset="0"/>
+              </a:rPr>
+              <a:t>Testando a API REST com Spring WebFlux</a:t>
+            </a:r>
+          </a:p>
+        </p:txBody>
+      </p:sp>
+      <p:pic>
+        <p:nvPicPr>
+          <p:cNvPr id="6" name="Imagem 5">
+            <a:extLst>
+              <a:ext uri="{FF2B5EF4-FFF2-40B4-BE49-F238E27FC236}">
+                <a16:creationId xmlns:a16="http://schemas.microsoft.com/office/drawing/2014/main" id="{553E81C4-E718-40D0-B2D7-E56A53D1311A}"/>
+              </a:ext>
+            </a:extLst>
+          </p:cNvPr>
+          <p:cNvPicPr>
+            <a:picLocks noChangeAspect="1"/>
+          </p:cNvPicPr>
+          <p:nvPr/>
+        </p:nvPicPr>
+        <p:blipFill>
+          <a:blip r:embed="rId2"/>
+          <a:stretch>
+            <a:fillRect/>
+          </a:stretch>
+        </p:blipFill>
+        <p:spPr>
+          <a:xfrm>
+            <a:off x="957539" y="2259130"/>
+            <a:ext cx="9923685" cy="1800000"/>
+          </a:xfrm>
+          <a:prstGeom prst="rect">
+            <a:avLst/>
+          </a:prstGeom>
+        </p:spPr>
+      </p:pic>
+    </p:spTree>
+    <p:extLst>
+      <p:ext uri="{BB962C8B-B14F-4D97-AF65-F5344CB8AC3E}">
+        <p14:creationId xmlns:p14="http://schemas.microsoft.com/office/powerpoint/2010/main" val="2659477048"/>
+      </p:ext>
+    </p:extLst>
+  </p:cSld>
+  <p:clrMapOvr>
+    <a:masterClrMapping/>
+  </p:clrMapOvr>
+</p:sld>
+</file>
+
+<file path=ppt/slides/slide61.xml><?xml version="1.0" encoding="utf-8"?>
+<p:sld xmlns:a="http://schemas.openxmlformats.org/drawingml/2006/main" xmlns:r="http://schemas.openxmlformats.org/officeDocument/2006/relationships" xmlns:p="http://schemas.openxmlformats.org/presentationml/2006/main">
+  <p:cSld>
+    <p:spTree>
+      <p:nvGrpSpPr>
+        <p:cNvPr id="1" name=""/>
+        <p:cNvGrpSpPr/>
+        <p:nvPr/>
+      </p:nvGrpSpPr>
+      <p:grpSpPr>
+        <a:xfrm>
+          <a:off x="0" y="0"/>
+          <a:ext cx="0" cy="0"/>
+          <a:chOff x="0" y="0"/>
+          <a:chExt cx="0" cy="0"/>
+        </a:xfrm>
+      </p:grpSpPr>
+      <p:sp>
+        <p:nvSpPr>
+          <p:cNvPr id="2" name="Subtítulo 1">
+            <a:extLst>
+              <a:ext uri="{FF2B5EF4-FFF2-40B4-BE49-F238E27FC236}">
+                <a16:creationId xmlns:a16="http://schemas.microsoft.com/office/drawing/2014/main" id="{A70C5A52-85F1-4C71-8AA2-6A1891340F69}"/>
+              </a:ext>
+            </a:extLst>
+          </p:cNvPr>
+          <p:cNvSpPr txBox="1">
+            <a:spLocks/>
+          </p:cNvSpPr>
+          <p:nvPr/>
+        </p:nvSpPr>
+        <p:spPr>
+          <a:xfrm>
+            <a:off x="607378" y="763480"/>
+            <a:ext cx="10977422" cy="5646198"/>
+          </a:xfrm>
+          <a:prstGeom prst="rect">
+            <a:avLst/>
+          </a:prstGeom>
+          <a:ln>
+            <a:solidFill>
+              <a:srgbClr val="D7E5F9"/>
+            </a:solidFill>
+          </a:ln>
+        </p:spPr>
+        <p:style>
+          <a:lnRef idx="2">
+            <a:schemeClr val="accent2"/>
+          </a:lnRef>
+          <a:fillRef idx="1">
+            <a:schemeClr val="lt1"/>
+          </a:fillRef>
+          <a:effectRef idx="0">
+            <a:schemeClr val="accent2"/>
+          </a:effectRef>
+          <a:fontRef idx="minor">
+            <a:schemeClr val="dk1"/>
+          </a:fontRef>
+        </p:style>
+        <p:txBody>
+          <a:bodyPr vert="horz" lIns="91440" tIns="45720" rIns="91440" bIns="45720" rtlCol="0" anchor="t">
+            <a:normAutofit/>
+          </a:bodyPr>
+          <a:lstStyle>
+            <a:lvl1pPr marL="228600" indent="-228600" algn="l" defTabSz="914400" rtl="0" eaLnBrk="1" latinLnBrk="0" hangingPunct="1">
+              <a:lnSpc>
+                <a:spcPct val="90000"/>
+              </a:lnSpc>
+              <a:spcBef>
+                <a:spcPts val="1000"/>
+              </a:spcBef>
+              <a:buFont typeface="Arial" panose="020B0604020202020204" pitchFamily="34" charset="0"/>
+              <a:buChar char="•"/>
+              <a:defRPr sz="2800" kern="1200">
+                <a:solidFill>
+                  <a:schemeClr val="tx1"/>
+                </a:solidFill>
+                <a:latin typeface="+mn-lt"/>
+                <a:ea typeface="+mn-ea"/>
+                <a:cs typeface="+mn-cs"/>
+              </a:defRPr>
+            </a:lvl1pPr>
+            <a:lvl2pPr marL="685800" indent="-228600" algn="l" defTabSz="914400" rtl="0" eaLnBrk="1" latinLnBrk="0" hangingPunct="1">
+              <a:lnSpc>
+                <a:spcPct val="90000"/>
+              </a:lnSpc>
+              <a:spcBef>
+                <a:spcPts val="500"/>
+              </a:spcBef>
+              <a:buFont typeface="Arial" panose="020B0604020202020204" pitchFamily="34" charset="0"/>
+              <a:buChar char="•"/>
+              <a:defRPr sz="2400" kern="1200">
+                <a:solidFill>
+                  <a:schemeClr val="tx1"/>
+                </a:solidFill>
+                <a:latin typeface="+mn-lt"/>
+                <a:ea typeface="+mn-ea"/>
+                <a:cs typeface="+mn-cs"/>
+              </a:defRPr>
+            </a:lvl2pPr>
+            <a:lvl3pPr marL="1143000" indent="-228600" algn="l" defTabSz="914400" rtl="0" eaLnBrk="1" latinLnBrk="0" hangingPunct="1">
+              <a:lnSpc>
+                <a:spcPct val="90000"/>
+              </a:lnSpc>
+              <a:spcBef>
+                <a:spcPts val="500"/>
+              </a:spcBef>
+              <a:buFont typeface="Arial" panose="020B0604020202020204" pitchFamily="34" charset="0"/>
+              <a:buChar char="•"/>
+              <a:defRPr sz="2000" kern="1200">
+                <a:solidFill>
+                  <a:schemeClr val="tx1"/>
+                </a:solidFill>
+                <a:latin typeface="+mn-lt"/>
+                <a:ea typeface="+mn-ea"/>
+                <a:cs typeface="+mn-cs"/>
+              </a:defRPr>
+            </a:lvl3pPr>
+            <a:lvl4pPr marL="1600200" indent="-228600" algn="l" defTabSz="914400" rtl="0" eaLnBrk="1" latinLnBrk="0" hangingPunct="1">
+              <a:lnSpc>
+                <a:spcPct val="90000"/>
+              </a:lnSpc>
+              <a:spcBef>
+                <a:spcPts val="500"/>
+              </a:spcBef>
+              <a:buFont typeface="Arial" panose="020B0604020202020204" pitchFamily="34" charset="0"/>
+              <a:buChar char="•"/>
+              <a:defRPr sz="1800" kern="1200">
+                <a:solidFill>
+                  <a:schemeClr val="tx1"/>
+                </a:solidFill>
+                <a:latin typeface="+mn-lt"/>
+                <a:ea typeface="+mn-ea"/>
+                <a:cs typeface="+mn-cs"/>
+              </a:defRPr>
+            </a:lvl4pPr>
+            <a:lvl5pPr marL="2057400" indent="-228600" algn="l" defTabSz="914400" rtl="0" eaLnBrk="1" latinLnBrk="0" hangingPunct="1">
+              <a:lnSpc>
+                <a:spcPct val="90000"/>
+              </a:lnSpc>
+              <a:spcBef>
+                <a:spcPts val="500"/>
+              </a:spcBef>
+              <a:buFont typeface="Arial" panose="020B0604020202020204" pitchFamily="34" charset="0"/>
+              <a:buChar char="•"/>
+              <a:defRPr sz="1800" kern="1200">
+                <a:solidFill>
+                  <a:schemeClr val="tx1"/>
+                </a:solidFill>
+                <a:latin typeface="+mn-lt"/>
+                <a:ea typeface="+mn-ea"/>
+                <a:cs typeface="+mn-cs"/>
+              </a:defRPr>
+            </a:lvl5pPr>
+            <a:lvl6pPr marL="2514600" indent="-228600" algn="l" defTabSz="914400" rtl="0" eaLnBrk="1" latinLnBrk="0" hangingPunct="1">
+              <a:lnSpc>
+                <a:spcPct val="90000"/>
+              </a:lnSpc>
+              <a:spcBef>
+                <a:spcPts val="500"/>
+              </a:spcBef>
+              <a:buFont typeface="Arial" panose="020B0604020202020204" pitchFamily="34" charset="0"/>
+              <a:buChar char="•"/>
+              <a:defRPr sz="1800" kern="1200">
+                <a:solidFill>
+                  <a:schemeClr val="tx1"/>
+                </a:solidFill>
+                <a:latin typeface="+mn-lt"/>
+                <a:ea typeface="+mn-ea"/>
+                <a:cs typeface="+mn-cs"/>
+              </a:defRPr>
+            </a:lvl6pPr>
+            <a:lvl7pPr marL="2971800" indent="-228600" algn="l" defTabSz="914400" rtl="0" eaLnBrk="1" latinLnBrk="0" hangingPunct="1">
+              <a:lnSpc>
+                <a:spcPct val="90000"/>
+              </a:lnSpc>
+              <a:spcBef>
+                <a:spcPts val="500"/>
+              </a:spcBef>
+              <a:buFont typeface="Arial" panose="020B0604020202020204" pitchFamily="34" charset="0"/>
+              <a:buChar char="•"/>
+              <a:defRPr sz="1800" kern="1200">
+                <a:solidFill>
+                  <a:schemeClr val="tx1"/>
+                </a:solidFill>
+                <a:latin typeface="+mn-lt"/>
+                <a:ea typeface="+mn-ea"/>
+                <a:cs typeface="+mn-cs"/>
+              </a:defRPr>
+            </a:lvl7pPr>
+            <a:lvl8pPr marL="3429000" indent="-228600" algn="l" defTabSz="914400" rtl="0" eaLnBrk="1" latinLnBrk="0" hangingPunct="1">
+              <a:lnSpc>
+                <a:spcPct val="90000"/>
+              </a:lnSpc>
+              <a:spcBef>
+                <a:spcPts val="500"/>
+              </a:spcBef>
+              <a:buFont typeface="Arial" panose="020B0604020202020204" pitchFamily="34" charset="0"/>
+              <a:buChar char="•"/>
+              <a:defRPr sz="1800" kern="1200">
+                <a:solidFill>
+                  <a:schemeClr val="tx1"/>
+                </a:solidFill>
+                <a:latin typeface="+mn-lt"/>
+                <a:ea typeface="+mn-ea"/>
+                <a:cs typeface="+mn-cs"/>
+              </a:defRPr>
+            </a:lvl8pPr>
+            <a:lvl9pPr marL="3886200" indent="-228600" algn="l" defTabSz="914400" rtl="0" eaLnBrk="1" latinLnBrk="0" hangingPunct="1">
+              <a:lnSpc>
+                <a:spcPct val="90000"/>
+              </a:lnSpc>
+              <a:spcBef>
+                <a:spcPts val="500"/>
+              </a:spcBef>
+              <a:buFont typeface="Arial" panose="020B0604020202020204" pitchFamily="34" charset="0"/>
+              <a:buChar char="•"/>
+              <a:defRPr sz="1800" kern="1200">
+                <a:solidFill>
+                  <a:schemeClr val="tx1"/>
+                </a:solidFill>
+                <a:latin typeface="+mn-lt"/>
+                <a:ea typeface="+mn-ea"/>
+                <a:cs typeface="+mn-cs"/>
+              </a:defRPr>
+            </a:lvl9pPr>
+          </a:lstStyle>
+          <a:p>
+            <a:pPr marL="0" indent="0">
+              <a:buNone/>
+            </a:pPr>
+            <a:r>
               <a:rPr lang="pt-BR" b="1">
                 <a:solidFill>
                   <a:srgbClr val="003399"/>
@@ -33148,7 +34318,7 @@
 </p:sld>
 </file>
 
-<file path=ppt/slides/slide61.xml><?xml version="1.0" encoding="utf-8"?>
+<file path=ppt/slides/slide62.xml><?xml version="1.0" encoding="utf-8"?>
 <p:sld xmlns:a="http://schemas.openxmlformats.org/drawingml/2006/main" xmlns:r="http://schemas.openxmlformats.org/officeDocument/2006/relationships" xmlns:p="http://schemas.openxmlformats.org/presentationml/2006/main">
   <p:cSld>
     <p:spTree>
@@ -33633,466 +34803,6 @@
 </p:sld>
 </file>
 
-<file path=ppt/slides/slide62.xml><?xml version="1.0" encoding="utf-8"?>
-<p:sld xmlns:a="http://schemas.openxmlformats.org/drawingml/2006/main" xmlns:r="http://schemas.openxmlformats.org/officeDocument/2006/relationships" xmlns:p="http://schemas.openxmlformats.org/presentationml/2006/main">
-  <p:cSld>
-    <p:spTree>
-      <p:nvGrpSpPr>
-        <p:cNvPr id="1" name=""/>
-        <p:cNvGrpSpPr/>
-        <p:nvPr/>
-      </p:nvGrpSpPr>
-      <p:grpSpPr>
-        <a:xfrm>
-          <a:off x="0" y="0"/>
-          <a:ext cx="0" cy="0"/>
-          <a:chOff x="0" y="0"/>
-          <a:chExt cx="0" cy="0"/>
-        </a:xfrm>
-      </p:grpSpPr>
-      <p:sp>
-        <p:nvSpPr>
-          <p:cNvPr id="3" name="Título 2">
-            <a:extLst>
-              <a:ext uri="{FF2B5EF4-FFF2-40B4-BE49-F238E27FC236}">
-                <a16:creationId xmlns:a16="http://schemas.microsoft.com/office/drawing/2014/main" id="{20AF7FCE-3277-41A8-A814-7E1CC0EC068E}"/>
-              </a:ext>
-            </a:extLst>
-          </p:cNvPr>
-          <p:cNvSpPr txBox="1">
-            <a:spLocks/>
-          </p:cNvSpPr>
-          <p:nvPr/>
-        </p:nvSpPr>
-        <p:spPr>
-          <a:xfrm>
-            <a:off x="1802167" y="0"/>
-            <a:ext cx="10389833" cy="577049"/>
-          </a:xfrm>
-          <a:prstGeom prst="rect">
-            <a:avLst/>
-          </a:prstGeom>
-          <a:solidFill>
-            <a:schemeClr val="accent6"/>
-          </a:solidFill>
-          <a:ln>
-            <a:noFill/>
-          </a:ln>
-        </p:spPr>
-        <p:style>
-          <a:lnRef idx="2">
-            <a:schemeClr val="accent5"/>
-          </a:lnRef>
-          <a:fillRef idx="1">
-            <a:schemeClr val="lt1"/>
-          </a:fillRef>
-          <a:effectRef idx="0">
-            <a:schemeClr val="accent5"/>
-          </a:effectRef>
-          <a:fontRef idx="minor">
-            <a:schemeClr val="dk1"/>
-          </a:fontRef>
-        </p:style>
-        <p:txBody>
-          <a:bodyPr vert="horz" lIns="91440" tIns="45720" rIns="91440" bIns="45720" rtlCol="0" anchor="ctr">
-            <a:noAutofit/>
-          </a:bodyPr>
-          <a:lstStyle>
-            <a:lvl1pPr algn="l" defTabSz="914400" rtl="0" eaLnBrk="1" latinLnBrk="0" hangingPunct="1">
-              <a:lnSpc>
-                <a:spcPct val="90000"/>
-              </a:lnSpc>
-              <a:spcBef>
-                <a:spcPct val="0"/>
-              </a:spcBef>
-              <a:buNone/>
-              <a:defRPr sz="4400" kern="1200">
-                <a:solidFill>
-                  <a:schemeClr val="tx1"/>
-                </a:solidFill>
-                <a:latin typeface="+mj-lt"/>
-                <a:ea typeface="+mj-ea"/>
-                <a:cs typeface="+mj-cs"/>
-              </a:defRPr>
-            </a:lvl1pPr>
-          </a:lstStyle>
-          <a:p>
-            <a:r>
-              <a:rPr lang="pt-BR" sz="2400" b="1">
-                <a:solidFill>
-                  <a:schemeClr val="bg1"/>
-                </a:solidFill>
-                <a:latin typeface="Candara" panose="020E0502030303020204" pitchFamily="34" charset="0"/>
-              </a:rPr>
-              <a:t>Exercícios</a:t>
-            </a:r>
-          </a:p>
-        </p:txBody>
-      </p:sp>
-      <p:sp>
-        <p:nvSpPr>
-          <p:cNvPr id="5" name="Subtítulo 1">
-            <a:extLst>
-              <a:ext uri="{FF2B5EF4-FFF2-40B4-BE49-F238E27FC236}">
-                <a16:creationId xmlns:a16="http://schemas.microsoft.com/office/drawing/2014/main" id="{E7527FF6-DDCF-4A57-AC2D-E7559BD1611C}"/>
-              </a:ext>
-            </a:extLst>
-          </p:cNvPr>
-          <p:cNvSpPr txBox="1">
-            <a:spLocks/>
-          </p:cNvSpPr>
-          <p:nvPr/>
-        </p:nvSpPr>
-        <p:spPr>
-          <a:xfrm>
-            <a:off x="607378" y="763480"/>
-            <a:ext cx="10977422" cy="5646198"/>
-          </a:xfrm>
-          <a:prstGeom prst="rect">
-            <a:avLst/>
-          </a:prstGeom>
-          <a:ln>
-            <a:solidFill>
-              <a:srgbClr val="D7E5F9"/>
-            </a:solidFill>
-          </a:ln>
-        </p:spPr>
-        <p:style>
-          <a:lnRef idx="2">
-            <a:schemeClr val="accent2"/>
-          </a:lnRef>
-          <a:fillRef idx="1">
-            <a:schemeClr val="lt1"/>
-          </a:fillRef>
-          <a:effectRef idx="0">
-            <a:schemeClr val="accent2"/>
-          </a:effectRef>
-          <a:fontRef idx="minor">
-            <a:schemeClr val="dk1"/>
-          </a:fontRef>
-        </p:style>
-        <p:txBody>
-          <a:bodyPr vert="horz" lIns="91440" tIns="45720" rIns="91440" bIns="45720" rtlCol="0" anchor="t">
-            <a:normAutofit/>
-          </a:bodyPr>
-          <a:lstStyle>
-            <a:lvl1pPr marL="228600" indent="-228600" algn="l" defTabSz="914400" rtl="0" eaLnBrk="1" latinLnBrk="0" hangingPunct="1">
-              <a:lnSpc>
-                <a:spcPct val="90000"/>
-              </a:lnSpc>
-              <a:spcBef>
-                <a:spcPts val="1000"/>
-              </a:spcBef>
-              <a:buFont typeface="Arial" panose="020B0604020202020204" pitchFamily="34" charset="0"/>
-              <a:buChar char="•"/>
-              <a:defRPr sz="2800" kern="1200">
-                <a:solidFill>
-                  <a:schemeClr val="tx1"/>
-                </a:solidFill>
-                <a:latin typeface="+mn-lt"/>
-                <a:ea typeface="+mn-ea"/>
-                <a:cs typeface="+mn-cs"/>
-              </a:defRPr>
-            </a:lvl1pPr>
-            <a:lvl2pPr marL="685800" indent="-228600" algn="l" defTabSz="914400" rtl="0" eaLnBrk="1" latinLnBrk="0" hangingPunct="1">
-              <a:lnSpc>
-                <a:spcPct val="90000"/>
-              </a:lnSpc>
-              <a:spcBef>
-                <a:spcPts val="500"/>
-              </a:spcBef>
-              <a:buFont typeface="Arial" panose="020B0604020202020204" pitchFamily="34" charset="0"/>
-              <a:buChar char="•"/>
-              <a:defRPr sz="2400" kern="1200">
-                <a:solidFill>
-                  <a:schemeClr val="tx1"/>
-                </a:solidFill>
-                <a:latin typeface="+mn-lt"/>
-                <a:ea typeface="+mn-ea"/>
-                <a:cs typeface="+mn-cs"/>
-              </a:defRPr>
-            </a:lvl2pPr>
-            <a:lvl3pPr marL="1143000" indent="-228600" algn="l" defTabSz="914400" rtl="0" eaLnBrk="1" latinLnBrk="0" hangingPunct="1">
-              <a:lnSpc>
-                <a:spcPct val="90000"/>
-              </a:lnSpc>
-              <a:spcBef>
-                <a:spcPts val="500"/>
-              </a:spcBef>
-              <a:buFont typeface="Arial" panose="020B0604020202020204" pitchFamily="34" charset="0"/>
-              <a:buChar char="•"/>
-              <a:defRPr sz="2000" kern="1200">
-                <a:solidFill>
-                  <a:schemeClr val="tx1"/>
-                </a:solidFill>
-                <a:latin typeface="+mn-lt"/>
-                <a:ea typeface="+mn-ea"/>
-                <a:cs typeface="+mn-cs"/>
-              </a:defRPr>
-            </a:lvl3pPr>
-            <a:lvl4pPr marL="1600200" indent="-228600" algn="l" defTabSz="914400" rtl="0" eaLnBrk="1" latinLnBrk="0" hangingPunct="1">
-              <a:lnSpc>
-                <a:spcPct val="90000"/>
-              </a:lnSpc>
-              <a:spcBef>
-                <a:spcPts val="500"/>
-              </a:spcBef>
-              <a:buFont typeface="Arial" panose="020B0604020202020204" pitchFamily="34" charset="0"/>
-              <a:buChar char="•"/>
-              <a:defRPr sz="1800" kern="1200">
-                <a:solidFill>
-                  <a:schemeClr val="tx1"/>
-                </a:solidFill>
-                <a:latin typeface="+mn-lt"/>
-                <a:ea typeface="+mn-ea"/>
-                <a:cs typeface="+mn-cs"/>
-              </a:defRPr>
-            </a:lvl4pPr>
-            <a:lvl5pPr marL="2057400" indent="-228600" algn="l" defTabSz="914400" rtl="0" eaLnBrk="1" latinLnBrk="0" hangingPunct="1">
-              <a:lnSpc>
-                <a:spcPct val="90000"/>
-              </a:lnSpc>
-              <a:spcBef>
-                <a:spcPts val="500"/>
-              </a:spcBef>
-              <a:buFont typeface="Arial" panose="020B0604020202020204" pitchFamily="34" charset="0"/>
-              <a:buChar char="•"/>
-              <a:defRPr sz="1800" kern="1200">
-                <a:solidFill>
-                  <a:schemeClr val="tx1"/>
-                </a:solidFill>
-                <a:latin typeface="+mn-lt"/>
-                <a:ea typeface="+mn-ea"/>
-                <a:cs typeface="+mn-cs"/>
-              </a:defRPr>
-            </a:lvl5pPr>
-            <a:lvl6pPr marL="2514600" indent="-228600" algn="l" defTabSz="914400" rtl="0" eaLnBrk="1" latinLnBrk="0" hangingPunct="1">
-              <a:lnSpc>
-                <a:spcPct val="90000"/>
-              </a:lnSpc>
-              <a:spcBef>
-                <a:spcPts val="500"/>
-              </a:spcBef>
-              <a:buFont typeface="Arial" panose="020B0604020202020204" pitchFamily="34" charset="0"/>
-              <a:buChar char="•"/>
-              <a:defRPr sz="1800" kern="1200">
-                <a:solidFill>
-                  <a:schemeClr val="tx1"/>
-                </a:solidFill>
-                <a:latin typeface="+mn-lt"/>
-                <a:ea typeface="+mn-ea"/>
-                <a:cs typeface="+mn-cs"/>
-              </a:defRPr>
-            </a:lvl6pPr>
-            <a:lvl7pPr marL="2971800" indent="-228600" algn="l" defTabSz="914400" rtl="0" eaLnBrk="1" latinLnBrk="0" hangingPunct="1">
-              <a:lnSpc>
-                <a:spcPct val="90000"/>
-              </a:lnSpc>
-              <a:spcBef>
-                <a:spcPts val="500"/>
-              </a:spcBef>
-              <a:buFont typeface="Arial" panose="020B0604020202020204" pitchFamily="34" charset="0"/>
-              <a:buChar char="•"/>
-              <a:defRPr sz="1800" kern="1200">
-                <a:solidFill>
-                  <a:schemeClr val="tx1"/>
-                </a:solidFill>
-                <a:latin typeface="+mn-lt"/>
-                <a:ea typeface="+mn-ea"/>
-                <a:cs typeface="+mn-cs"/>
-              </a:defRPr>
-            </a:lvl7pPr>
-            <a:lvl8pPr marL="3429000" indent="-228600" algn="l" defTabSz="914400" rtl="0" eaLnBrk="1" latinLnBrk="0" hangingPunct="1">
-              <a:lnSpc>
-                <a:spcPct val="90000"/>
-              </a:lnSpc>
-              <a:spcBef>
-                <a:spcPts val="500"/>
-              </a:spcBef>
-              <a:buFont typeface="Arial" panose="020B0604020202020204" pitchFamily="34" charset="0"/>
-              <a:buChar char="•"/>
-              <a:defRPr sz="1800" kern="1200">
-                <a:solidFill>
-                  <a:schemeClr val="tx1"/>
-                </a:solidFill>
-                <a:latin typeface="+mn-lt"/>
-                <a:ea typeface="+mn-ea"/>
-                <a:cs typeface="+mn-cs"/>
-              </a:defRPr>
-            </a:lvl8pPr>
-            <a:lvl9pPr marL="3886200" indent="-228600" algn="l" defTabSz="914400" rtl="0" eaLnBrk="1" latinLnBrk="0" hangingPunct="1">
-              <a:lnSpc>
-                <a:spcPct val="90000"/>
-              </a:lnSpc>
-              <a:spcBef>
-                <a:spcPts val="500"/>
-              </a:spcBef>
-              <a:buFont typeface="Arial" panose="020B0604020202020204" pitchFamily="34" charset="0"/>
-              <a:buChar char="•"/>
-              <a:defRPr sz="1800" kern="1200">
-                <a:solidFill>
-                  <a:schemeClr val="tx1"/>
-                </a:solidFill>
-                <a:latin typeface="+mn-lt"/>
-                <a:ea typeface="+mn-ea"/>
-                <a:cs typeface="+mn-cs"/>
-              </a:defRPr>
-            </a:lvl9pPr>
-          </a:lstStyle>
-          <a:p>
-            <a:pPr marL="0" indent="0">
-              <a:buNone/>
-            </a:pPr>
-            <a:r>
-              <a:rPr lang="pt-BR" sz="2400">
-                <a:solidFill>
-                  <a:srgbClr val="003399"/>
-                </a:solidFill>
-                <a:latin typeface="Candara" panose="020E0502030303020204" pitchFamily="34" charset="0"/>
-              </a:rPr>
-              <a:t>&gt;Solução: adicionar na linha 25 a instrução </a:t>
-            </a:r>
-            <a:r>
-              <a:rPr lang="pt-PT" sz="1800">
-                <a:solidFill>
-                  <a:srgbClr val="6A3E3E"/>
-                </a:solidFill>
-                <a:latin typeface="Consolas" panose="020B0609020204030204" pitchFamily="49" charset="0"/>
-              </a:rPr>
-              <a:t>flux</a:t>
-            </a:r>
-            <a:r>
-              <a:rPr lang="pt-PT" sz="1800">
-                <a:solidFill>
-                  <a:srgbClr val="000000"/>
-                </a:solidFill>
-                <a:latin typeface="Consolas" panose="020B0609020204030204" pitchFamily="49" charset="0"/>
-              </a:rPr>
-              <a:t>.blockLast</a:t>
-            </a:r>
-            <a:r>
-              <a:rPr lang="pt-PT" sz="1800" b="1">
-                <a:solidFill>
-                  <a:srgbClr val="000000"/>
-                </a:solidFill>
-                <a:latin typeface="Consolas" panose="020B0609020204030204" pitchFamily="49" charset="0"/>
-              </a:rPr>
-              <a:t>(); </a:t>
-            </a:r>
-            <a:endParaRPr lang="pt-BR" sz="2400">
-              <a:solidFill>
-                <a:srgbClr val="003399"/>
-              </a:solidFill>
-              <a:latin typeface="Candara" panose="020E0502030303020204" pitchFamily="34" charset="0"/>
-            </a:endParaRPr>
-          </a:p>
-        </p:txBody>
-      </p:sp>
-      <p:pic>
-        <p:nvPicPr>
-          <p:cNvPr id="7" name="Imagem 6">
-            <a:extLst>
-              <a:ext uri="{FF2B5EF4-FFF2-40B4-BE49-F238E27FC236}">
-                <a16:creationId xmlns:a16="http://schemas.microsoft.com/office/drawing/2014/main" id="{CF4C6217-0C59-499C-9920-2FD6FA424F10}"/>
-              </a:ext>
-            </a:extLst>
-          </p:cNvPr>
-          <p:cNvPicPr>
-            <a:picLocks noChangeAspect="1"/>
-          </p:cNvPicPr>
-          <p:nvPr/>
-        </p:nvPicPr>
-        <p:blipFill>
-          <a:blip r:embed="rId2"/>
-          <a:stretch>
-            <a:fillRect/>
-          </a:stretch>
-        </p:blipFill>
-        <p:spPr>
-          <a:xfrm>
-            <a:off x="835371" y="1143678"/>
-            <a:ext cx="5760000" cy="3595168"/>
-          </a:xfrm>
-          <a:prstGeom prst="rect">
-            <a:avLst/>
-          </a:prstGeom>
-          <a:ln>
-            <a:solidFill>
-              <a:schemeClr val="tx1">
-                <a:lumMod val="50000"/>
-                <a:lumOff val="50000"/>
-              </a:schemeClr>
-            </a:solidFill>
-          </a:ln>
-        </p:spPr>
-      </p:pic>
-      <p:sp>
-        <p:nvSpPr>
-          <p:cNvPr id="6" name="Seta: para a Esquerda 5">
-            <a:extLst>
-              <a:ext uri="{FF2B5EF4-FFF2-40B4-BE49-F238E27FC236}">
-                <a16:creationId xmlns:a16="http://schemas.microsoft.com/office/drawing/2014/main" id="{70EFB692-CD12-42C2-B7D5-367FC2A12419}"/>
-              </a:ext>
-            </a:extLst>
-          </p:cNvPr>
-          <p:cNvSpPr/>
-          <p:nvPr/>
-        </p:nvSpPr>
-        <p:spPr>
-          <a:xfrm rot="10800000">
-            <a:off x="731488" y="3284058"/>
-            <a:ext cx="1145957" cy="540000"/>
-          </a:xfrm>
-          <a:prstGeom prst="leftArrow">
-            <a:avLst/>
-          </a:prstGeom>
-          <a:noFill/>
-          <a:ln w="38100">
-            <a:solidFill>
-              <a:schemeClr val="accent6">
-                <a:lumMod val="50000"/>
-              </a:schemeClr>
-            </a:solidFill>
-          </a:ln>
-        </p:spPr>
-        <p:style>
-          <a:lnRef idx="2">
-            <a:schemeClr val="accent5">
-              <a:shade val="50000"/>
-            </a:schemeClr>
-          </a:lnRef>
-          <a:fillRef idx="1">
-            <a:schemeClr val="accent5"/>
-          </a:fillRef>
-          <a:effectRef idx="0">
-            <a:schemeClr val="accent5"/>
-          </a:effectRef>
-          <a:fontRef idx="minor">
-            <a:schemeClr val="lt1"/>
-          </a:fontRef>
-        </p:style>
-        <p:txBody>
-          <a:bodyPr rtlCol="0" anchor="ctr"/>
-          <a:lstStyle/>
-          <a:p>
-            <a:pPr algn="ctr"/>
-            <a:endParaRPr lang="pt-PT"/>
-          </a:p>
-        </p:txBody>
-      </p:sp>
-    </p:spTree>
-    <p:extLst>
-      <p:ext uri="{BB962C8B-B14F-4D97-AF65-F5344CB8AC3E}">
-        <p14:creationId xmlns:p14="http://schemas.microsoft.com/office/powerpoint/2010/main" val="1681999390"/>
-      </p:ext>
-    </p:extLst>
-  </p:cSld>
-  <p:clrMapOvr>
-    <a:masterClrMapping/>
-  </p:clrMapOvr>
-</p:sld>
-</file>
-
 <file path=ppt/slides/slide63.xml><?xml version="1.0" encoding="utf-8"?>
 <p:sld xmlns:a="http://schemas.openxmlformats.org/drawingml/2006/main" xmlns:r="http://schemas.openxmlformats.org/officeDocument/2006/relationships" xmlns:p="http://schemas.openxmlformats.org/presentationml/2006/main">
   <p:cSld>
@@ -34404,27 +35114,473 @@
               <a:buNone/>
             </a:pPr>
             <a:r>
-              <a:rPr lang="pt-BR" b="1" i="1">
+              <a:rPr lang="pt-BR" sz="2400">
                 <a:solidFill>
                   <a:srgbClr val="003399"/>
                 </a:solidFill>
                 <a:latin typeface="Candara" panose="020E0502030303020204" pitchFamily="34" charset="0"/>
               </a:rPr>
-              <a:t>Exercício Desafio (somente para os feras): </a:t>
-            </a:r>
-          </a:p>
+              <a:t>&gt;Solução: adicionar na linha 25 a instrução </a:t>
+            </a:r>
+            <a:r>
+              <a:rPr lang="pt-PT" sz="1800">
+                <a:solidFill>
+                  <a:srgbClr val="6A3E3E"/>
+                </a:solidFill>
+                <a:latin typeface="Consolas" panose="020B0609020204030204" pitchFamily="49" charset="0"/>
+              </a:rPr>
+              <a:t>flux</a:t>
+            </a:r>
+            <a:r>
+              <a:rPr lang="pt-PT" sz="1800">
+                <a:solidFill>
+                  <a:srgbClr val="000000"/>
+                </a:solidFill>
+                <a:latin typeface="Consolas" panose="020B0609020204030204" pitchFamily="49" charset="0"/>
+              </a:rPr>
+              <a:t>.blockLast</a:t>
+            </a:r>
+            <a:r>
+              <a:rPr lang="pt-PT" sz="1800" b="1">
+                <a:solidFill>
+                  <a:srgbClr val="000000"/>
+                </a:solidFill>
+                <a:latin typeface="Consolas" panose="020B0609020204030204" pitchFamily="49" charset="0"/>
+              </a:rPr>
+              <a:t>(); </a:t>
+            </a:r>
+            <a:endParaRPr lang="pt-BR" sz="2400">
+              <a:solidFill>
+                <a:srgbClr val="003399"/>
+              </a:solidFill>
+              <a:latin typeface="Candara" panose="020E0502030303020204" pitchFamily="34" charset="0"/>
+            </a:endParaRPr>
+          </a:p>
+        </p:txBody>
+      </p:sp>
+      <p:pic>
+        <p:nvPicPr>
+          <p:cNvPr id="7" name="Imagem 6">
+            <a:extLst>
+              <a:ext uri="{FF2B5EF4-FFF2-40B4-BE49-F238E27FC236}">
+                <a16:creationId xmlns:a16="http://schemas.microsoft.com/office/drawing/2014/main" id="{CF4C6217-0C59-499C-9920-2FD6FA424F10}"/>
+              </a:ext>
+            </a:extLst>
+          </p:cNvPr>
+          <p:cNvPicPr>
+            <a:picLocks noChangeAspect="1"/>
+          </p:cNvPicPr>
+          <p:nvPr/>
+        </p:nvPicPr>
+        <p:blipFill>
+          <a:blip r:embed="rId2"/>
+          <a:stretch>
+            <a:fillRect/>
+          </a:stretch>
+        </p:blipFill>
+        <p:spPr>
+          <a:xfrm>
+            <a:off x="870883" y="1321232"/>
+            <a:ext cx="5760000" cy="3595168"/>
+          </a:xfrm>
+          <a:prstGeom prst="rect">
+            <a:avLst/>
+          </a:prstGeom>
+          <a:ln>
+            <a:solidFill>
+              <a:schemeClr val="tx1">
+                <a:lumMod val="50000"/>
+                <a:lumOff val="50000"/>
+              </a:schemeClr>
+            </a:solidFill>
+          </a:ln>
+        </p:spPr>
+      </p:pic>
+      <p:sp>
+        <p:nvSpPr>
+          <p:cNvPr id="6" name="Seta: para a Esquerda 5">
+            <a:extLst>
+              <a:ext uri="{FF2B5EF4-FFF2-40B4-BE49-F238E27FC236}">
+                <a16:creationId xmlns:a16="http://schemas.microsoft.com/office/drawing/2014/main" id="{70EFB692-CD12-42C2-B7D5-367FC2A12419}"/>
+              </a:ext>
+            </a:extLst>
+          </p:cNvPr>
+          <p:cNvSpPr/>
+          <p:nvPr/>
+        </p:nvSpPr>
+        <p:spPr>
+          <a:xfrm rot="10800000">
+            <a:off x="767000" y="3461612"/>
+            <a:ext cx="1145957" cy="540000"/>
+          </a:xfrm>
+          <a:prstGeom prst="leftArrow">
+            <a:avLst/>
+          </a:prstGeom>
+          <a:noFill/>
+          <a:ln w="38100">
+            <a:solidFill>
+              <a:schemeClr val="accent6">
+                <a:lumMod val="50000"/>
+              </a:schemeClr>
+            </a:solidFill>
+          </a:ln>
+        </p:spPr>
+        <p:style>
+          <a:lnRef idx="2">
+            <a:schemeClr val="accent5">
+              <a:shade val="50000"/>
+            </a:schemeClr>
+          </a:lnRef>
+          <a:fillRef idx="1">
+            <a:schemeClr val="accent5"/>
+          </a:fillRef>
+          <a:effectRef idx="0">
+            <a:schemeClr val="accent5"/>
+          </a:effectRef>
+          <a:fontRef idx="minor">
+            <a:schemeClr val="lt1"/>
+          </a:fontRef>
+        </p:style>
+        <p:txBody>
+          <a:bodyPr rtlCol="0" anchor="ctr"/>
+          <a:lstStyle/>
+          <a:p>
+            <a:pPr algn="ctr"/>
+            <a:endParaRPr lang="pt-PT"/>
+          </a:p>
+        </p:txBody>
+      </p:sp>
+    </p:spTree>
+    <p:extLst>
+      <p:ext uri="{BB962C8B-B14F-4D97-AF65-F5344CB8AC3E}">
+        <p14:creationId xmlns:p14="http://schemas.microsoft.com/office/powerpoint/2010/main" val="1681999390"/>
+      </p:ext>
+    </p:extLst>
+  </p:cSld>
+  <p:clrMapOvr>
+    <a:masterClrMapping/>
+  </p:clrMapOvr>
+</p:sld>
+</file>
+
+<file path=ppt/slides/slide64.xml><?xml version="1.0" encoding="utf-8"?>
+<p:sld xmlns:a="http://schemas.openxmlformats.org/drawingml/2006/main" xmlns:r="http://schemas.openxmlformats.org/officeDocument/2006/relationships" xmlns:p="http://schemas.openxmlformats.org/presentationml/2006/main">
+  <p:cSld>
+    <p:spTree>
+      <p:nvGrpSpPr>
+        <p:cNvPr id="1" name=""/>
+        <p:cNvGrpSpPr/>
+        <p:nvPr/>
+      </p:nvGrpSpPr>
+      <p:grpSpPr>
+        <a:xfrm>
+          <a:off x="0" y="0"/>
+          <a:ext cx="0" cy="0"/>
+          <a:chOff x="0" y="0"/>
+          <a:chExt cx="0" cy="0"/>
+        </a:xfrm>
+      </p:grpSpPr>
+      <p:sp>
+        <p:nvSpPr>
+          <p:cNvPr id="3" name="Título 2">
+            <a:extLst>
+              <a:ext uri="{FF2B5EF4-FFF2-40B4-BE49-F238E27FC236}">
+                <a16:creationId xmlns:a16="http://schemas.microsoft.com/office/drawing/2014/main" id="{20AF7FCE-3277-41A8-A814-7E1CC0EC068E}"/>
+              </a:ext>
+            </a:extLst>
+          </p:cNvPr>
+          <p:cNvSpPr txBox="1">
+            <a:spLocks/>
+          </p:cNvSpPr>
+          <p:nvPr/>
+        </p:nvSpPr>
+        <p:spPr>
+          <a:xfrm>
+            <a:off x="1802167" y="0"/>
+            <a:ext cx="10389833" cy="577049"/>
+          </a:xfrm>
+          <a:prstGeom prst="rect">
+            <a:avLst/>
+          </a:prstGeom>
+          <a:solidFill>
+            <a:schemeClr val="accent6"/>
+          </a:solidFill>
+          <a:ln>
+            <a:noFill/>
+          </a:ln>
+        </p:spPr>
+        <p:style>
+          <a:lnRef idx="2">
+            <a:schemeClr val="accent5"/>
+          </a:lnRef>
+          <a:fillRef idx="1">
+            <a:schemeClr val="lt1"/>
+          </a:fillRef>
+          <a:effectRef idx="0">
+            <a:schemeClr val="accent5"/>
+          </a:effectRef>
+          <a:fontRef idx="minor">
+            <a:schemeClr val="dk1"/>
+          </a:fontRef>
+        </p:style>
+        <p:txBody>
+          <a:bodyPr vert="horz" lIns="91440" tIns="45720" rIns="91440" bIns="45720" rtlCol="0" anchor="ctr">
+            <a:noAutofit/>
+          </a:bodyPr>
+          <a:lstStyle>
+            <a:lvl1pPr algn="l" defTabSz="914400" rtl="0" eaLnBrk="1" latinLnBrk="0" hangingPunct="1">
+              <a:lnSpc>
+                <a:spcPct val="90000"/>
+              </a:lnSpc>
+              <a:spcBef>
+                <a:spcPct val="0"/>
+              </a:spcBef>
+              <a:buNone/>
+              <a:defRPr sz="4400" kern="1200">
+                <a:solidFill>
+                  <a:schemeClr val="tx1"/>
+                </a:solidFill>
+                <a:latin typeface="+mj-lt"/>
+                <a:ea typeface="+mj-ea"/>
+                <a:cs typeface="+mj-cs"/>
+              </a:defRPr>
+            </a:lvl1pPr>
+          </a:lstStyle>
+          <a:p>
+            <a:r>
+              <a:rPr lang="pt-BR" sz="2400" b="1">
+                <a:solidFill>
+                  <a:schemeClr val="bg1"/>
+                </a:solidFill>
+                <a:latin typeface="Candara" panose="020E0502030303020204" pitchFamily="34" charset="0"/>
+              </a:rPr>
+              <a:t>Exercícios</a:t>
+            </a:r>
+          </a:p>
+        </p:txBody>
+      </p:sp>
+      <p:sp>
+        <p:nvSpPr>
+          <p:cNvPr id="5" name="Subtítulo 1">
+            <a:extLst>
+              <a:ext uri="{FF2B5EF4-FFF2-40B4-BE49-F238E27FC236}">
+                <a16:creationId xmlns:a16="http://schemas.microsoft.com/office/drawing/2014/main" id="{E7527FF6-DDCF-4A57-AC2D-E7559BD1611C}"/>
+              </a:ext>
+            </a:extLst>
+          </p:cNvPr>
+          <p:cNvSpPr txBox="1">
+            <a:spLocks/>
+          </p:cNvSpPr>
+          <p:nvPr/>
+        </p:nvSpPr>
+        <p:spPr>
+          <a:xfrm>
+            <a:off x="607378" y="763480"/>
+            <a:ext cx="10977422" cy="5646198"/>
+          </a:xfrm>
+          <a:prstGeom prst="rect">
+            <a:avLst/>
+          </a:prstGeom>
+          <a:ln>
+            <a:solidFill>
+              <a:srgbClr val="D7E5F9"/>
+            </a:solidFill>
+          </a:ln>
+        </p:spPr>
+        <p:style>
+          <a:lnRef idx="2">
+            <a:schemeClr val="accent2"/>
+          </a:lnRef>
+          <a:fillRef idx="1">
+            <a:schemeClr val="lt1"/>
+          </a:fillRef>
+          <a:effectRef idx="0">
+            <a:schemeClr val="accent2"/>
+          </a:effectRef>
+          <a:fontRef idx="minor">
+            <a:schemeClr val="dk1"/>
+          </a:fontRef>
+        </p:style>
+        <p:txBody>
+          <a:bodyPr vert="horz" lIns="91440" tIns="45720" rIns="91440" bIns="45720" rtlCol="0" anchor="t">
+            <a:normAutofit/>
+          </a:bodyPr>
+          <a:lstStyle>
+            <a:lvl1pPr marL="228600" indent="-228600" algn="l" defTabSz="914400" rtl="0" eaLnBrk="1" latinLnBrk="0" hangingPunct="1">
+              <a:lnSpc>
+                <a:spcPct val="90000"/>
+              </a:lnSpc>
+              <a:spcBef>
+                <a:spcPts val="1000"/>
+              </a:spcBef>
+              <a:buFont typeface="Arial" panose="020B0604020202020204" pitchFamily="34" charset="0"/>
+              <a:buChar char="•"/>
+              <a:defRPr sz="2800" kern="1200">
+                <a:solidFill>
+                  <a:schemeClr val="tx1"/>
+                </a:solidFill>
+                <a:latin typeface="+mn-lt"/>
+                <a:ea typeface="+mn-ea"/>
+                <a:cs typeface="+mn-cs"/>
+              </a:defRPr>
+            </a:lvl1pPr>
+            <a:lvl2pPr marL="685800" indent="-228600" algn="l" defTabSz="914400" rtl="0" eaLnBrk="1" latinLnBrk="0" hangingPunct="1">
+              <a:lnSpc>
+                <a:spcPct val="90000"/>
+              </a:lnSpc>
+              <a:spcBef>
+                <a:spcPts val="500"/>
+              </a:spcBef>
+              <a:buFont typeface="Arial" panose="020B0604020202020204" pitchFamily="34" charset="0"/>
+              <a:buChar char="•"/>
+              <a:defRPr sz="2400" kern="1200">
+                <a:solidFill>
+                  <a:schemeClr val="tx1"/>
+                </a:solidFill>
+                <a:latin typeface="+mn-lt"/>
+                <a:ea typeface="+mn-ea"/>
+                <a:cs typeface="+mn-cs"/>
+              </a:defRPr>
+            </a:lvl2pPr>
+            <a:lvl3pPr marL="1143000" indent="-228600" algn="l" defTabSz="914400" rtl="0" eaLnBrk="1" latinLnBrk="0" hangingPunct="1">
+              <a:lnSpc>
+                <a:spcPct val="90000"/>
+              </a:lnSpc>
+              <a:spcBef>
+                <a:spcPts val="500"/>
+              </a:spcBef>
+              <a:buFont typeface="Arial" panose="020B0604020202020204" pitchFamily="34" charset="0"/>
+              <a:buChar char="•"/>
+              <a:defRPr sz="2000" kern="1200">
+                <a:solidFill>
+                  <a:schemeClr val="tx1"/>
+                </a:solidFill>
+                <a:latin typeface="+mn-lt"/>
+                <a:ea typeface="+mn-ea"/>
+                <a:cs typeface="+mn-cs"/>
+              </a:defRPr>
+            </a:lvl3pPr>
+            <a:lvl4pPr marL="1600200" indent="-228600" algn="l" defTabSz="914400" rtl="0" eaLnBrk="1" latinLnBrk="0" hangingPunct="1">
+              <a:lnSpc>
+                <a:spcPct val="90000"/>
+              </a:lnSpc>
+              <a:spcBef>
+                <a:spcPts val="500"/>
+              </a:spcBef>
+              <a:buFont typeface="Arial" panose="020B0604020202020204" pitchFamily="34" charset="0"/>
+              <a:buChar char="•"/>
+              <a:defRPr sz="1800" kern="1200">
+                <a:solidFill>
+                  <a:schemeClr val="tx1"/>
+                </a:solidFill>
+                <a:latin typeface="+mn-lt"/>
+                <a:ea typeface="+mn-ea"/>
+                <a:cs typeface="+mn-cs"/>
+              </a:defRPr>
+            </a:lvl4pPr>
+            <a:lvl5pPr marL="2057400" indent="-228600" algn="l" defTabSz="914400" rtl="0" eaLnBrk="1" latinLnBrk="0" hangingPunct="1">
+              <a:lnSpc>
+                <a:spcPct val="90000"/>
+              </a:lnSpc>
+              <a:spcBef>
+                <a:spcPts val="500"/>
+              </a:spcBef>
+              <a:buFont typeface="Arial" panose="020B0604020202020204" pitchFamily="34" charset="0"/>
+              <a:buChar char="•"/>
+              <a:defRPr sz="1800" kern="1200">
+                <a:solidFill>
+                  <a:schemeClr val="tx1"/>
+                </a:solidFill>
+                <a:latin typeface="+mn-lt"/>
+                <a:ea typeface="+mn-ea"/>
+                <a:cs typeface="+mn-cs"/>
+              </a:defRPr>
+            </a:lvl5pPr>
+            <a:lvl6pPr marL="2514600" indent="-228600" algn="l" defTabSz="914400" rtl="0" eaLnBrk="1" latinLnBrk="0" hangingPunct="1">
+              <a:lnSpc>
+                <a:spcPct val="90000"/>
+              </a:lnSpc>
+              <a:spcBef>
+                <a:spcPts val="500"/>
+              </a:spcBef>
+              <a:buFont typeface="Arial" panose="020B0604020202020204" pitchFamily="34" charset="0"/>
+              <a:buChar char="•"/>
+              <a:defRPr sz="1800" kern="1200">
+                <a:solidFill>
+                  <a:schemeClr val="tx1"/>
+                </a:solidFill>
+                <a:latin typeface="+mn-lt"/>
+                <a:ea typeface="+mn-ea"/>
+                <a:cs typeface="+mn-cs"/>
+              </a:defRPr>
+            </a:lvl6pPr>
+            <a:lvl7pPr marL="2971800" indent="-228600" algn="l" defTabSz="914400" rtl="0" eaLnBrk="1" latinLnBrk="0" hangingPunct="1">
+              <a:lnSpc>
+                <a:spcPct val="90000"/>
+              </a:lnSpc>
+              <a:spcBef>
+                <a:spcPts val="500"/>
+              </a:spcBef>
+              <a:buFont typeface="Arial" panose="020B0604020202020204" pitchFamily="34" charset="0"/>
+              <a:buChar char="•"/>
+              <a:defRPr sz="1800" kern="1200">
+                <a:solidFill>
+                  <a:schemeClr val="tx1"/>
+                </a:solidFill>
+                <a:latin typeface="+mn-lt"/>
+                <a:ea typeface="+mn-ea"/>
+                <a:cs typeface="+mn-cs"/>
+              </a:defRPr>
+            </a:lvl7pPr>
+            <a:lvl8pPr marL="3429000" indent="-228600" algn="l" defTabSz="914400" rtl="0" eaLnBrk="1" latinLnBrk="0" hangingPunct="1">
+              <a:lnSpc>
+                <a:spcPct val="90000"/>
+              </a:lnSpc>
+              <a:spcBef>
+                <a:spcPts val="500"/>
+              </a:spcBef>
+              <a:buFont typeface="Arial" panose="020B0604020202020204" pitchFamily="34" charset="0"/>
+              <a:buChar char="•"/>
+              <a:defRPr sz="1800" kern="1200">
+                <a:solidFill>
+                  <a:schemeClr val="tx1"/>
+                </a:solidFill>
+                <a:latin typeface="+mn-lt"/>
+                <a:ea typeface="+mn-ea"/>
+                <a:cs typeface="+mn-cs"/>
+              </a:defRPr>
+            </a:lvl8pPr>
+            <a:lvl9pPr marL="3886200" indent="-228600" algn="l" defTabSz="914400" rtl="0" eaLnBrk="1" latinLnBrk="0" hangingPunct="1">
+              <a:lnSpc>
+                <a:spcPct val="90000"/>
+              </a:lnSpc>
+              <a:spcBef>
+                <a:spcPts val="500"/>
+              </a:spcBef>
+              <a:buFont typeface="Arial" panose="020B0604020202020204" pitchFamily="34" charset="0"/>
+              <a:buChar char="•"/>
+              <a:defRPr sz="1800" kern="1200">
+                <a:solidFill>
+                  <a:schemeClr val="tx1"/>
+                </a:solidFill>
+                <a:latin typeface="+mn-lt"/>
+                <a:ea typeface="+mn-ea"/>
+                <a:cs typeface="+mn-cs"/>
+              </a:defRPr>
+            </a:lvl9pPr>
+          </a:lstStyle>
           <a:p>
             <a:pPr marL="0" indent="0">
               <a:buNone/>
             </a:pPr>
             <a:r>
-              <a:rPr lang="pt-BR">
+              <a:rPr lang="pt-BR" b="1" i="1" dirty="0">
                 <a:solidFill>
                   <a:srgbClr val="003399"/>
                 </a:solidFill>
                 <a:latin typeface="Candara" panose="020E0502030303020204" pitchFamily="34" charset="0"/>
               </a:rPr>
-              <a:t>Invoque todas as operações da API de maneira consistente:</a:t>
+              <a:t>Exercício Desafio: </a:t>
             </a:r>
           </a:p>
           <a:p>
@@ -34432,13 +35588,13 @@
               <a:buNone/>
             </a:pPr>
             <a:r>
-              <a:rPr lang="pt-BR">
+              <a:rPr lang="pt-BR" dirty="0">
                 <a:solidFill>
                   <a:srgbClr val="003399"/>
                 </a:solidFill>
                 <a:latin typeface="Candara" panose="020E0502030303020204" pitchFamily="34" charset="0"/>
               </a:rPr>
-              <a:t>1)Buscar todos os cursos</a:t>
+              <a:t>Invoque todas as operações da API de maneira consistente:</a:t>
             </a:r>
           </a:p>
           <a:p>
@@ -34446,13 +35602,13 @@
               <a:buNone/>
             </a:pPr>
             <a:r>
-              <a:rPr lang="pt-BR">
+              <a:rPr lang="pt-BR" dirty="0">
                 <a:solidFill>
                   <a:srgbClr val="003399"/>
                 </a:solidFill>
                 <a:latin typeface="Candara" panose="020E0502030303020204" pitchFamily="34" charset="0"/>
               </a:rPr>
-              <a:t>2)Inserir um curso</a:t>
+              <a:t>1)Buscar todos os cursos</a:t>
             </a:r>
           </a:p>
           <a:p>
@@ -34460,13 +35616,13 @@
               <a:buNone/>
             </a:pPr>
             <a:r>
-              <a:rPr lang="pt-BR">
+              <a:rPr lang="pt-BR" dirty="0">
                 <a:solidFill>
                   <a:srgbClr val="003399"/>
                 </a:solidFill>
                 <a:latin typeface="Candara" panose="020E0502030303020204" pitchFamily="34" charset="0"/>
               </a:rPr>
-              <a:t>3)Conferir se realmente foi inserido</a:t>
+              <a:t>2)Inserir um curso</a:t>
             </a:r>
           </a:p>
           <a:p>
@@ -34474,13 +35630,13 @@
               <a:buNone/>
             </a:pPr>
             <a:r>
-              <a:rPr lang="pt-BR">
+              <a:rPr lang="pt-BR" dirty="0">
                 <a:solidFill>
                   <a:srgbClr val="003399"/>
                 </a:solidFill>
                 <a:latin typeface="Candara" panose="020E0502030303020204" pitchFamily="34" charset="0"/>
               </a:rPr>
-              <a:t>4)Atualiza um curso</a:t>
+              <a:t>3)Conferir se realmente foi inserido</a:t>
             </a:r>
           </a:p>
           <a:p>
@@ -34488,13 +35644,13 @@
               <a:buNone/>
             </a:pPr>
             <a:r>
-              <a:rPr lang="pt-BR">
+              <a:rPr lang="pt-BR" dirty="0">
                 <a:solidFill>
                   <a:srgbClr val="003399"/>
                 </a:solidFill>
                 <a:latin typeface="Candara" panose="020E0502030303020204" pitchFamily="34" charset="0"/>
               </a:rPr>
-              <a:t>5)Assegurar que foi atualizado</a:t>
+              <a:t>4)Atualizar um curso</a:t>
             </a:r>
           </a:p>
           <a:p>
@@ -34502,13 +35658,13 @@
               <a:buNone/>
             </a:pPr>
             <a:r>
-              <a:rPr lang="pt-BR">
+              <a:rPr lang="pt-BR" dirty="0">
                 <a:solidFill>
                   <a:srgbClr val="003399"/>
                 </a:solidFill>
                 <a:latin typeface="Candara" panose="020E0502030303020204" pitchFamily="34" charset="0"/>
               </a:rPr>
-              <a:t>6)Remover um curso</a:t>
+              <a:t>5)Assegurar que foi atualizado</a:t>
             </a:r>
           </a:p>
           <a:p>
@@ -34516,7 +35672,21 @@
               <a:buNone/>
             </a:pPr>
             <a:r>
-              <a:rPr lang="pt-BR">
+              <a:rPr lang="pt-BR" dirty="0">
+                <a:solidFill>
+                  <a:srgbClr val="003399"/>
+                </a:solidFill>
+                <a:latin typeface="Candara" panose="020E0502030303020204" pitchFamily="34" charset="0"/>
+              </a:rPr>
+              <a:t>6)Remover um curso</a:t>
+            </a:r>
+          </a:p>
+          <a:p>
+            <a:pPr marL="0" indent="0">
+              <a:buNone/>
+            </a:pPr>
+            <a:r>
+              <a:rPr lang="pt-BR" dirty="0">
                 <a:solidFill>
                   <a:srgbClr val="003399"/>
                 </a:solidFill>
@@ -34540,7 +35710,7 @@
 </p:sld>
 </file>
 
-<file path=ppt/slides/slide64.xml><?xml version="1.0" encoding="utf-8"?>
+<file path=ppt/slides/slide65.xml><?xml version="1.0" encoding="utf-8"?>
 <p:sld xmlns:a="http://schemas.openxmlformats.org/drawingml/2006/main" xmlns:r="http://schemas.openxmlformats.org/officeDocument/2006/relationships" xmlns:p="http://schemas.openxmlformats.org/presentationml/2006/main">
   <p:cSld>
     <p:spTree>
@@ -34879,7 +36049,7 @@
 </p:sld>
 </file>
 
-<file path=ppt/slides/slide65.xml><?xml version="1.0" encoding="utf-8"?>
+<file path=ppt/slides/slide66.xml><?xml version="1.0" encoding="utf-8"?>
 <p:sld xmlns:a="http://schemas.openxmlformats.org/drawingml/2006/main" xmlns:r="http://schemas.openxmlformats.org/officeDocument/2006/relationships" xmlns:p="http://schemas.openxmlformats.org/presentationml/2006/main">
   <p:cSld>
     <p:spTree>
@@ -35139,7 +36309,7 @@
 </p:sld>
 </file>
 
-<file path=ppt/slides/slide66.xml><?xml version="1.0" encoding="utf-8"?>
+<file path=ppt/slides/slide67.xml><?xml version="1.0" encoding="utf-8"?>
 <p:sld xmlns:a="http://schemas.openxmlformats.org/drawingml/2006/main" xmlns:r="http://schemas.openxmlformats.org/officeDocument/2006/relationships" xmlns:p="http://schemas.openxmlformats.org/presentationml/2006/main" show="0">
   <p:cSld>
     <p:spTree>
@@ -35518,7 +36688,7 @@
 </p:sld>
 </file>
 
-<file path=ppt/slides/slide67.xml><?xml version="1.0" encoding="utf-8"?>
+<file path=ppt/slides/slide68.xml><?xml version="1.0" encoding="utf-8"?>
 <p:sld xmlns:a="http://schemas.openxmlformats.org/drawingml/2006/main" xmlns:r="http://schemas.openxmlformats.org/officeDocument/2006/relationships" xmlns:p="http://schemas.openxmlformats.org/presentationml/2006/main" show="0">
   <p:cSld>
     <p:spTree>
@@ -35978,7 +37148,7 @@
         </p:nvSpPr>
         <p:spPr>
           <a:xfrm>
-            <a:off x="120316" y="2683731"/>
+            <a:off x="78112" y="2528983"/>
             <a:ext cx="1119080" cy="2880000"/>
           </a:xfrm>
           <a:prstGeom prst="cube">
@@ -37775,10 +38945,10 @@
       </p:sp>
       <p:sp>
         <p:nvSpPr>
-          <p:cNvPr id="16" name="Cubo 15">
+          <p:cNvPr id="17" name="Cubo 15">
             <a:extLst>
               <a:ext uri="{FF2B5EF4-FFF2-40B4-BE49-F238E27FC236}">
-                <a16:creationId xmlns:a16="http://schemas.microsoft.com/office/drawing/2014/main" id="{7DC0E45E-358C-4B3F-BDE4-410F4B6F26D2}"/>
+                <a16:creationId xmlns:a16="http://schemas.microsoft.com/office/drawing/2014/main" id="{4CBF9E2B-B51E-4C91-ADDB-4AA470877386}"/>
               </a:ext>
             </a:extLst>
           </p:cNvPr>
@@ -37787,7 +38957,7 @@
         </p:nvSpPr>
         <p:spPr>
           <a:xfrm>
-            <a:off x="120316" y="2683731"/>
+            <a:off x="78112" y="2528983"/>
             <a:ext cx="1119080" cy="2880000"/>
           </a:xfrm>
           <a:prstGeom prst="cube">
@@ -37953,82 +39123,6 @@
               </a:rPr>
               <a:t>HTTP -&gt; Method</a:t>
             </a:r>
-          </a:p>
-        </p:txBody>
-      </p:sp>
-      <p:sp>
-        <p:nvSpPr>
-          <p:cNvPr id="16" name="Cubo 15">
-            <a:extLst>
-              <a:ext uri="{FF2B5EF4-FFF2-40B4-BE49-F238E27FC236}">
-                <a16:creationId xmlns:a16="http://schemas.microsoft.com/office/drawing/2014/main" id="{7DC0E45E-358C-4B3F-BDE4-410F4B6F26D2}"/>
-              </a:ext>
-            </a:extLst>
-          </p:cNvPr>
-          <p:cNvSpPr/>
-          <p:nvPr/>
-        </p:nvSpPr>
-        <p:spPr>
-          <a:xfrm>
-            <a:off x="120316" y="2683731"/>
-            <a:ext cx="1119080" cy="2880000"/>
-          </a:xfrm>
-          <a:prstGeom prst="cube">
-            <a:avLst>
-              <a:gd name="adj" fmla="val 17369"/>
-            </a:avLst>
-          </a:prstGeom>
-          <a:solidFill>
-            <a:schemeClr val="accent1">
-              <a:lumMod val="75000"/>
-            </a:schemeClr>
-          </a:solidFill>
-          <a:ln w="38100" cap="rnd">
-            <a:noFill/>
-          </a:ln>
-          <a:effectLst/>
-        </p:spPr>
-        <p:style>
-          <a:lnRef idx="2">
-            <a:schemeClr val="accent1">
-              <a:shade val="50000"/>
-            </a:schemeClr>
-          </a:lnRef>
-          <a:fillRef idx="1">
-            <a:schemeClr val="accent1"/>
-          </a:fillRef>
-          <a:effectRef idx="0">
-            <a:schemeClr val="accent1"/>
-          </a:effectRef>
-          <a:fontRef idx="minor">
-            <a:schemeClr val="lt1"/>
-          </a:fontRef>
-        </p:style>
-        <p:txBody>
-          <a:bodyPr rot="0" spcFirstLastPara="0" vertOverflow="overflow" horzOverflow="overflow" vert="vert270" wrap="square" lIns="91440" tIns="45720" rIns="91440" bIns="45720" numCol="1" spcCol="0" rtlCol="0" fromWordArt="0" anchor="ctr" anchorCtr="0" forceAA="0" compatLnSpc="1">
-            <a:prstTxWarp prst="textNoShape">
-              <a:avLst/>
-            </a:prstTxWarp>
-            <a:noAutofit/>
-          </a:bodyPr>
-          <a:lstStyle/>
-          <a:p>
-            <a:pPr algn="ctr"/>
-            <a:r>
-              <a:rPr lang="pt-BR" sz="2400" b="1">
-                <a:solidFill>
-                  <a:schemeClr val="bg1"/>
-                </a:solidFill>
-                <a:latin typeface="Calibri" panose="020F0502020204030204" pitchFamily="34" charset="0"/>
-              </a:rPr>
-              <a:t>Method</a:t>
-            </a:r>
-            <a:endParaRPr lang="pt-BR" sz="2400" b="1" dirty="0">
-              <a:solidFill>
-                <a:schemeClr val="bg1"/>
-              </a:solidFill>
-              <a:latin typeface="Calibri" panose="020F0502020204030204" pitchFamily="34" charset="0"/>
-            </a:endParaRPr>
           </a:p>
         </p:txBody>
       </p:sp>
@@ -38362,6 +39456,82 @@
           </a:graphicData>
         </a:graphic>
       </p:graphicFrame>
+      <p:sp>
+        <p:nvSpPr>
+          <p:cNvPr id="5" name="Cubo 15">
+            <a:extLst>
+              <a:ext uri="{FF2B5EF4-FFF2-40B4-BE49-F238E27FC236}">
+                <a16:creationId xmlns:a16="http://schemas.microsoft.com/office/drawing/2014/main" id="{7693EF3E-59E1-400A-8C3F-508EE1B197F1}"/>
+              </a:ext>
+            </a:extLst>
+          </p:cNvPr>
+          <p:cNvSpPr/>
+          <p:nvPr/>
+        </p:nvSpPr>
+        <p:spPr>
+          <a:xfrm>
+            <a:off x="78112" y="2528983"/>
+            <a:ext cx="1119080" cy="2880000"/>
+          </a:xfrm>
+          <a:prstGeom prst="cube">
+            <a:avLst>
+              <a:gd name="adj" fmla="val 17369"/>
+            </a:avLst>
+          </a:prstGeom>
+          <a:solidFill>
+            <a:schemeClr val="accent1">
+              <a:lumMod val="75000"/>
+            </a:schemeClr>
+          </a:solidFill>
+          <a:ln w="38100" cap="rnd">
+            <a:noFill/>
+          </a:ln>
+          <a:effectLst/>
+        </p:spPr>
+        <p:style>
+          <a:lnRef idx="2">
+            <a:schemeClr val="accent1">
+              <a:shade val="50000"/>
+            </a:schemeClr>
+          </a:lnRef>
+          <a:fillRef idx="1">
+            <a:schemeClr val="accent1"/>
+          </a:fillRef>
+          <a:effectRef idx="0">
+            <a:schemeClr val="accent1"/>
+          </a:effectRef>
+          <a:fontRef idx="minor">
+            <a:schemeClr val="lt1"/>
+          </a:fontRef>
+        </p:style>
+        <p:txBody>
+          <a:bodyPr rot="0" spcFirstLastPara="0" vertOverflow="overflow" horzOverflow="overflow" vert="vert270" wrap="square" lIns="91440" tIns="45720" rIns="91440" bIns="45720" numCol="1" spcCol="0" rtlCol="0" fromWordArt="0" anchor="ctr" anchorCtr="0" forceAA="0" compatLnSpc="1">
+            <a:prstTxWarp prst="textNoShape">
+              <a:avLst/>
+            </a:prstTxWarp>
+            <a:noAutofit/>
+          </a:bodyPr>
+          <a:lstStyle/>
+          <a:p>
+            <a:pPr algn="ctr"/>
+            <a:r>
+              <a:rPr lang="pt-BR" sz="2400" b="1">
+                <a:solidFill>
+                  <a:schemeClr val="bg1"/>
+                </a:solidFill>
+                <a:latin typeface="Calibri" panose="020F0502020204030204" pitchFamily="34" charset="0"/>
+              </a:rPr>
+              <a:t>Method</a:t>
+            </a:r>
+            <a:endParaRPr lang="pt-BR" sz="2400" b="1" dirty="0">
+              <a:solidFill>
+                <a:schemeClr val="bg1"/>
+              </a:solidFill>
+              <a:latin typeface="Calibri" panose="020F0502020204030204" pitchFamily="34" charset="0"/>
+            </a:endParaRPr>
+          </a:p>
+        </p:txBody>
+      </p:sp>
     </p:spTree>
     <p:extLst>
       <p:ext uri="{BB962C8B-B14F-4D97-AF65-F5344CB8AC3E}">
